--- a/Reena/Presentation Final Draft.pptx
+++ b/Reena/Presentation Final Draft.pptx
@@ -5,7 +5,7 @@
     <p:sldMasterId id="2147483843" r:id="rId1"/>
   </p:sldMasterIdLst>
   <p:notesMasterIdLst>
-    <p:notesMasterId r:id="rId20"/>
+    <p:notesMasterId r:id="rId21"/>
   </p:notesMasterIdLst>
   <p:sldIdLst>
     <p:sldId id="256" r:id="rId2"/>
@@ -14,18 +14,19 @@
     <p:sldId id="260" r:id="rId5"/>
     <p:sldId id="262" r:id="rId6"/>
     <p:sldId id="264" r:id="rId7"/>
-    <p:sldId id="263" r:id="rId8"/>
-    <p:sldId id="265" r:id="rId9"/>
-    <p:sldId id="266" r:id="rId10"/>
-    <p:sldId id="268" r:id="rId11"/>
-    <p:sldId id="269" r:id="rId12"/>
-    <p:sldId id="270" r:id="rId13"/>
-    <p:sldId id="271" r:id="rId14"/>
-    <p:sldId id="273" r:id="rId15"/>
-    <p:sldId id="272" r:id="rId16"/>
-    <p:sldId id="267" r:id="rId17"/>
-    <p:sldId id="274" r:id="rId18"/>
-    <p:sldId id="275" r:id="rId19"/>
+    <p:sldId id="265" r:id="rId8"/>
+    <p:sldId id="276" r:id="rId9"/>
+    <p:sldId id="277" r:id="rId10"/>
+    <p:sldId id="266" r:id="rId11"/>
+    <p:sldId id="268" r:id="rId12"/>
+    <p:sldId id="269" r:id="rId13"/>
+    <p:sldId id="270" r:id="rId14"/>
+    <p:sldId id="271" r:id="rId15"/>
+    <p:sldId id="273" r:id="rId16"/>
+    <p:sldId id="272" r:id="rId17"/>
+    <p:sldId id="267" r:id="rId18"/>
+    <p:sldId id="274" r:id="rId19"/>
+    <p:sldId id="275" r:id="rId20"/>
   </p:sldIdLst>
   <p:sldSz cx="12192000" cy="6858000"/>
   <p:notesSz cx="6858000" cy="9144000"/>
@@ -124,6 +125,11 @@
       </a:defRPr>
     </a:lvl9pPr>
   </p:defaultTextStyle>
+  <p:extLst>
+    <p:ext uri="{EFAFB233-063F-42B5-8137-9DF3F51BA10A}">
+      <p15:sldGuideLst xmlns:p15="http://schemas.microsoft.com/office/powerpoint/2012/main"/>
+    </p:ext>
+  </p:extLst>
 </p:presentation>
 </file>
 
@@ -209,7 +215,7 @@
           <a:p>
             <a:fld id="{F69D43FF-2B5D-4E7E-A47B-B4A9DEA929CF}" type="datetimeFigureOut">
               <a:rPr lang="en-US" smtClean="0"/>
-              <a:t>6/15/2019</a:t>
+              <a:t>6/17/2019</a:t>
             </a:fld>
             <a:endParaRPr lang="en-US"/>
           </a:p>
@@ -677,7 +683,7 @@
           <a:p>
             <a:fld id="{6F0D264C-BC98-4275-BE42-DE110512DA9A}" type="slidenum">
               <a:rPr lang="en-US" smtClean="0"/>
-              <a:t>15</a:t>
+              <a:t>16</a:t>
             </a:fld>
             <a:endParaRPr lang="en-US"/>
           </a:p>
@@ -791,7 +797,7 @@
           <a:p>
             <a:fld id="{6F0D264C-BC98-4275-BE42-DE110512DA9A}" type="slidenum">
               <a:rPr lang="en-US" smtClean="0"/>
-              <a:t>16</a:t>
+              <a:t>17</a:t>
             </a:fld>
             <a:endParaRPr lang="en-US"/>
           </a:p>
@@ -898,7 +904,7 @@
           <a:p>
             <a:fld id="{6F0D264C-BC98-4275-BE42-DE110512DA9A}" type="slidenum">
               <a:rPr lang="en-US" smtClean="0"/>
-              <a:t>17</a:t>
+              <a:t>18</a:t>
             </a:fld>
             <a:endParaRPr lang="en-US"/>
           </a:p>
@@ -1228,7 +1234,7 @@
           <a:p>
             <a:fld id="{6F0D264C-BC98-4275-BE42-DE110512DA9A}" type="slidenum">
               <a:rPr lang="en-US" smtClean="0"/>
-              <a:t>9</a:t>
+              <a:t>10</a:t>
             </a:fld>
             <a:endParaRPr lang="en-US"/>
           </a:p>
@@ -1343,7 +1349,7 @@
           <a:p>
             <a:fld id="{6F0D264C-BC98-4275-BE42-DE110512DA9A}" type="slidenum">
               <a:rPr lang="en-US" smtClean="0"/>
-              <a:t>10</a:t>
+              <a:t>11</a:t>
             </a:fld>
             <a:endParaRPr lang="en-US"/>
           </a:p>
@@ -1458,7 +1464,7 @@
           <a:p>
             <a:fld id="{6F0D264C-BC98-4275-BE42-DE110512DA9A}" type="slidenum">
               <a:rPr lang="en-US" smtClean="0"/>
-              <a:t>11</a:t>
+              <a:t>12</a:t>
             </a:fld>
             <a:endParaRPr lang="en-US"/>
           </a:p>
@@ -1573,7 +1579,7 @@
           <a:p>
             <a:fld id="{6F0D264C-BC98-4275-BE42-DE110512DA9A}" type="slidenum">
               <a:rPr lang="en-US" smtClean="0"/>
-              <a:t>12</a:t>
+              <a:t>13</a:t>
             </a:fld>
             <a:endParaRPr lang="en-US"/>
           </a:p>
@@ -1688,7 +1694,7 @@
           <a:p>
             <a:fld id="{6F0D264C-BC98-4275-BE42-DE110512DA9A}" type="slidenum">
               <a:rPr lang="en-US" smtClean="0"/>
-              <a:t>13</a:t>
+              <a:t>14</a:t>
             </a:fld>
             <a:endParaRPr lang="en-US"/>
           </a:p>
@@ -1803,7 +1809,7 @@
           <a:p>
             <a:fld id="{6F0D264C-BC98-4275-BE42-DE110512DA9A}" type="slidenum">
               <a:rPr lang="en-US" smtClean="0"/>
-              <a:t>14</a:t>
+              <a:t>15</a:t>
             </a:fld>
             <a:endParaRPr lang="en-US"/>
           </a:p>
@@ -2012,7 +2018,7 @@
           <a:p>
             <a:fld id="{F962B18B-0D39-4BA3-B1C7-4BABD2CF7C67}" type="datetimeFigureOut">
               <a:rPr lang="en-US" smtClean="0"/>
-              <a:t>6/15/2019</a:t>
+              <a:t>6/17/2019</a:t>
             </a:fld>
             <a:endParaRPr lang="en-US"/>
           </a:p>
@@ -2217,7 +2223,7 @@
           <a:p>
             <a:fld id="{F962B18B-0D39-4BA3-B1C7-4BABD2CF7C67}" type="datetimeFigureOut">
               <a:rPr lang="en-US" smtClean="0"/>
-              <a:t>6/15/2019</a:t>
+              <a:t>6/17/2019</a:t>
             </a:fld>
             <a:endParaRPr lang="en-US"/>
           </a:p>
@@ -2397,7 +2403,7 @@
           <a:p>
             <a:fld id="{F962B18B-0D39-4BA3-B1C7-4BABD2CF7C67}" type="datetimeFigureOut">
               <a:rPr lang="en-US" smtClean="0"/>
-              <a:t>6/15/2019</a:t>
+              <a:t>6/17/2019</a:t>
             </a:fld>
             <a:endParaRPr lang="en-US"/>
           </a:p>
@@ -2602,7 +2608,7 @@
           <a:p>
             <a:fld id="{F962B18B-0D39-4BA3-B1C7-4BABD2CF7C67}" type="datetimeFigureOut">
               <a:rPr lang="en-US" smtClean="0"/>
-              <a:t>6/15/2019</a:t>
+              <a:t>6/17/2019</a:t>
             </a:fld>
             <a:endParaRPr lang="en-US"/>
           </a:p>
@@ -2897,7 +2903,7 @@
           <a:p>
             <a:fld id="{F962B18B-0D39-4BA3-B1C7-4BABD2CF7C67}" type="datetimeFigureOut">
               <a:rPr lang="en-US" smtClean="0"/>
-              <a:t>6/15/2019</a:t>
+              <a:t>6/17/2019</a:t>
             </a:fld>
             <a:endParaRPr lang="en-US"/>
           </a:p>
@@ -3169,7 +3175,7 @@
           <a:p>
             <a:fld id="{F962B18B-0D39-4BA3-B1C7-4BABD2CF7C67}" type="datetimeFigureOut">
               <a:rPr lang="en-US" smtClean="0"/>
-              <a:t>6/15/2019</a:t>
+              <a:t>6/17/2019</a:t>
             </a:fld>
             <a:endParaRPr lang="en-US"/>
           </a:p>
@@ -3576,7 +3582,7 @@
           <a:p>
             <a:fld id="{F962B18B-0D39-4BA3-B1C7-4BABD2CF7C67}" type="datetimeFigureOut">
               <a:rPr lang="en-US" smtClean="0"/>
-              <a:t>6/15/2019</a:t>
+              <a:t>6/17/2019</a:t>
             </a:fld>
             <a:endParaRPr lang="en-US"/>
           </a:p>
@@ -3694,7 +3700,7 @@
           <a:p>
             <a:fld id="{F962B18B-0D39-4BA3-B1C7-4BABD2CF7C67}" type="datetimeFigureOut">
               <a:rPr lang="en-US" smtClean="0"/>
-              <a:t>6/15/2019</a:t>
+              <a:t>6/17/2019</a:t>
             </a:fld>
             <a:endParaRPr lang="en-US"/>
           </a:p>
@@ -3789,7 +3795,7 @@
           <a:p>
             <a:fld id="{F962B18B-0D39-4BA3-B1C7-4BABD2CF7C67}" type="datetimeFigureOut">
               <a:rPr lang="en-US" smtClean="0"/>
-              <a:t>6/15/2019</a:t>
+              <a:t>6/17/2019</a:t>
             </a:fld>
             <a:endParaRPr lang="en-US"/>
           </a:p>
@@ -4079,7 +4085,7 @@
           <a:p>
             <a:fld id="{F962B18B-0D39-4BA3-B1C7-4BABD2CF7C67}" type="datetimeFigureOut">
               <a:rPr lang="en-US" smtClean="0"/>
-              <a:t>6/15/2019</a:t>
+              <a:t>6/17/2019</a:t>
             </a:fld>
             <a:endParaRPr lang="en-US"/>
           </a:p>
@@ -4359,7 +4365,7 @@
           <a:p>
             <a:fld id="{F962B18B-0D39-4BA3-B1C7-4BABD2CF7C67}" type="datetimeFigureOut">
               <a:rPr lang="en-US" smtClean="0"/>
-              <a:t>6/15/2019</a:t>
+              <a:t>6/17/2019</a:t>
             </a:fld>
             <a:endParaRPr lang="en-US"/>
           </a:p>
@@ -4609,7 +4615,7 @@
           <a:p>
             <a:fld id="{F962B18B-0D39-4BA3-B1C7-4BABD2CF7C67}" type="datetimeFigureOut">
               <a:rPr lang="en-US" smtClean="0"/>
-              <a:t>6/15/2019</a:t>
+              <a:t>6/17/2019</a:t>
             </a:fld>
             <a:endParaRPr lang="en-US"/>
           </a:p>
@@ -5268,7 +5274,7 @@
           <a:p>
             <a:r>
               <a:rPr lang="en-US" sz="3200" dirty="0" smtClean="0"/>
-              <a:t>Data Retrieval: Google API to add area zip codes in crime data</a:t>
+              <a:t>Data Cleanup and exploration  </a:t>
             </a:r>
             <a:endParaRPr lang="en-US" sz="3200" dirty="0"/>
           </a:p>
@@ -5291,10 +5297,77 @@
           </a:xfrm>
         </p:spPr>
         <p:txBody>
-          <a:bodyPr/>
-          <a:lstStyle/>
-          <a:p>
-            <a:endParaRPr lang="en-US" dirty="0"/>
+          <a:bodyPr>
+            <a:normAutofit/>
+          </a:bodyPr>
+          <a:lstStyle/>
+          <a:p>
+            <a:pPr marL="0" indent="0">
+              <a:buNone/>
+            </a:pPr>
+            <a:r>
+              <a:rPr lang="en-US" sz="2600" dirty="0" smtClean="0"/>
+              <a:t>Cleaning up with pandas:</a:t>
+            </a:r>
+          </a:p>
+          <a:p>
+            <a:pPr marL="742950" lvl="0" indent="-742950">
+              <a:buFont typeface="+mj-lt"/>
+              <a:buAutoNum type="arabicPeriod"/>
+            </a:pPr>
+            <a:r>
+              <a:rPr lang="en-US" sz="2600" dirty="0" smtClean="0"/>
+              <a:t>Create </a:t>
+            </a:r>
+            <a:r>
+              <a:rPr lang="en-US" sz="2600" dirty="0"/>
+              <a:t>consolidated report of 2016-2019 </a:t>
+            </a:r>
+            <a:r>
+              <a:rPr lang="en-US" sz="2600" dirty="0" smtClean="0"/>
+              <a:t>Crime and Foreclosure </a:t>
+            </a:r>
+            <a:endParaRPr lang="en-US" sz="2600" dirty="0"/>
+          </a:p>
+          <a:p>
+            <a:pPr marL="742950" lvl="0" indent="-742950">
+              <a:buFont typeface="+mj-lt"/>
+              <a:buAutoNum type="arabicPeriod"/>
+            </a:pPr>
+            <a:r>
+              <a:rPr lang="en-US" sz="2600" dirty="0" smtClean="0"/>
+              <a:t>Extract 2016-2019 Unemployment data for Los Angeles city</a:t>
+            </a:r>
+            <a:endParaRPr lang="en-US" sz="2600" dirty="0"/>
+          </a:p>
+          <a:p>
+            <a:pPr marL="742950" lvl="0" indent="-742950">
+              <a:buFont typeface="+mj-lt"/>
+              <a:buAutoNum type="arabicPeriod"/>
+            </a:pPr>
+            <a:r>
+              <a:rPr lang="en-US" sz="2600" dirty="0" smtClean="0"/>
+              <a:t>Add </a:t>
+            </a:r>
+            <a:r>
+              <a:rPr lang="en-US" sz="2600" dirty="0"/>
+              <a:t>Zip code column using latitude and longitude information in crime data (Used google API)</a:t>
+            </a:r>
+          </a:p>
+          <a:p>
+            <a:pPr marL="742950" lvl="0" indent="-742950">
+              <a:buFont typeface="+mj-lt"/>
+              <a:buAutoNum type="arabicPeriod"/>
+            </a:pPr>
+            <a:r>
+              <a:rPr lang="en-US" sz="2600" dirty="0"/>
+              <a:t>Merge Crime data and Foreclosure data using Zip code </a:t>
+            </a:r>
+            <a:r>
+              <a:rPr lang="en-US" sz="2600" dirty="0" smtClean="0"/>
+              <a:t>column and removed unnecessary columns.</a:t>
+            </a:r>
+            <a:endParaRPr lang="en-US" sz="2600" dirty="0"/>
           </a:p>
           <a:p>
             <a:pPr algn="ctr"/>
@@ -5305,45 +5378,15 @@
             <a:endParaRPr lang="en-US" sz="3600" dirty="0"/>
           </a:p>
           <a:p>
-            <a:pPr marL="0" indent="0" algn="ctr">
-              <a:buNone/>
-            </a:pPr>
-            <a:endParaRPr lang="en-US" sz="3600" dirty="0" smtClean="0"/>
-          </a:p>
-          <a:p>
             <a:pPr algn="ctr"/>
             <a:endParaRPr lang="en-US" sz="3600" dirty="0"/>
           </a:p>
         </p:txBody>
       </p:sp>
-      <p:pic>
-        <p:nvPicPr>
-          <p:cNvPr id="5" name="Picture 4"/>
-          <p:cNvPicPr>
-            <a:picLocks noChangeAspect="1"/>
-          </p:cNvPicPr>
-          <p:nvPr/>
-        </p:nvPicPr>
-        <p:blipFill>
-          <a:blip r:embed="rId3"/>
-          <a:stretch>
-            <a:fillRect/>
-          </a:stretch>
-        </p:blipFill>
-        <p:spPr>
-          <a:xfrm>
-            <a:off x="2258291" y="1619794"/>
-            <a:ext cx="7071637" cy="4227467"/>
-          </a:xfrm>
-          <a:prstGeom prst="rect">
-            <a:avLst/>
-          </a:prstGeom>
-        </p:spPr>
-      </p:pic>
     </p:spTree>
     <p:extLst>
       <p:ext uri="{BB962C8B-B14F-4D97-AF65-F5344CB8AC3E}">
-        <p14:creationId xmlns:p14="http://schemas.microsoft.com/office/powerpoint/2010/main" val="412352119"/>
+        <p14:creationId xmlns:p14="http://schemas.microsoft.com/office/powerpoint/2010/main" val="1725510494"/>
       </p:ext>
     </p:extLst>
   </p:cSld>
@@ -5444,28 +5487,22 @@
       </p:sp>
       <p:pic>
         <p:nvPicPr>
-          <p:cNvPr id="4" name="Picture 3"/>
+          <p:cNvPr id="5" name="Picture 4"/>
           <p:cNvPicPr>
             <a:picLocks noChangeAspect="1"/>
           </p:cNvPicPr>
           <p:nvPr/>
         </p:nvPicPr>
         <p:blipFill>
-          <a:blip r:embed="rId3" cstate="print">
-            <a:extLst>
-              <a:ext uri="{28A0092B-C50C-407E-A947-70E740481C1C}">
-                <a14:useLocalDpi xmlns:a14="http://schemas.microsoft.com/office/drawing/2010/main" val="0"/>
-              </a:ext>
-            </a:extLst>
-          </a:blip>
+          <a:blip r:embed="rId3"/>
           <a:stretch>
             <a:fillRect/>
           </a:stretch>
         </p:blipFill>
         <p:spPr>
           <a:xfrm>
-            <a:off x="1717964" y="1619794"/>
-            <a:ext cx="7906223" cy="4410521"/>
+            <a:off x="2258291" y="1619794"/>
+            <a:ext cx="7071637" cy="4227467"/>
           </a:xfrm>
           <a:prstGeom prst="rect">
             <a:avLst/>
@@ -5475,7 +5512,7 @@
     </p:spTree>
     <p:extLst>
       <p:ext uri="{BB962C8B-B14F-4D97-AF65-F5344CB8AC3E}">
-        <p14:creationId xmlns:p14="http://schemas.microsoft.com/office/powerpoint/2010/main" val="3428742672"/>
+        <p14:creationId xmlns:p14="http://schemas.microsoft.com/office/powerpoint/2010/main" val="412352119"/>
       </p:ext>
     </p:extLst>
   </p:cSld>
@@ -5526,7 +5563,7 @@
           <a:p>
             <a:r>
               <a:rPr lang="en-US" sz="3200" dirty="0" smtClean="0"/>
-              <a:t>Data Retrieval: Merged Crime and Foreclosure Data</a:t>
+              <a:t>Data Retrieval: Google API to add area zip codes in crime data</a:t>
             </a:r>
             <a:endParaRPr lang="en-US" sz="3200" dirty="0"/>
           </a:p>
@@ -5596,8 +5633,8 @@
         </p:blipFill>
         <p:spPr>
           <a:xfrm>
-            <a:off x="1717963" y="1591825"/>
-            <a:ext cx="7818250" cy="4717535"/>
+            <a:off x="1717964" y="1619794"/>
+            <a:ext cx="7906223" cy="4410521"/>
           </a:xfrm>
           <a:prstGeom prst="rect">
             <a:avLst/>
@@ -5607,7 +5644,7 @@
     </p:spTree>
     <p:extLst>
       <p:ext uri="{BB962C8B-B14F-4D97-AF65-F5344CB8AC3E}">
-        <p14:creationId xmlns:p14="http://schemas.microsoft.com/office/powerpoint/2010/main" val="1659337091"/>
+        <p14:creationId xmlns:p14="http://schemas.microsoft.com/office/powerpoint/2010/main" val="3428742672"/>
       </p:ext>
     </p:extLst>
   </p:cSld>
@@ -5657,12 +5694,8 @@
           <a:lstStyle/>
           <a:p>
             <a:r>
-              <a:rPr lang="en-US" sz="3200" dirty="0"/>
-              <a:t>Analyze for Trends (Table)</a:t>
-            </a:r>
-            <a:r>
               <a:rPr lang="en-US" sz="3200" dirty="0" smtClean="0"/>
-              <a:t> </a:t>
+              <a:t>Data Retrieval: Merged Crime and Foreclosure Data</a:t>
             </a:r>
             <a:endParaRPr lang="en-US" sz="3200" dirty="0"/>
           </a:p>
@@ -5712,22 +5745,28 @@
       </p:sp>
       <p:pic>
         <p:nvPicPr>
-          <p:cNvPr id="5" name="Picture 4"/>
+          <p:cNvPr id="4" name="Picture 3"/>
           <p:cNvPicPr>
             <a:picLocks noChangeAspect="1"/>
           </p:cNvPicPr>
           <p:nvPr/>
         </p:nvPicPr>
         <p:blipFill>
-          <a:blip r:embed="rId3"/>
+          <a:blip r:embed="rId3" cstate="print">
+            <a:extLst>
+              <a:ext uri="{28A0092B-C50C-407E-A947-70E740481C1C}">
+                <a14:useLocalDpi xmlns:a14="http://schemas.microsoft.com/office/drawing/2010/main" val="0"/>
+              </a:ext>
+            </a:extLst>
+          </a:blip>
           <a:stretch>
             <a:fillRect/>
           </a:stretch>
         </p:blipFill>
         <p:spPr>
           <a:xfrm>
-            <a:off x="1440873" y="1619794"/>
-            <a:ext cx="8482012" cy="4542077"/>
+            <a:off x="1717963" y="1591825"/>
+            <a:ext cx="7818250" cy="4717535"/>
           </a:xfrm>
           <a:prstGeom prst="rect">
             <a:avLst/>
@@ -5737,7 +5776,7 @@
     </p:spTree>
     <p:extLst>
       <p:ext uri="{BB962C8B-B14F-4D97-AF65-F5344CB8AC3E}">
-        <p14:creationId xmlns:p14="http://schemas.microsoft.com/office/powerpoint/2010/main" val="3655811843"/>
+        <p14:creationId xmlns:p14="http://schemas.microsoft.com/office/powerpoint/2010/main" val="1659337091"/>
       </p:ext>
     </p:extLst>
   </p:cSld>
@@ -5782,13 +5821,17 @@
         </p:spPr>
         <p:txBody>
           <a:bodyPr>
-            <a:noAutofit/>
+            <a:normAutofit/>
           </a:bodyPr>
           <a:lstStyle/>
           <a:p>
             <a:r>
+              <a:rPr lang="en-US" sz="3200" dirty="0"/>
+              <a:t>Analyze for Trends (Table)</a:t>
+            </a:r>
+            <a:r>
               <a:rPr lang="en-US" sz="3200" dirty="0" smtClean="0"/>
-              <a:t>Conclusion</a:t>
+              <a:t> </a:t>
             </a:r>
             <a:endParaRPr lang="en-US" sz="3200" dirty="0"/>
           </a:p>
@@ -5811,15 +5854,14 @@
           </a:xfrm>
         </p:spPr>
         <p:txBody>
-          <a:bodyPr>
-            <a:normAutofit/>
-          </a:bodyPr>
-          <a:lstStyle/>
-          <a:p>
-            <a:pPr marL="0" indent="0">
-              <a:buNone/>
-            </a:pPr>
-            <a:endParaRPr lang="en-US" sz="3300" dirty="0" smtClean="0"/>
+          <a:bodyPr/>
+          <a:lstStyle/>
+          <a:p>
+            <a:endParaRPr lang="en-US" dirty="0"/>
+          </a:p>
+          <a:p>
+            <a:pPr algn="ctr"/>
+            <a:endParaRPr lang="en-US" sz="3600" dirty="0" smtClean="0"/>
           </a:p>
           <a:p>
             <a:pPr algn="ctr"/>
@@ -5839,7 +5881,7 @@
       </p:sp>
       <p:pic>
         <p:nvPicPr>
-          <p:cNvPr id="4" name="Picture 3"/>
+          <p:cNvPr id="5" name="Picture 4"/>
           <p:cNvPicPr>
             <a:picLocks noChangeAspect="1"/>
           </p:cNvPicPr>
@@ -5853,56 +5895,8 @@
         </p:blipFill>
         <p:spPr>
           <a:xfrm>
-            <a:off x="1024128" y="1789611"/>
-            <a:ext cx="3756070" cy="2782389"/>
-          </a:xfrm>
-          <a:prstGeom prst="rect">
-            <a:avLst/>
-          </a:prstGeom>
-        </p:spPr>
-      </p:pic>
-      <p:pic>
-        <p:nvPicPr>
-          <p:cNvPr id="5" name="Picture 4"/>
-          <p:cNvPicPr>
-            <a:picLocks noChangeAspect="1"/>
-          </p:cNvPicPr>
-          <p:nvPr/>
-        </p:nvPicPr>
-        <p:blipFill>
-          <a:blip r:embed="rId4"/>
-          <a:stretch>
-            <a:fillRect/>
-          </a:stretch>
-        </p:blipFill>
-        <p:spPr>
-          <a:xfrm>
-            <a:off x="4585856" y="1789611"/>
-            <a:ext cx="4014474" cy="2657475"/>
-          </a:xfrm>
-          <a:prstGeom prst="rect">
-            <a:avLst/>
-          </a:prstGeom>
-        </p:spPr>
-      </p:pic>
-      <p:pic>
-        <p:nvPicPr>
-          <p:cNvPr id="6" name="Picture 5"/>
-          <p:cNvPicPr>
-            <a:picLocks noChangeAspect="1"/>
-          </p:cNvPicPr>
-          <p:nvPr/>
-        </p:nvPicPr>
-        <p:blipFill>
-          <a:blip r:embed="rId5"/>
-          <a:stretch>
-            <a:fillRect/>
-          </a:stretch>
-        </p:blipFill>
-        <p:spPr>
-          <a:xfrm>
-            <a:off x="8600329" y="1818186"/>
-            <a:ext cx="3439271" cy="2628900"/>
+            <a:off x="1440873" y="1619794"/>
+            <a:ext cx="8482012" cy="4542077"/>
           </a:xfrm>
           <a:prstGeom prst="rect">
             <a:avLst/>
@@ -5912,7 +5906,7 @@
     </p:spTree>
     <p:extLst>
       <p:ext uri="{BB962C8B-B14F-4D97-AF65-F5344CB8AC3E}">
-        <p14:creationId xmlns:p14="http://schemas.microsoft.com/office/powerpoint/2010/main" val="2516559150"/>
+        <p14:creationId xmlns:p14="http://schemas.microsoft.com/office/powerpoint/2010/main" val="3655811843"/>
       </p:ext>
     </p:extLst>
   </p:cSld>
@@ -5994,72 +5988,7 @@
             <a:pPr marL="0" indent="0">
               <a:buNone/>
             </a:pPr>
-            <a:r>
-              <a:rPr lang="en-US" sz="2800" dirty="0" smtClean="0"/>
-              <a:t>We collected Los Angeles city data </a:t>
-            </a:r>
-            <a:r>
-              <a:rPr lang="en-US" sz="2800" dirty="0"/>
-              <a:t>to estimate a system that </a:t>
-            </a:r>
-            <a:r>
-              <a:rPr lang="en-US" sz="2800" dirty="0" smtClean="0"/>
-              <a:t>includes crime, unemployment rate and foreclosures information. </a:t>
-            </a:r>
-            <a:r>
-              <a:rPr lang="en-US" sz="2800" dirty="0"/>
-              <a:t>Based on our analysis, it is clear </a:t>
-            </a:r>
-            <a:r>
-              <a:rPr lang="en-US" sz="2800" dirty="0" smtClean="0"/>
-              <a:t>that decrease </a:t>
-            </a:r>
-            <a:r>
-              <a:rPr lang="en-US" sz="2800" dirty="0"/>
-              <a:t>in foreclosures have a </a:t>
-            </a:r>
-            <a:r>
-              <a:rPr lang="en-US" sz="2800" dirty="0" smtClean="0"/>
-              <a:t>causal </a:t>
-            </a:r>
-            <a:r>
-              <a:rPr lang="en-US" sz="2800" dirty="0"/>
-              <a:t>effect on </a:t>
-            </a:r>
-            <a:r>
-              <a:rPr lang="en-US" sz="2800" dirty="0" smtClean="0"/>
-              <a:t>unemployment </a:t>
-            </a:r>
-            <a:r>
-              <a:rPr lang="en-US" sz="2800" dirty="0"/>
-              <a:t>while lower </a:t>
-            </a:r>
-            <a:r>
-              <a:rPr lang="en-US" sz="2800" dirty="0" smtClean="0"/>
-              <a:t>foreclosures </a:t>
-            </a:r>
-            <a:r>
-              <a:rPr lang="en-US" sz="2800" dirty="0"/>
-              <a:t>have a </a:t>
-            </a:r>
-            <a:r>
-              <a:rPr lang="en-US" sz="2800" dirty="0" smtClean="0"/>
-              <a:t>considerable </a:t>
-            </a:r>
-            <a:r>
-              <a:rPr lang="en-US" sz="2800" dirty="0"/>
-              <a:t>effect on </a:t>
-            </a:r>
-            <a:r>
-              <a:rPr lang="en-US" sz="2800" dirty="0" smtClean="0"/>
-              <a:t>crime rate.</a:t>
-            </a:r>
-          </a:p>
-          <a:p>
-            <a:pPr marL="0" indent="0">
-              <a:buNone/>
-            </a:pPr>
-            <a:endParaRPr lang="en-US" sz="2800" dirty="0" smtClean="0"/>
+            <a:endParaRPr lang="en-US" sz="3300" dirty="0" smtClean="0"/>
           </a:p>
           <a:p>
             <a:pPr algn="ctr"/>
@@ -6093,8 +6022,56 @@
         </p:blipFill>
         <p:spPr>
           <a:xfrm>
-            <a:off x="2345128" y="4049485"/>
-            <a:ext cx="7078069" cy="1749704"/>
+            <a:off x="1024128" y="1789611"/>
+            <a:ext cx="3756070" cy="2782389"/>
+          </a:xfrm>
+          <a:prstGeom prst="rect">
+            <a:avLst/>
+          </a:prstGeom>
+        </p:spPr>
+      </p:pic>
+      <p:pic>
+        <p:nvPicPr>
+          <p:cNvPr id="5" name="Picture 4"/>
+          <p:cNvPicPr>
+            <a:picLocks noChangeAspect="1"/>
+          </p:cNvPicPr>
+          <p:nvPr/>
+        </p:nvPicPr>
+        <p:blipFill>
+          <a:blip r:embed="rId4"/>
+          <a:stretch>
+            <a:fillRect/>
+          </a:stretch>
+        </p:blipFill>
+        <p:spPr>
+          <a:xfrm>
+            <a:off x="4585856" y="1789611"/>
+            <a:ext cx="4014474" cy="2657475"/>
+          </a:xfrm>
+          <a:prstGeom prst="rect">
+            <a:avLst/>
+          </a:prstGeom>
+        </p:spPr>
+      </p:pic>
+      <p:pic>
+        <p:nvPicPr>
+          <p:cNvPr id="6" name="Picture 5"/>
+          <p:cNvPicPr>
+            <a:picLocks noChangeAspect="1"/>
+          </p:cNvPicPr>
+          <p:nvPr/>
+        </p:nvPicPr>
+        <p:blipFill>
+          <a:blip r:embed="rId5"/>
+          <a:stretch>
+            <a:fillRect/>
+          </a:stretch>
+        </p:blipFill>
+        <p:spPr>
+          <a:xfrm>
+            <a:off x="8600329" y="1818186"/>
+            <a:ext cx="3439271" cy="2628900"/>
           </a:xfrm>
           <a:prstGeom prst="rect">
             <a:avLst/>
@@ -6104,7 +6081,7 @@
     </p:spTree>
     <p:extLst>
       <p:ext uri="{BB962C8B-B14F-4D97-AF65-F5344CB8AC3E}">
-        <p14:creationId xmlns:p14="http://schemas.microsoft.com/office/powerpoint/2010/main" val="3701768842"/>
+        <p14:creationId xmlns:p14="http://schemas.microsoft.com/office/powerpoint/2010/main" val="2516559150"/>
       </p:ext>
     </p:extLst>
   </p:cSld>
@@ -6149,13 +6126,13 @@
         </p:spPr>
         <p:txBody>
           <a:bodyPr>
-            <a:normAutofit/>
+            <a:noAutofit/>
           </a:bodyPr>
           <a:lstStyle/>
           <a:p>
             <a:r>
               <a:rPr lang="en-US" sz="3200" dirty="0" smtClean="0"/>
-              <a:t>if we had two more weeks, we would have researched….</a:t>
+              <a:t>Conclusion</a:t>
             </a:r>
             <a:endParaRPr lang="en-US" sz="3200" dirty="0"/>
           </a:p>
@@ -6178,18 +6155,47 @@
           </a:xfrm>
         </p:spPr>
         <p:txBody>
-          <a:bodyPr/>
-          <a:lstStyle/>
-          <a:p>
+          <a:bodyPr>
+            <a:normAutofit/>
+          </a:bodyPr>
+          <a:lstStyle/>
+          <a:p>
+            <a:pPr lvl="0"/>
+            <a:r>
+              <a:rPr lang="en-US" dirty="0"/>
+              <a:t>Based on our analysis, we do observe a small but significant positive “net” effect of foreclosure rates in </a:t>
+            </a:r>
+            <a:r>
+              <a:rPr lang="en-US" dirty="0" smtClean="0"/>
+              <a:t>2017-2018. </a:t>
+            </a:r>
+            <a:r>
+              <a:rPr lang="en-US" dirty="0"/>
+              <a:t>In particular, by analyzing each </a:t>
+            </a:r>
+            <a:r>
+              <a:rPr lang="en-US" dirty="0" smtClean="0"/>
+              <a:t>year </a:t>
+            </a:r>
+            <a:r>
+              <a:rPr lang="en-US" dirty="0"/>
+              <a:t>separately, we show that neighborhood foreclosure is significantly associated with crime in a small number of selected areas; in the majority of the areas considered, foreclosure did not exert a significant main effect on either crime type. However, it is clear that decrease in foreclosures have a causal effect on </a:t>
+            </a:r>
+            <a:r>
+              <a:rPr lang="en-US" dirty="0" smtClean="0"/>
+              <a:t>unemployment.</a:t>
+            </a:r>
             <a:endParaRPr lang="en-US" dirty="0"/>
-          </a:p>
-          <a:p>
-            <a:pPr algn="ctr"/>
-            <a:endParaRPr lang="en-US" sz="3600" dirty="0" smtClean="0"/>
           </a:p>
           <a:p>
             <a:pPr algn="ctr"/>
             <a:endParaRPr lang="en-US" sz="3600" dirty="0"/>
+          </a:p>
+          <a:p>
+            <a:pPr marL="0" indent="0" algn="ctr">
+              <a:buNone/>
+            </a:pPr>
+            <a:endParaRPr lang="en-US" sz="3600" dirty="0" smtClean="0"/>
           </a:p>
           <a:p>
             <a:pPr algn="ctr"/>
@@ -6213,8 +6219,8 @@
         </p:blipFill>
         <p:spPr>
           <a:xfrm>
-            <a:off x="1538287" y="1562100"/>
-            <a:ext cx="9115425" cy="4533900"/>
+            <a:off x="2345128" y="4049485"/>
+            <a:ext cx="7078069" cy="1749704"/>
           </a:xfrm>
           <a:prstGeom prst="rect">
             <a:avLst/>
@@ -6224,7 +6230,7 @@
     </p:spTree>
     <p:extLst>
       <p:ext uri="{BB962C8B-B14F-4D97-AF65-F5344CB8AC3E}">
-        <p14:creationId xmlns:p14="http://schemas.microsoft.com/office/powerpoint/2010/main" val="3013608478"/>
+        <p14:creationId xmlns:p14="http://schemas.microsoft.com/office/powerpoint/2010/main" val="3701768842"/>
       </p:ext>
     </p:extLst>
   </p:cSld>
@@ -6263,6 +6269,126 @@
         </p:nvSpPr>
         <p:spPr>
           <a:xfrm>
+            <a:off x="1024128" y="965871"/>
+            <a:ext cx="10058400" cy="653923"/>
+          </a:xfrm>
+        </p:spPr>
+        <p:txBody>
+          <a:bodyPr>
+            <a:normAutofit/>
+          </a:bodyPr>
+          <a:lstStyle/>
+          <a:p>
+            <a:r>
+              <a:rPr lang="en-US" sz="3200" dirty="0" smtClean="0"/>
+              <a:t>if we had two more weeks, we would have researched….</a:t>
+            </a:r>
+            <a:endParaRPr lang="en-US" sz="3200" dirty="0"/>
+          </a:p>
+        </p:txBody>
+      </p:sp>
+      <p:sp>
+        <p:nvSpPr>
+          <p:cNvPr id="3" name="Content Placeholder 2"/>
+          <p:cNvSpPr>
+            <a:spLocks noGrp="1"/>
+          </p:cNvSpPr>
+          <p:nvPr>
+            <p:ph idx="1"/>
+          </p:nvPr>
+        </p:nvSpPr>
+        <p:spPr>
+          <a:xfrm>
+            <a:off x="1024128" y="1789611"/>
+            <a:ext cx="9720071" cy="4519749"/>
+          </a:xfrm>
+        </p:spPr>
+        <p:txBody>
+          <a:bodyPr/>
+          <a:lstStyle/>
+          <a:p>
+            <a:endParaRPr lang="en-US" dirty="0"/>
+          </a:p>
+          <a:p>
+            <a:pPr algn="ctr"/>
+            <a:endParaRPr lang="en-US" sz="3600" dirty="0" smtClean="0"/>
+          </a:p>
+          <a:p>
+            <a:pPr algn="ctr"/>
+            <a:endParaRPr lang="en-US" sz="3600" dirty="0"/>
+          </a:p>
+          <a:p>
+            <a:pPr algn="ctr"/>
+            <a:endParaRPr lang="en-US" sz="3600" dirty="0"/>
+          </a:p>
+        </p:txBody>
+      </p:sp>
+      <p:pic>
+        <p:nvPicPr>
+          <p:cNvPr id="4" name="Picture 3"/>
+          <p:cNvPicPr>
+            <a:picLocks noChangeAspect="1"/>
+          </p:cNvPicPr>
+          <p:nvPr/>
+        </p:nvPicPr>
+        <p:blipFill>
+          <a:blip r:embed="rId3"/>
+          <a:stretch>
+            <a:fillRect/>
+          </a:stretch>
+        </p:blipFill>
+        <p:spPr>
+          <a:xfrm>
+            <a:off x="1538287" y="1562100"/>
+            <a:ext cx="9115425" cy="4533900"/>
+          </a:xfrm>
+          <a:prstGeom prst="rect">
+            <a:avLst/>
+          </a:prstGeom>
+        </p:spPr>
+      </p:pic>
+    </p:spTree>
+    <p:extLst>
+      <p:ext uri="{BB962C8B-B14F-4D97-AF65-F5344CB8AC3E}">
+        <p14:creationId xmlns:p14="http://schemas.microsoft.com/office/powerpoint/2010/main" val="3013608478"/>
+      </p:ext>
+    </p:extLst>
+  </p:cSld>
+  <p:clrMapOvr>
+    <a:masterClrMapping/>
+  </p:clrMapOvr>
+</p:sld>
+</file>
+
+<file path=ppt/slides/slide18.xml><?xml version="1.0" encoding="utf-8"?>
+<p:sld xmlns:a="http://schemas.openxmlformats.org/drawingml/2006/main" xmlns:r="http://schemas.openxmlformats.org/officeDocument/2006/relationships" xmlns:p="http://schemas.openxmlformats.org/presentationml/2006/main">
+  <p:cSld>
+    <p:spTree>
+      <p:nvGrpSpPr>
+        <p:cNvPr id="1" name=""/>
+        <p:cNvGrpSpPr/>
+        <p:nvPr/>
+      </p:nvGrpSpPr>
+      <p:grpSpPr>
+        <a:xfrm>
+          <a:off x="0" y="0"/>
+          <a:ext cx="0" cy="0"/>
+          <a:chOff x="0" y="0"/>
+          <a:chExt cx="0" cy="0"/>
+        </a:xfrm>
+      </p:grpSpPr>
+      <p:sp>
+        <p:nvSpPr>
+          <p:cNvPr id="2" name="Title 1"/>
+          <p:cNvSpPr>
+            <a:spLocks noGrp="1"/>
+          </p:cNvSpPr>
+          <p:nvPr>
+            <p:ph type="title"/>
+          </p:nvPr>
+        </p:nvSpPr>
+        <p:spPr>
+          <a:xfrm>
             <a:off x="1024128" y="886691"/>
             <a:ext cx="9720072" cy="1108363"/>
           </a:xfrm>
@@ -6340,7 +6466,6 @@
               <a:rPr lang="en-US" sz="2800" dirty="0"/>
               <a:t>We could have find out if impacts on crime vary depending on the outcomes of the foreclosures.</a:t>
             </a:r>
-            <a:endParaRPr lang="en-US" sz="2800" dirty="0"/>
           </a:p>
         </p:txBody>
       </p:sp>
@@ -6357,7 +6482,7 @@
 </p:sld>
 </file>
 
-<file path=ppt/slides/slide18.xml><?xml version="1.0" encoding="utf-8"?>
+<file path=ppt/slides/slide19.xml><?xml version="1.0" encoding="utf-8"?>
 <p:sld xmlns:a="http://schemas.openxmlformats.org/drawingml/2006/main" xmlns:r="http://schemas.openxmlformats.org/officeDocument/2006/relationships" xmlns:p="http://schemas.openxmlformats.org/presentationml/2006/main">
   <p:cSld>
     <p:spTree>
@@ -7289,12 +7414,21 @@
           <a:p>
             <a:r>
               <a:rPr lang="en-US" sz="3200" dirty="0" smtClean="0"/>
-              <a:t>Crime rate by highest Foreclosure Area </a:t>
-            </a:r>
-            <a:r>
-              <a:rPr lang="en-US" sz="3200" dirty="0"/>
-              <a:t>(Between 2016 – 2019)</a:t>
-            </a:r>
+              <a:t>Top Crimes in foreclosure zones </a:t>
+            </a:r>
+            <a:r>
+              <a:rPr lang="en-US" sz="3200" dirty="0" smtClean="0"/>
+              <a:t>(</a:t>
+            </a:r>
+            <a:r>
+              <a:rPr lang="en-US" sz="3200" dirty="0" smtClean="0"/>
+              <a:t>2016</a:t>
+            </a:r>
+            <a:r>
+              <a:rPr lang="en-US" sz="3200" dirty="0" smtClean="0"/>
+              <a:t>) </a:t>
+            </a:r>
+            <a:endParaRPr lang="en-US" sz="3200" dirty="0"/>
           </a:p>
         </p:txBody>
       </p:sp>
@@ -7356,8 +7490,8 @@
         </p:blipFill>
         <p:spPr>
           <a:xfrm>
-            <a:off x="0" y="1440873"/>
-            <a:ext cx="12192000" cy="4719848"/>
+            <a:off x="0" y="1620882"/>
+            <a:ext cx="12054564" cy="4857205"/>
           </a:xfrm>
           <a:prstGeom prst="rect">
             <a:avLst/>
@@ -7367,7 +7501,7 @@
     </p:spTree>
     <p:extLst>
       <p:ext uri="{BB962C8B-B14F-4D97-AF65-F5344CB8AC3E}">
-        <p14:creationId xmlns:p14="http://schemas.microsoft.com/office/powerpoint/2010/main" val="514858640"/>
+        <p14:creationId xmlns:p14="http://schemas.microsoft.com/office/powerpoint/2010/main" val="1772122558"/>
       </p:ext>
     </p:extLst>
   </p:cSld>
@@ -7421,12 +7555,16 @@
               <a:t>Top Crimes in foreclosure zones </a:t>
             </a:r>
             <a:r>
-              <a:rPr lang="en-US" sz="3200" dirty="0"/>
-              <a:t>(Between 2016 – 2019)</a:t>
-            </a:r>
-            <a:r>
               <a:rPr lang="en-US" sz="3200" dirty="0" smtClean="0"/>
-              <a:t> </a:t>
+              <a:t>(</a:t>
+            </a:r>
+            <a:r>
+              <a:rPr lang="en-US" sz="3200" dirty="0" smtClean="0"/>
+              <a:t>2017</a:t>
+            </a:r>
+            <a:r>
+              <a:rPr lang="en-US" sz="3200" dirty="0" smtClean="0"/>
+              <a:t>) </a:t>
             </a:r>
             <a:endParaRPr lang="en-US" sz="3200" dirty="0"/>
           </a:p>
@@ -7490,8 +7628,8 @@
         </p:blipFill>
         <p:spPr>
           <a:xfrm>
-            <a:off x="0" y="1399308"/>
-            <a:ext cx="12192000" cy="5077691"/>
+            <a:off x="0" y="1413164"/>
+            <a:ext cx="12192000" cy="5063836"/>
           </a:xfrm>
           <a:prstGeom prst="rect">
             <a:avLst/>
@@ -7501,7 +7639,7 @@
     </p:spTree>
     <p:extLst>
       <p:ext uri="{BB962C8B-B14F-4D97-AF65-F5344CB8AC3E}">
-        <p14:creationId xmlns:p14="http://schemas.microsoft.com/office/powerpoint/2010/main" val="1772122558"/>
+        <p14:creationId xmlns:p14="http://schemas.microsoft.com/office/powerpoint/2010/main" val="4266846173"/>
       </p:ext>
     </p:extLst>
   </p:cSld>
@@ -7552,7 +7690,19 @@
           <a:p>
             <a:r>
               <a:rPr lang="en-US" sz="3200" dirty="0" smtClean="0"/>
-              <a:t>Data Cleanup and exploration  </a:t>
+              <a:t>Top Crimes in foreclosure zones </a:t>
+            </a:r>
+            <a:r>
+              <a:rPr lang="en-US" sz="3200" dirty="0" smtClean="0"/>
+              <a:t>(</a:t>
+            </a:r>
+            <a:r>
+              <a:rPr lang="en-US" sz="3200" dirty="0" smtClean="0"/>
+              <a:t>2018</a:t>
+            </a:r>
+            <a:r>
+              <a:rPr lang="en-US" sz="3200" dirty="0" smtClean="0"/>
+              <a:t>) </a:t>
             </a:r>
             <a:endParaRPr lang="en-US" sz="3200" dirty="0"/>
           </a:p>
@@ -7575,77 +7725,10 @@
           </a:xfrm>
         </p:spPr>
         <p:txBody>
-          <a:bodyPr>
-            <a:normAutofit/>
-          </a:bodyPr>
-          <a:lstStyle/>
-          <a:p>
-            <a:pPr marL="0" indent="0">
-              <a:buNone/>
-            </a:pPr>
-            <a:r>
-              <a:rPr lang="en-US" sz="2600" dirty="0" smtClean="0"/>
-              <a:t>Cleaning up with pandas:</a:t>
-            </a:r>
-          </a:p>
-          <a:p>
-            <a:pPr marL="742950" lvl="0" indent="-742950">
-              <a:buFont typeface="+mj-lt"/>
-              <a:buAutoNum type="arabicPeriod"/>
-            </a:pPr>
-            <a:r>
-              <a:rPr lang="en-US" sz="2600" dirty="0" smtClean="0"/>
-              <a:t>Create </a:t>
-            </a:r>
-            <a:r>
-              <a:rPr lang="en-US" sz="2600" dirty="0"/>
-              <a:t>consolidated report of 2016-2019 </a:t>
-            </a:r>
-            <a:r>
-              <a:rPr lang="en-US" sz="2600" dirty="0" smtClean="0"/>
-              <a:t>Crime and Foreclosure </a:t>
-            </a:r>
-            <a:endParaRPr lang="en-US" sz="2600" dirty="0"/>
-          </a:p>
-          <a:p>
-            <a:pPr marL="742950" lvl="0" indent="-742950">
-              <a:buFont typeface="+mj-lt"/>
-              <a:buAutoNum type="arabicPeriod"/>
-            </a:pPr>
-            <a:r>
-              <a:rPr lang="en-US" sz="2600" dirty="0" smtClean="0"/>
-              <a:t>Extract 2016-2019 Unemployment data for Los Angeles city</a:t>
-            </a:r>
-            <a:endParaRPr lang="en-US" sz="2600" dirty="0"/>
-          </a:p>
-          <a:p>
-            <a:pPr marL="742950" lvl="0" indent="-742950">
-              <a:buFont typeface="+mj-lt"/>
-              <a:buAutoNum type="arabicPeriod"/>
-            </a:pPr>
-            <a:r>
-              <a:rPr lang="en-US" sz="2600" dirty="0" smtClean="0"/>
-              <a:t>Add </a:t>
-            </a:r>
-            <a:r>
-              <a:rPr lang="en-US" sz="2600" dirty="0"/>
-              <a:t>Zip code column using latitude and longitude information in crime data (Used google API)</a:t>
-            </a:r>
-          </a:p>
-          <a:p>
-            <a:pPr marL="742950" lvl="0" indent="-742950">
-              <a:buFont typeface="+mj-lt"/>
-              <a:buAutoNum type="arabicPeriod"/>
-            </a:pPr>
-            <a:r>
-              <a:rPr lang="en-US" sz="2600" dirty="0"/>
-              <a:t>Merge Crime data and Foreclosure data using Zip code </a:t>
-            </a:r>
-            <a:r>
-              <a:rPr lang="en-US" sz="2600" dirty="0" smtClean="0"/>
-              <a:t>column and removed unnecessary columns.</a:t>
-            </a:r>
-            <a:endParaRPr lang="en-US" sz="2600" dirty="0"/>
+          <a:bodyPr/>
+          <a:lstStyle/>
+          <a:p>
+            <a:endParaRPr lang="en-US" dirty="0"/>
           </a:p>
           <a:p>
             <a:pPr algn="ctr"/>
@@ -7661,10 +7744,40 @@
           </a:p>
         </p:txBody>
       </p:sp>
+      <p:pic>
+        <p:nvPicPr>
+          <p:cNvPr id="5" name="Picture 4"/>
+          <p:cNvPicPr>
+            <a:picLocks noChangeAspect="1"/>
+          </p:cNvPicPr>
+          <p:nvPr/>
+        </p:nvPicPr>
+        <p:blipFill>
+          <a:blip r:embed="rId2">
+            <a:extLst>
+              <a:ext uri="{28A0092B-C50C-407E-A947-70E740481C1C}">
+                <a14:useLocalDpi xmlns:a14="http://schemas.microsoft.com/office/drawing/2010/main" val="0"/>
+              </a:ext>
+            </a:extLst>
+          </a:blip>
+          <a:stretch>
+            <a:fillRect/>
+          </a:stretch>
+        </p:blipFill>
+        <p:spPr>
+          <a:xfrm>
+            <a:off x="0" y="1789610"/>
+            <a:ext cx="12192000" cy="4687389"/>
+          </a:xfrm>
+          <a:prstGeom prst="rect">
+            <a:avLst/>
+          </a:prstGeom>
+        </p:spPr>
+      </p:pic>
     </p:spTree>
     <p:extLst>
       <p:ext uri="{BB962C8B-B14F-4D97-AF65-F5344CB8AC3E}">
-        <p14:creationId xmlns:p14="http://schemas.microsoft.com/office/powerpoint/2010/main" val="1725510494"/>
+        <p14:creationId xmlns:p14="http://schemas.microsoft.com/office/powerpoint/2010/main" val="1683141984"/>
       </p:ext>
     </p:extLst>
   </p:cSld>

--- a/Reena/Presentation Final Draft.pptx
+++ b/Reena/Presentation Final Draft.pptx
@@ -5,28 +5,32 @@
     <p:sldMasterId id="2147483843" r:id="rId1"/>
   </p:sldMasterIdLst>
   <p:notesMasterIdLst>
-    <p:notesMasterId r:id="rId21"/>
+    <p:notesMasterId r:id="rId25"/>
   </p:notesMasterIdLst>
   <p:sldIdLst>
     <p:sldId id="256" r:id="rId2"/>
     <p:sldId id="257" r:id="rId3"/>
     <p:sldId id="259" r:id="rId4"/>
     <p:sldId id="260" r:id="rId5"/>
-    <p:sldId id="262" r:id="rId6"/>
-    <p:sldId id="264" r:id="rId7"/>
-    <p:sldId id="265" r:id="rId8"/>
-    <p:sldId id="276" r:id="rId9"/>
-    <p:sldId id="277" r:id="rId10"/>
-    <p:sldId id="266" r:id="rId11"/>
-    <p:sldId id="268" r:id="rId12"/>
-    <p:sldId id="269" r:id="rId13"/>
-    <p:sldId id="270" r:id="rId14"/>
-    <p:sldId id="271" r:id="rId15"/>
-    <p:sldId id="273" r:id="rId16"/>
-    <p:sldId id="272" r:id="rId17"/>
-    <p:sldId id="267" r:id="rId18"/>
-    <p:sldId id="274" r:id="rId19"/>
-    <p:sldId id="275" r:id="rId20"/>
+    <p:sldId id="280" r:id="rId6"/>
+    <p:sldId id="262" r:id="rId7"/>
+    <p:sldId id="264" r:id="rId8"/>
+    <p:sldId id="265" r:id="rId9"/>
+    <p:sldId id="276" r:id="rId10"/>
+    <p:sldId id="277" r:id="rId11"/>
+    <p:sldId id="278" r:id="rId12"/>
+    <p:sldId id="279" r:id="rId13"/>
+    <p:sldId id="266" r:id="rId14"/>
+    <p:sldId id="268" r:id="rId15"/>
+    <p:sldId id="269" r:id="rId16"/>
+    <p:sldId id="270" r:id="rId17"/>
+    <p:sldId id="271" r:id="rId18"/>
+    <p:sldId id="283" r:id="rId19"/>
+    <p:sldId id="282" r:id="rId20"/>
+    <p:sldId id="272" r:id="rId21"/>
+    <p:sldId id="267" r:id="rId22"/>
+    <p:sldId id="274" r:id="rId23"/>
+    <p:sldId id="275" r:id="rId24"/>
   </p:sldIdLst>
   <p:sldSz cx="12192000" cy="6858000"/>
   <p:notesSz cx="6858000" cy="9144000"/>
@@ -683,7 +687,7 @@
           <a:p>
             <a:fld id="{6F0D264C-BC98-4275-BE42-DE110512DA9A}" type="slidenum">
               <a:rPr lang="en-US" smtClean="0"/>
-              <a:t>16</a:t>
+              <a:t>18</a:t>
             </a:fld>
             <a:endParaRPr lang="en-US"/>
           </a:p>
@@ -692,7 +696,7 @@
     </p:spTree>
     <p:extLst>
       <p:ext uri="{BB962C8B-B14F-4D97-AF65-F5344CB8AC3E}">
-        <p14:creationId xmlns:p14="http://schemas.microsoft.com/office/powerpoint/2010/main" val="815872983"/>
+        <p14:creationId xmlns:p14="http://schemas.microsoft.com/office/powerpoint/2010/main" val="4217623435"/>
       </p:ext>
     </p:extLst>
   </p:cSld>
@@ -746,7 +750,23 @@
           <a:bodyPr/>
           <a:lstStyle/>
           <a:p>
-            <a:pPr lvl="0"/>
+            <a:pPr marL="0" marR="0" lvl="0" indent="0" algn="l" defTabSz="914400" rtl="0" eaLnBrk="1" fontAlgn="auto" latinLnBrk="0" hangingPunct="1">
+              <a:lnSpc>
+                <a:spcPct val="100000"/>
+              </a:lnSpc>
+              <a:spcBef>
+                <a:spcPts val="0"/>
+              </a:spcBef>
+              <a:spcAft>
+                <a:spcPts val="0"/>
+              </a:spcAft>
+              <a:buClrTx/>
+              <a:buSzTx/>
+              <a:buFontTx/>
+              <a:buNone/>
+              <a:tabLst/>
+              <a:defRPr/>
+            </a:pPr>
             <a:r>
               <a:rPr lang="en-US" sz="1200" kern="1200" dirty="0" smtClean="0">
                 <a:solidFill>
@@ -757,22 +777,7 @@
                 <a:ea typeface="+mn-ea"/>
                 <a:cs typeface="+mn-cs"/>
               </a:rPr>
-              <a:t>Discuss any difficulties that arose, and how you dealt with them</a:t>
-            </a:r>
-          </a:p>
-          <a:p>
-            <a:pPr lvl="0"/>
-            <a:r>
-              <a:rPr lang="en-US" sz="1200" kern="1200" dirty="0" smtClean="0">
-                <a:solidFill>
-                  <a:schemeClr val="tx1"/>
-                </a:solidFill>
-                <a:effectLst/>
-                <a:latin typeface="+mn-lt"/>
-                <a:ea typeface="+mn-ea"/>
-                <a:cs typeface="+mn-cs"/>
-              </a:rPr>
-              <a:t>  * Discuss any additional questions that came up, but which you didn't have time to answer: What would you research next, if you had two more weeks?</a:t>
+              <a:t>* Discuss the steps you took to analyze the data and answer each question you asked in your proposal</a:t>
             </a:r>
           </a:p>
           <a:p>
@@ -797,7 +802,7 @@
           <a:p>
             <a:fld id="{6F0D264C-BC98-4275-BE42-DE110512DA9A}" type="slidenum">
               <a:rPr lang="en-US" smtClean="0"/>
-              <a:t>17</a:t>
+              <a:t>19</a:t>
             </a:fld>
             <a:endParaRPr lang="en-US"/>
           </a:p>
@@ -806,7 +811,7 @@
     </p:spTree>
     <p:extLst>
       <p:ext uri="{BB962C8B-B14F-4D97-AF65-F5344CB8AC3E}">
-        <p14:creationId xmlns:p14="http://schemas.microsoft.com/office/powerpoint/2010/main" val="89854625"/>
+        <p14:creationId xmlns:p14="http://schemas.microsoft.com/office/powerpoint/2010/main" val="956585740"/>
       </p:ext>
     </p:extLst>
   </p:cSld>
@@ -878,6 +883,235 @@
               <a:defRPr/>
             </a:pPr>
             <a:r>
+              <a:rPr lang="en-US" sz="1200" kern="1200" dirty="0" smtClean="0">
+                <a:solidFill>
+                  <a:schemeClr val="tx1"/>
+                </a:solidFill>
+                <a:effectLst/>
+                <a:latin typeface="+mn-lt"/>
+                <a:ea typeface="+mn-ea"/>
+                <a:cs typeface="+mn-cs"/>
+              </a:rPr>
+              <a:t>* Discuss the steps you took to analyze the data and answer each question you asked in your proposal</a:t>
+            </a:r>
+          </a:p>
+          <a:p>
+            <a:endParaRPr lang="en-US" dirty="0"/>
+          </a:p>
+        </p:txBody>
+      </p:sp>
+      <p:sp>
+        <p:nvSpPr>
+          <p:cNvPr id="4" name="Slide Number Placeholder 3"/>
+          <p:cNvSpPr>
+            <a:spLocks noGrp="1"/>
+          </p:cNvSpPr>
+          <p:nvPr>
+            <p:ph type="sldNum" sz="quarter" idx="10"/>
+          </p:nvPr>
+        </p:nvSpPr>
+        <p:spPr/>
+        <p:txBody>
+          <a:bodyPr/>
+          <a:lstStyle/>
+          <a:p>
+            <a:fld id="{6F0D264C-BC98-4275-BE42-DE110512DA9A}" type="slidenum">
+              <a:rPr lang="en-US" smtClean="0"/>
+              <a:t>20</a:t>
+            </a:fld>
+            <a:endParaRPr lang="en-US"/>
+          </a:p>
+        </p:txBody>
+      </p:sp>
+    </p:spTree>
+    <p:extLst>
+      <p:ext uri="{BB962C8B-B14F-4D97-AF65-F5344CB8AC3E}">
+        <p14:creationId xmlns:p14="http://schemas.microsoft.com/office/powerpoint/2010/main" val="815872983"/>
+      </p:ext>
+    </p:extLst>
+  </p:cSld>
+  <p:clrMapOvr>
+    <a:masterClrMapping/>
+  </p:clrMapOvr>
+</p:notes>
+</file>
+
+<file path=ppt/notesSlides/notesSlide13.xml><?xml version="1.0" encoding="utf-8"?>
+<p:notes xmlns:a="http://schemas.openxmlformats.org/drawingml/2006/main" xmlns:r="http://schemas.openxmlformats.org/officeDocument/2006/relationships" xmlns:p="http://schemas.openxmlformats.org/presentationml/2006/main">
+  <p:cSld>
+    <p:spTree>
+      <p:nvGrpSpPr>
+        <p:cNvPr id="1" name=""/>
+        <p:cNvGrpSpPr/>
+        <p:nvPr/>
+      </p:nvGrpSpPr>
+      <p:grpSpPr>
+        <a:xfrm>
+          <a:off x="0" y="0"/>
+          <a:ext cx="0" cy="0"/>
+          <a:chOff x="0" y="0"/>
+          <a:chExt cx="0" cy="0"/>
+        </a:xfrm>
+      </p:grpSpPr>
+      <p:sp>
+        <p:nvSpPr>
+          <p:cNvPr id="2" name="Slide Image Placeholder 1"/>
+          <p:cNvSpPr>
+            <a:spLocks noGrp="1" noRot="1" noChangeAspect="1"/>
+          </p:cNvSpPr>
+          <p:nvPr>
+            <p:ph type="sldImg"/>
+          </p:nvPr>
+        </p:nvSpPr>
+        <p:spPr/>
+      </p:sp>
+      <p:sp>
+        <p:nvSpPr>
+          <p:cNvPr id="3" name="Notes Placeholder 2"/>
+          <p:cNvSpPr>
+            <a:spLocks noGrp="1"/>
+          </p:cNvSpPr>
+          <p:nvPr>
+            <p:ph type="body" idx="1"/>
+          </p:nvPr>
+        </p:nvSpPr>
+        <p:spPr/>
+        <p:txBody>
+          <a:bodyPr/>
+          <a:lstStyle/>
+          <a:p>
+            <a:pPr lvl="0"/>
+            <a:r>
+              <a:rPr lang="en-US" sz="1200" kern="1200" dirty="0" smtClean="0">
+                <a:solidFill>
+                  <a:schemeClr val="tx1"/>
+                </a:solidFill>
+                <a:effectLst/>
+                <a:latin typeface="+mn-lt"/>
+                <a:ea typeface="+mn-ea"/>
+                <a:cs typeface="+mn-cs"/>
+              </a:rPr>
+              <a:t>Discuss any difficulties that arose, and how you dealt with them</a:t>
+            </a:r>
+          </a:p>
+          <a:p>
+            <a:pPr lvl="0"/>
+            <a:r>
+              <a:rPr lang="en-US" sz="1200" kern="1200" dirty="0" smtClean="0">
+                <a:solidFill>
+                  <a:schemeClr val="tx1"/>
+                </a:solidFill>
+                <a:effectLst/>
+                <a:latin typeface="+mn-lt"/>
+                <a:ea typeface="+mn-ea"/>
+                <a:cs typeface="+mn-cs"/>
+              </a:rPr>
+              <a:t>  * Discuss any additional questions that came up, but which you didn't have time to answer: What would you research next, if you had two more weeks?</a:t>
+            </a:r>
+          </a:p>
+          <a:p>
+            <a:endParaRPr lang="en-US" dirty="0"/>
+          </a:p>
+        </p:txBody>
+      </p:sp>
+      <p:sp>
+        <p:nvSpPr>
+          <p:cNvPr id="4" name="Slide Number Placeholder 3"/>
+          <p:cNvSpPr>
+            <a:spLocks noGrp="1"/>
+          </p:cNvSpPr>
+          <p:nvPr>
+            <p:ph type="sldNum" sz="quarter" idx="10"/>
+          </p:nvPr>
+        </p:nvSpPr>
+        <p:spPr/>
+        <p:txBody>
+          <a:bodyPr/>
+          <a:lstStyle/>
+          <a:p>
+            <a:fld id="{6F0D264C-BC98-4275-BE42-DE110512DA9A}" type="slidenum">
+              <a:rPr lang="en-US" smtClean="0"/>
+              <a:t>21</a:t>
+            </a:fld>
+            <a:endParaRPr lang="en-US"/>
+          </a:p>
+        </p:txBody>
+      </p:sp>
+    </p:spTree>
+    <p:extLst>
+      <p:ext uri="{BB962C8B-B14F-4D97-AF65-F5344CB8AC3E}">
+        <p14:creationId xmlns:p14="http://schemas.microsoft.com/office/powerpoint/2010/main" val="89854625"/>
+      </p:ext>
+    </p:extLst>
+  </p:cSld>
+  <p:clrMapOvr>
+    <a:masterClrMapping/>
+  </p:clrMapOvr>
+</p:notes>
+</file>
+
+<file path=ppt/notesSlides/notesSlide14.xml><?xml version="1.0" encoding="utf-8"?>
+<p:notes xmlns:a="http://schemas.openxmlformats.org/drawingml/2006/main" xmlns:r="http://schemas.openxmlformats.org/officeDocument/2006/relationships" xmlns:p="http://schemas.openxmlformats.org/presentationml/2006/main">
+  <p:cSld>
+    <p:spTree>
+      <p:nvGrpSpPr>
+        <p:cNvPr id="1" name=""/>
+        <p:cNvGrpSpPr/>
+        <p:nvPr/>
+      </p:nvGrpSpPr>
+      <p:grpSpPr>
+        <a:xfrm>
+          <a:off x="0" y="0"/>
+          <a:ext cx="0" cy="0"/>
+          <a:chOff x="0" y="0"/>
+          <a:chExt cx="0" cy="0"/>
+        </a:xfrm>
+      </p:grpSpPr>
+      <p:sp>
+        <p:nvSpPr>
+          <p:cNvPr id="2" name="Slide Image Placeholder 1"/>
+          <p:cNvSpPr>
+            <a:spLocks noGrp="1" noRot="1" noChangeAspect="1"/>
+          </p:cNvSpPr>
+          <p:nvPr>
+            <p:ph type="sldImg"/>
+          </p:nvPr>
+        </p:nvSpPr>
+        <p:spPr/>
+      </p:sp>
+      <p:sp>
+        <p:nvSpPr>
+          <p:cNvPr id="3" name="Notes Placeholder 2"/>
+          <p:cNvSpPr>
+            <a:spLocks noGrp="1"/>
+          </p:cNvSpPr>
+          <p:nvPr>
+            <p:ph type="body" idx="1"/>
+          </p:nvPr>
+        </p:nvSpPr>
+        <p:spPr/>
+        <p:txBody>
+          <a:bodyPr/>
+          <a:lstStyle/>
+          <a:p>
+            <a:pPr marL="0" marR="0" lvl="0" indent="0" algn="l" defTabSz="914400" rtl="0" eaLnBrk="1" fontAlgn="auto" latinLnBrk="0" hangingPunct="1">
+              <a:lnSpc>
+                <a:spcPct val="100000"/>
+              </a:lnSpc>
+              <a:spcBef>
+                <a:spcPts val="0"/>
+              </a:spcBef>
+              <a:spcAft>
+                <a:spcPts val="0"/>
+              </a:spcAft>
+              <a:buClrTx/>
+              <a:buSzTx/>
+              <a:buFontTx/>
+              <a:buNone/>
+              <a:tabLst/>
+              <a:defRPr/>
+            </a:pPr>
+            <a:r>
               <a:rPr lang="en-US" sz="1200" dirty="0" smtClean="0"/>
               <a:t>Discuss insights you had while exploring the data that you didn't anticipate</a:t>
             </a:r>
@@ -904,7 +1138,7 @@
           <a:p>
             <a:fld id="{6F0D264C-BC98-4275-BE42-DE110512DA9A}" type="slidenum">
               <a:rPr lang="en-US" smtClean="0"/>
-              <a:t>18</a:t>
+              <a:t>22</a:t>
             </a:fld>
             <a:endParaRPr lang="en-US"/>
           </a:p>
@@ -1185,35 +1419,34 @@
           <a:bodyPr/>
           <a:lstStyle/>
           <a:p>
-            <a:pPr marL="0" marR="0" lvl="0" indent="0" algn="l" defTabSz="914400" rtl="0" eaLnBrk="1" fontAlgn="auto" latinLnBrk="0" hangingPunct="1">
-              <a:lnSpc>
-                <a:spcPct val="100000"/>
-              </a:lnSpc>
-              <a:spcBef>
-                <a:spcPts val="0"/>
-              </a:spcBef>
-              <a:spcAft>
-                <a:spcPts val="0"/>
-              </a:spcAft>
-              <a:buClrTx/>
-              <a:buSzTx/>
-              <a:buFontTx/>
+            <a:pPr marL="0" indent="0">
               <a:buNone/>
-              <a:tabLst/>
-              <a:defRPr/>
             </a:pPr>
             <a:r>
-              <a:rPr lang="en-US" sz="1200" kern="1200" dirty="0" smtClean="0">
-                <a:solidFill>
-                  <a:schemeClr val="tx1"/>
-                </a:solidFill>
-                <a:effectLst/>
-                <a:latin typeface="+mn-lt"/>
-                <a:ea typeface="+mn-ea"/>
-                <a:cs typeface="+mn-cs"/>
-              </a:rPr>
-              <a:t>Discuss the steps you took to analyze the data and answer each question you asked in your proposal</a:t>
-            </a:r>
+              <a:rPr lang="en-US" sz="1200" dirty="0" smtClean="0"/>
+              <a:t>Crime Data: We have found data on all crimes reported in Los Angeles City between 2016 and 2019. This detailed dataset includes the spatial coordinates of each reported crime, along with its date, time, and offense categories.</a:t>
+            </a:r>
+          </a:p>
+          <a:p>
+            <a:r>
+              <a:rPr lang="en-US" sz="1200" dirty="0" smtClean="0"/>
+              <a:t>Crime Data Source:</a:t>
+            </a:r>
+          </a:p>
+          <a:p>
+            <a:r>
+              <a:rPr lang="en-US" sz="1200" dirty="0" smtClean="0"/>
+              <a:t>Foreclosure Data: We used data on all foreclosure reported in Los Angeles City between 2016 and 2019. This comprehensive dataset contains each reported foreclosures, along with its reported date, property type, location and lender information.</a:t>
+            </a:r>
+          </a:p>
+          <a:p>
+            <a:r>
+              <a:rPr lang="en-US" sz="1200" dirty="0" smtClean="0"/>
+              <a:t>Foreclosure Data Source:</a:t>
+            </a:r>
+          </a:p>
+          <a:p>
+            <a:endParaRPr lang="en-US" dirty="0"/>
           </a:p>
         </p:txBody>
       </p:sp>
@@ -1234,7 +1467,7 @@
           <a:p>
             <a:fld id="{6F0D264C-BC98-4275-BE42-DE110512DA9A}" type="slidenum">
               <a:rPr lang="en-US" smtClean="0"/>
-              <a:t>10</a:t>
+              <a:t>5</a:t>
             </a:fld>
             <a:endParaRPr lang="en-US"/>
           </a:p>
@@ -1243,7 +1476,7 @@
     </p:spTree>
     <p:extLst>
       <p:ext uri="{BB962C8B-B14F-4D97-AF65-F5344CB8AC3E}">
-        <p14:creationId xmlns:p14="http://schemas.microsoft.com/office/powerpoint/2010/main" val="3119136340"/>
+        <p14:creationId xmlns:p14="http://schemas.microsoft.com/office/powerpoint/2010/main" val="3794327099"/>
       </p:ext>
     </p:extLst>
   </p:cSld>
@@ -1324,11 +1557,8 @@
                 <a:ea typeface="+mn-ea"/>
                 <a:cs typeface="+mn-cs"/>
               </a:rPr>
-              <a:t>* Discuss the steps you took to analyze the data and answer each question you asked in your proposal</a:t>
-            </a:r>
-          </a:p>
-          <a:p>
-            <a:endParaRPr lang="en-US" dirty="0"/>
+              <a:t>Discuss the steps you took to analyze the data and answer each question you asked in your proposal</a:t>
+            </a:r>
           </a:p>
         </p:txBody>
       </p:sp>
@@ -1349,7 +1579,7 @@
           <a:p>
             <a:fld id="{6F0D264C-BC98-4275-BE42-DE110512DA9A}" type="slidenum">
               <a:rPr lang="en-US" smtClean="0"/>
-              <a:t>11</a:t>
+              <a:t>13</a:t>
             </a:fld>
             <a:endParaRPr lang="en-US"/>
           </a:p>
@@ -1358,7 +1588,7 @@
     </p:spTree>
     <p:extLst>
       <p:ext uri="{BB962C8B-B14F-4D97-AF65-F5344CB8AC3E}">
-        <p14:creationId xmlns:p14="http://schemas.microsoft.com/office/powerpoint/2010/main" val="1317828959"/>
+        <p14:creationId xmlns:p14="http://schemas.microsoft.com/office/powerpoint/2010/main" val="3119136340"/>
       </p:ext>
     </p:extLst>
   </p:cSld>
@@ -1464,7 +1694,7 @@
           <a:p>
             <a:fld id="{6F0D264C-BC98-4275-BE42-DE110512DA9A}" type="slidenum">
               <a:rPr lang="en-US" smtClean="0"/>
-              <a:t>12</a:t>
+              <a:t>14</a:t>
             </a:fld>
             <a:endParaRPr lang="en-US"/>
           </a:p>
@@ -1473,7 +1703,7 @@
     </p:spTree>
     <p:extLst>
       <p:ext uri="{BB962C8B-B14F-4D97-AF65-F5344CB8AC3E}">
-        <p14:creationId xmlns:p14="http://schemas.microsoft.com/office/powerpoint/2010/main" val="40861316"/>
+        <p14:creationId xmlns:p14="http://schemas.microsoft.com/office/powerpoint/2010/main" val="1317828959"/>
       </p:ext>
     </p:extLst>
   </p:cSld>
@@ -1579,7 +1809,7 @@
           <a:p>
             <a:fld id="{6F0D264C-BC98-4275-BE42-DE110512DA9A}" type="slidenum">
               <a:rPr lang="en-US" smtClean="0"/>
-              <a:t>13</a:t>
+              <a:t>15</a:t>
             </a:fld>
             <a:endParaRPr lang="en-US"/>
           </a:p>
@@ -1588,7 +1818,7 @@
     </p:spTree>
     <p:extLst>
       <p:ext uri="{BB962C8B-B14F-4D97-AF65-F5344CB8AC3E}">
-        <p14:creationId xmlns:p14="http://schemas.microsoft.com/office/powerpoint/2010/main" val="1006348953"/>
+        <p14:creationId xmlns:p14="http://schemas.microsoft.com/office/powerpoint/2010/main" val="40861316"/>
       </p:ext>
     </p:extLst>
   </p:cSld>
@@ -1694,7 +1924,7 @@
           <a:p>
             <a:fld id="{6F0D264C-BC98-4275-BE42-DE110512DA9A}" type="slidenum">
               <a:rPr lang="en-US" smtClean="0"/>
-              <a:t>14</a:t>
+              <a:t>16</a:t>
             </a:fld>
             <a:endParaRPr lang="en-US"/>
           </a:p>
@@ -1703,7 +1933,7 @@
     </p:spTree>
     <p:extLst>
       <p:ext uri="{BB962C8B-B14F-4D97-AF65-F5344CB8AC3E}">
-        <p14:creationId xmlns:p14="http://schemas.microsoft.com/office/powerpoint/2010/main" val="4001790718"/>
+        <p14:creationId xmlns:p14="http://schemas.microsoft.com/office/powerpoint/2010/main" val="1006348953"/>
       </p:ext>
     </p:extLst>
   </p:cSld>
@@ -1809,7 +2039,7 @@
           <a:p>
             <a:fld id="{6F0D264C-BC98-4275-BE42-DE110512DA9A}" type="slidenum">
               <a:rPr lang="en-US" smtClean="0"/>
-              <a:t>15</a:t>
+              <a:t>17</a:t>
             </a:fld>
             <a:endParaRPr lang="en-US"/>
           </a:p>
@@ -1818,7 +2048,7 @@
     </p:spTree>
     <p:extLst>
       <p:ext uri="{BB962C8B-B14F-4D97-AF65-F5344CB8AC3E}">
-        <p14:creationId xmlns:p14="http://schemas.microsoft.com/office/powerpoint/2010/main" val="1690094835"/>
+        <p14:creationId xmlns:p14="http://schemas.microsoft.com/office/powerpoint/2010/main" val="4001790718"/>
       </p:ext>
     </p:extLst>
   </p:cSld>
@@ -5274,6 +5504,404 @@
           <a:p>
             <a:r>
               <a:rPr lang="en-US" sz="3200" dirty="0" smtClean="0"/>
+              <a:t>Top Crimes in foreclosure zones (2018) </a:t>
+            </a:r>
+            <a:endParaRPr lang="en-US" sz="3200" dirty="0"/>
+          </a:p>
+        </p:txBody>
+      </p:sp>
+      <p:sp>
+        <p:nvSpPr>
+          <p:cNvPr id="3" name="Content Placeholder 2"/>
+          <p:cNvSpPr>
+            <a:spLocks noGrp="1"/>
+          </p:cNvSpPr>
+          <p:nvPr>
+            <p:ph idx="1"/>
+          </p:nvPr>
+        </p:nvSpPr>
+        <p:spPr>
+          <a:xfrm>
+            <a:off x="1024128" y="1789611"/>
+            <a:ext cx="9720071" cy="4519749"/>
+          </a:xfrm>
+        </p:spPr>
+        <p:txBody>
+          <a:bodyPr/>
+          <a:lstStyle/>
+          <a:p>
+            <a:endParaRPr lang="en-US" dirty="0"/>
+          </a:p>
+          <a:p>
+            <a:pPr algn="ctr"/>
+            <a:endParaRPr lang="en-US" sz="3600" dirty="0" smtClean="0"/>
+          </a:p>
+          <a:p>
+            <a:pPr algn="ctr"/>
+            <a:endParaRPr lang="en-US" sz="3600" dirty="0"/>
+          </a:p>
+          <a:p>
+            <a:pPr algn="ctr"/>
+            <a:endParaRPr lang="en-US" sz="3600" dirty="0"/>
+          </a:p>
+        </p:txBody>
+      </p:sp>
+      <p:pic>
+        <p:nvPicPr>
+          <p:cNvPr id="5" name="Picture 4"/>
+          <p:cNvPicPr>
+            <a:picLocks noChangeAspect="1"/>
+          </p:cNvPicPr>
+          <p:nvPr/>
+        </p:nvPicPr>
+        <p:blipFill>
+          <a:blip r:embed="rId2">
+            <a:extLst>
+              <a:ext uri="{28A0092B-C50C-407E-A947-70E740481C1C}">
+                <a14:useLocalDpi xmlns:a14="http://schemas.microsoft.com/office/drawing/2010/main" val="0"/>
+              </a:ext>
+            </a:extLst>
+          </a:blip>
+          <a:stretch>
+            <a:fillRect/>
+          </a:stretch>
+        </p:blipFill>
+        <p:spPr>
+          <a:xfrm>
+            <a:off x="0" y="1789610"/>
+            <a:ext cx="12192000" cy="4687389"/>
+          </a:xfrm>
+          <a:prstGeom prst="rect">
+            <a:avLst/>
+          </a:prstGeom>
+        </p:spPr>
+      </p:pic>
+    </p:spTree>
+    <p:extLst>
+      <p:ext uri="{BB962C8B-B14F-4D97-AF65-F5344CB8AC3E}">
+        <p14:creationId xmlns:p14="http://schemas.microsoft.com/office/powerpoint/2010/main" val="1683141984"/>
+      </p:ext>
+    </p:extLst>
+  </p:cSld>
+  <p:clrMapOvr>
+    <a:masterClrMapping/>
+  </p:clrMapOvr>
+</p:sld>
+</file>
+
+<file path=ppt/slides/slide11.xml><?xml version="1.0" encoding="utf-8"?>
+<p:sld xmlns:a="http://schemas.openxmlformats.org/drawingml/2006/main" xmlns:r="http://schemas.openxmlformats.org/officeDocument/2006/relationships" xmlns:p="http://schemas.openxmlformats.org/presentationml/2006/main">
+  <p:cSld>
+    <p:spTree>
+      <p:nvGrpSpPr>
+        <p:cNvPr id="1" name=""/>
+        <p:cNvGrpSpPr/>
+        <p:nvPr/>
+      </p:nvGrpSpPr>
+      <p:grpSpPr>
+        <a:xfrm>
+          <a:off x="0" y="0"/>
+          <a:ext cx="0" cy="0"/>
+          <a:chOff x="0" y="0"/>
+          <a:chExt cx="0" cy="0"/>
+        </a:xfrm>
+      </p:grpSpPr>
+      <p:sp>
+        <p:nvSpPr>
+          <p:cNvPr id="2" name="Title 1"/>
+          <p:cNvSpPr>
+            <a:spLocks noGrp="1"/>
+          </p:cNvSpPr>
+          <p:nvPr>
+            <p:ph type="title"/>
+          </p:nvPr>
+        </p:nvSpPr>
+        <p:spPr>
+          <a:xfrm>
+            <a:off x="1024128" y="965871"/>
+            <a:ext cx="10058400" cy="653923"/>
+          </a:xfrm>
+        </p:spPr>
+        <p:txBody>
+          <a:bodyPr>
+            <a:normAutofit/>
+          </a:bodyPr>
+          <a:lstStyle/>
+          <a:p>
+            <a:r>
+              <a:rPr lang="en-US" sz="3200" dirty="0" smtClean="0"/>
+              <a:t>foreclosure by Property Type </a:t>
+            </a:r>
+            <a:r>
+              <a:rPr lang="en-US" sz="3200" dirty="0" smtClean="0"/>
+              <a:t>(</a:t>
+            </a:r>
+            <a:r>
+              <a:rPr lang="en-US" sz="3200" dirty="0" smtClean="0"/>
+              <a:t>2016-2018) </a:t>
+            </a:r>
+            <a:endParaRPr lang="en-US" sz="3200" dirty="0"/>
+          </a:p>
+        </p:txBody>
+      </p:sp>
+      <p:sp>
+        <p:nvSpPr>
+          <p:cNvPr id="3" name="Content Placeholder 2"/>
+          <p:cNvSpPr>
+            <a:spLocks noGrp="1"/>
+          </p:cNvSpPr>
+          <p:nvPr>
+            <p:ph idx="1"/>
+          </p:nvPr>
+        </p:nvSpPr>
+        <p:spPr>
+          <a:xfrm>
+            <a:off x="1024128" y="1789611"/>
+            <a:ext cx="9720071" cy="4519749"/>
+          </a:xfrm>
+        </p:spPr>
+        <p:txBody>
+          <a:bodyPr/>
+          <a:lstStyle/>
+          <a:p>
+            <a:endParaRPr lang="en-US" dirty="0"/>
+          </a:p>
+          <a:p>
+            <a:pPr algn="ctr"/>
+            <a:endParaRPr lang="en-US" sz="3600" dirty="0" smtClean="0"/>
+          </a:p>
+          <a:p>
+            <a:pPr algn="ctr"/>
+            <a:endParaRPr lang="en-US" sz="3600" dirty="0"/>
+          </a:p>
+          <a:p>
+            <a:pPr algn="ctr"/>
+            <a:endParaRPr lang="en-US" sz="3600" dirty="0"/>
+          </a:p>
+        </p:txBody>
+      </p:sp>
+      <p:pic>
+        <p:nvPicPr>
+          <p:cNvPr id="4" name="Picture 3"/>
+          <p:cNvPicPr>
+            <a:picLocks noChangeAspect="1"/>
+          </p:cNvPicPr>
+          <p:nvPr/>
+        </p:nvPicPr>
+        <p:blipFill>
+          <a:blip r:embed="rId2" cstate="print">
+            <a:extLst>
+              <a:ext uri="{28A0092B-C50C-407E-A947-70E740481C1C}">
+                <a14:useLocalDpi xmlns:a14="http://schemas.microsoft.com/office/drawing/2010/main" val="0"/>
+              </a:ext>
+            </a:extLst>
+          </a:blip>
+          <a:stretch>
+            <a:fillRect/>
+          </a:stretch>
+        </p:blipFill>
+        <p:spPr>
+          <a:xfrm>
+            <a:off x="1589921" y="2217065"/>
+            <a:ext cx="4294242" cy="4092295"/>
+          </a:xfrm>
+          <a:prstGeom prst="rect">
+            <a:avLst/>
+          </a:prstGeom>
+        </p:spPr>
+      </p:pic>
+    </p:spTree>
+    <p:extLst>
+      <p:ext uri="{BB962C8B-B14F-4D97-AF65-F5344CB8AC3E}">
+        <p14:creationId xmlns:p14="http://schemas.microsoft.com/office/powerpoint/2010/main" val="2624051815"/>
+      </p:ext>
+    </p:extLst>
+  </p:cSld>
+  <p:clrMapOvr>
+    <a:masterClrMapping/>
+  </p:clrMapOvr>
+</p:sld>
+</file>
+
+<file path=ppt/slides/slide12.xml><?xml version="1.0" encoding="utf-8"?>
+<p:sld xmlns:a="http://schemas.openxmlformats.org/drawingml/2006/main" xmlns:r="http://schemas.openxmlformats.org/officeDocument/2006/relationships" xmlns:p="http://schemas.openxmlformats.org/presentationml/2006/main">
+  <p:cSld>
+    <p:spTree>
+      <p:nvGrpSpPr>
+        <p:cNvPr id="1" name=""/>
+        <p:cNvGrpSpPr/>
+        <p:nvPr/>
+      </p:nvGrpSpPr>
+      <p:grpSpPr>
+        <a:xfrm>
+          <a:off x="0" y="0"/>
+          <a:ext cx="0" cy="0"/>
+          <a:chOff x="0" y="0"/>
+          <a:chExt cx="0" cy="0"/>
+        </a:xfrm>
+      </p:grpSpPr>
+      <p:sp>
+        <p:nvSpPr>
+          <p:cNvPr id="2" name="Title 1"/>
+          <p:cNvSpPr>
+            <a:spLocks noGrp="1"/>
+          </p:cNvSpPr>
+          <p:nvPr>
+            <p:ph type="title"/>
+          </p:nvPr>
+        </p:nvSpPr>
+        <p:spPr>
+          <a:xfrm>
+            <a:off x="1024128" y="965871"/>
+            <a:ext cx="10058400" cy="653923"/>
+          </a:xfrm>
+        </p:spPr>
+        <p:txBody>
+          <a:bodyPr>
+            <a:normAutofit/>
+          </a:bodyPr>
+          <a:lstStyle/>
+          <a:p>
+            <a:r>
+              <a:rPr lang="en-US" sz="3200" dirty="0" smtClean="0"/>
+              <a:t>Top </a:t>
+            </a:r>
+            <a:r>
+              <a:rPr lang="en-US" sz="3200" dirty="0" smtClean="0"/>
+              <a:t>10 Crimes </a:t>
+            </a:r>
+            <a:r>
+              <a:rPr lang="en-US" sz="3200" dirty="0" smtClean="0"/>
+              <a:t>in foreclosure zones (</a:t>
+            </a:r>
+            <a:r>
+              <a:rPr lang="en-US" sz="3200" dirty="0" smtClean="0"/>
+              <a:t>2016-2018) </a:t>
+            </a:r>
+            <a:endParaRPr lang="en-US" sz="3200" dirty="0"/>
+          </a:p>
+        </p:txBody>
+      </p:sp>
+      <p:sp>
+        <p:nvSpPr>
+          <p:cNvPr id="3" name="Content Placeholder 2"/>
+          <p:cNvSpPr>
+            <a:spLocks noGrp="1"/>
+          </p:cNvSpPr>
+          <p:nvPr>
+            <p:ph idx="1"/>
+          </p:nvPr>
+        </p:nvSpPr>
+        <p:spPr>
+          <a:xfrm>
+            <a:off x="1024128" y="1789611"/>
+            <a:ext cx="9720071" cy="4519749"/>
+          </a:xfrm>
+        </p:spPr>
+        <p:txBody>
+          <a:bodyPr/>
+          <a:lstStyle/>
+          <a:p>
+            <a:endParaRPr lang="en-US" dirty="0"/>
+          </a:p>
+          <a:p>
+            <a:pPr algn="ctr"/>
+            <a:endParaRPr lang="en-US" sz="3600" dirty="0" smtClean="0"/>
+          </a:p>
+          <a:p>
+            <a:pPr algn="ctr"/>
+            <a:endParaRPr lang="en-US" sz="3600" dirty="0"/>
+          </a:p>
+          <a:p>
+            <a:pPr algn="ctr"/>
+            <a:endParaRPr lang="en-US" sz="3600" dirty="0"/>
+          </a:p>
+        </p:txBody>
+      </p:sp>
+      <p:pic>
+        <p:nvPicPr>
+          <p:cNvPr id="5" name="Picture 4"/>
+          <p:cNvPicPr>
+            <a:picLocks noChangeAspect="1"/>
+          </p:cNvPicPr>
+          <p:nvPr/>
+        </p:nvPicPr>
+        <p:blipFill>
+          <a:blip r:embed="rId2" cstate="print">
+            <a:extLst>
+              <a:ext uri="{28A0092B-C50C-407E-A947-70E740481C1C}">
+                <a14:useLocalDpi xmlns:a14="http://schemas.microsoft.com/office/drawing/2010/main" val="0"/>
+              </a:ext>
+            </a:extLst>
+          </a:blip>
+          <a:stretch>
+            <a:fillRect/>
+          </a:stretch>
+        </p:blipFill>
+        <p:spPr>
+          <a:xfrm>
+            <a:off x="1024128" y="1882246"/>
+            <a:ext cx="9720071" cy="4427114"/>
+          </a:xfrm>
+          <a:prstGeom prst="rect">
+            <a:avLst/>
+          </a:prstGeom>
+        </p:spPr>
+      </p:pic>
+    </p:spTree>
+    <p:extLst>
+      <p:ext uri="{BB962C8B-B14F-4D97-AF65-F5344CB8AC3E}">
+        <p14:creationId xmlns:p14="http://schemas.microsoft.com/office/powerpoint/2010/main" val="414018722"/>
+      </p:ext>
+    </p:extLst>
+  </p:cSld>
+  <p:clrMapOvr>
+    <a:masterClrMapping/>
+  </p:clrMapOvr>
+</p:sld>
+</file>
+
+<file path=ppt/slides/slide13.xml><?xml version="1.0" encoding="utf-8"?>
+<p:sld xmlns:a="http://schemas.openxmlformats.org/drawingml/2006/main" xmlns:r="http://schemas.openxmlformats.org/officeDocument/2006/relationships" xmlns:p="http://schemas.openxmlformats.org/presentationml/2006/main">
+  <p:cSld>
+    <p:spTree>
+      <p:nvGrpSpPr>
+        <p:cNvPr id="1" name=""/>
+        <p:cNvGrpSpPr/>
+        <p:nvPr/>
+      </p:nvGrpSpPr>
+      <p:grpSpPr>
+        <a:xfrm>
+          <a:off x="0" y="0"/>
+          <a:ext cx="0" cy="0"/>
+          <a:chOff x="0" y="0"/>
+          <a:chExt cx="0" cy="0"/>
+        </a:xfrm>
+      </p:grpSpPr>
+      <p:sp>
+        <p:nvSpPr>
+          <p:cNvPr id="2" name="Title 1"/>
+          <p:cNvSpPr>
+            <a:spLocks noGrp="1"/>
+          </p:cNvSpPr>
+          <p:nvPr>
+            <p:ph type="title"/>
+          </p:nvPr>
+        </p:nvSpPr>
+        <p:spPr>
+          <a:xfrm>
+            <a:off x="1024128" y="965871"/>
+            <a:ext cx="10058400" cy="653923"/>
+          </a:xfrm>
+        </p:spPr>
+        <p:txBody>
+          <a:bodyPr>
+            <a:normAutofit/>
+          </a:bodyPr>
+          <a:lstStyle/>
+          <a:p>
+            <a:r>
+              <a:rPr lang="en-US" sz="3200" dirty="0" smtClean="0"/>
               <a:t>Data Cleanup and exploration  </a:t>
             </a:r>
             <a:endParaRPr lang="en-US" sz="3200" dirty="0"/>
@@ -5396,7 +6024,7 @@
 </p:sld>
 </file>
 
-<file path=ppt/slides/slide11.xml><?xml version="1.0" encoding="utf-8"?>
+<file path=ppt/slides/slide14.xml><?xml version="1.0" encoding="utf-8"?>
 <p:sld xmlns:a="http://schemas.openxmlformats.org/drawingml/2006/main" xmlns:r="http://schemas.openxmlformats.org/officeDocument/2006/relationships" xmlns:p="http://schemas.openxmlformats.org/presentationml/2006/main">
   <p:cSld>
     <p:spTree>
@@ -5522,7 +6150,7 @@
 </p:sld>
 </file>
 
-<file path=ppt/slides/slide12.xml><?xml version="1.0" encoding="utf-8"?>
+<file path=ppt/slides/slide15.xml><?xml version="1.0" encoding="utf-8"?>
 <p:sld xmlns:a="http://schemas.openxmlformats.org/drawingml/2006/main" xmlns:r="http://schemas.openxmlformats.org/officeDocument/2006/relationships" xmlns:p="http://schemas.openxmlformats.org/presentationml/2006/main">
   <p:cSld>
     <p:spTree>
@@ -5654,7 +6282,7 @@
 </p:sld>
 </file>
 
-<file path=ppt/slides/slide13.xml><?xml version="1.0" encoding="utf-8"?>
+<file path=ppt/slides/slide16.xml><?xml version="1.0" encoding="utf-8"?>
 <p:sld xmlns:a="http://schemas.openxmlformats.org/drawingml/2006/main" xmlns:r="http://schemas.openxmlformats.org/officeDocument/2006/relationships" xmlns:p="http://schemas.openxmlformats.org/presentationml/2006/main">
   <p:cSld>
     <p:spTree>
@@ -5786,7 +6414,269 @@
 </p:sld>
 </file>
 
-<file path=ppt/slides/slide14.xml><?xml version="1.0" encoding="utf-8"?>
+<file path=ppt/slides/slide17.xml><?xml version="1.0" encoding="utf-8"?>
+<p:sld xmlns:a="http://schemas.openxmlformats.org/drawingml/2006/main" xmlns:r="http://schemas.openxmlformats.org/officeDocument/2006/relationships" xmlns:p="http://schemas.openxmlformats.org/presentationml/2006/main">
+  <p:cSld>
+    <p:spTree>
+      <p:nvGrpSpPr>
+        <p:cNvPr id="1" name=""/>
+        <p:cNvGrpSpPr/>
+        <p:nvPr/>
+      </p:nvGrpSpPr>
+      <p:grpSpPr>
+        <a:xfrm>
+          <a:off x="0" y="0"/>
+          <a:ext cx="0" cy="0"/>
+          <a:chOff x="0" y="0"/>
+          <a:chExt cx="0" cy="0"/>
+        </a:xfrm>
+      </p:grpSpPr>
+      <p:sp>
+        <p:nvSpPr>
+          <p:cNvPr id="2" name="Title 1"/>
+          <p:cNvSpPr>
+            <a:spLocks noGrp="1"/>
+          </p:cNvSpPr>
+          <p:nvPr>
+            <p:ph type="title"/>
+          </p:nvPr>
+        </p:nvSpPr>
+        <p:spPr>
+          <a:xfrm>
+            <a:off x="1024128" y="965871"/>
+            <a:ext cx="10058400" cy="653923"/>
+          </a:xfrm>
+        </p:spPr>
+        <p:txBody>
+          <a:bodyPr>
+            <a:normAutofit/>
+          </a:bodyPr>
+          <a:lstStyle/>
+          <a:p>
+            <a:r>
+              <a:rPr lang="en-US" sz="3200" dirty="0" smtClean="0"/>
+              <a:t>Data frames for grouped bar graph</a:t>
+            </a:r>
+            <a:endParaRPr lang="en-US" sz="3200" dirty="0"/>
+          </a:p>
+        </p:txBody>
+      </p:sp>
+      <p:sp>
+        <p:nvSpPr>
+          <p:cNvPr id="3" name="Content Placeholder 2"/>
+          <p:cNvSpPr>
+            <a:spLocks noGrp="1"/>
+          </p:cNvSpPr>
+          <p:nvPr>
+            <p:ph idx="1"/>
+          </p:nvPr>
+        </p:nvSpPr>
+        <p:spPr>
+          <a:xfrm>
+            <a:off x="1024128" y="1789611"/>
+            <a:ext cx="9720071" cy="4519749"/>
+          </a:xfrm>
+        </p:spPr>
+        <p:txBody>
+          <a:bodyPr/>
+          <a:lstStyle/>
+          <a:p>
+            <a:endParaRPr lang="en-US" dirty="0"/>
+          </a:p>
+          <a:p>
+            <a:pPr algn="ctr"/>
+            <a:endParaRPr lang="en-US" sz="3600" dirty="0" smtClean="0"/>
+          </a:p>
+          <a:p>
+            <a:pPr algn="ctr"/>
+            <a:endParaRPr lang="en-US" sz="3600" dirty="0"/>
+          </a:p>
+          <a:p>
+            <a:pPr marL="0" indent="0" algn="ctr">
+              <a:buNone/>
+            </a:pPr>
+            <a:endParaRPr lang="en-US" sz="3600" dirty="0" smtClean="0"/>
+          </a:p>
+          <a:p>
+            <a:pPr algn="ctr"/>
+            <a:endParaRPr lang="en-US" sz="3600" dirty="0"/>
+          </a:p>
+        </p:txBody>
+      </p:sp>
+      <p:pic>
+        <p:nvPicPr>
+          <p:cNvPr id="4" name="Picture 3"/>
+          <p:cNvPicPr>
+            <a:picLocks noChangeAspect="1"/>
+          </p:cNvPicPr>
+          <p:nvPr/>
+        </p:nvPicPr>
+        <p:blipFill rotWithShape="1">
+          <a:blip r:embed="rId3" cstate="print">
+            <a:extLst>
+              <a:ext uri="{28A0092B-C50C-407E-A947-70E740481C1C}">
+                <a14:useLocalDpi xmlns:a14="http://schemas.microsoft.com/office/drawing/2010/main" val="0"/>
+              </a:ext>
+            </a:extLst>
+          </a:blip>
+          <a:srcRect l="15708" t="8970" r="18150" b="4467"/>
+          <a:stretch/>
+        </p:blipFill>
+        <p:spPr>
+          <a:xfrm>
+            <a:off x="2507672" y="1664481"/>
+            <a:ext cx="6483928" cy="4773131"/>
+          </a:xfrm>
+          <a:prstGeom prst="rect">
+            <a:avLst/>
+          </a:prstGeom>
+        </p:spPr>
+      </p:pic>
+    </p:spTree>
+    <p:extLst>
+      <p:ext uri="{BB962C8B-B14F-4D97-AF65-F5344CB8AC3E}">
+        <p14:creationId xmlns:p14="http://schemas.microsoft.com/office/powerpoint/2010/main" val="3655811843"/>
+      </p:ext>
+    </p:extLst>
+  </p:cSld>
+  <p:clrMapOvr>
+    <a:masterClrMapping/>
+  </p:clrMapOvr>
+</p:sld>
+</file>
+
+<file path=ppt/slides/slide18.xml><?xml version="1.0" encoding="utf-8"?>
+<p:sld xmlns:a="http://schemas.openxmlformats.org/drawingml/2006/main" xmlns:r="http://schemas.openxmlformats.org/officeDocument/2006/relationships" xmlns:p="http://schemas.openxmlformats.org/presentationml/2006/main">
+  <p:cSld>
+    <p:spTree>
+      <p:nvGrpSpPr>
+        <p:cNvPr id="1" name=""/>
+        <p:cNvGrpSpPr/>
+        <p:nvPr/>
+      </p:nvGrpSpPr>
+      <p:grpSpPr>
+        <a:xfrm>
+          <a:off x="0" y="0"/>
+          <a:ext cx="0" cy="0"/>
+          <a:chOff x="0" y="0"/>
+          <a:chExt cx="0" cy="0"/>
+        </a:xfrm>
+      </p:grpSpPr>
+      <p:sp>
+        <p:nvSpPr>
+          <p:cNvPr id="2" name="Title 1"/>
+          <p:cNvSpPr>
+            <a:spLocks noGrp="1"/>
+          </p:cNvSpPr>
+          <p:nvPr>
+            <p:ph type="title"/>
+          </p:nvPr>
+        </p:nvSpPr>
+        <p:spPr>
+          <a:xfrm>
+            <a:off x="1024128" y="965871"/>
+            <a:ext cx="10058400" cy="653923"/>
+          </a:xfrm>
+        </p:spPr>
+        <p:txBody>
+          <a:bodyPr>
+            <a:normAutofit/>
+          </a:bodyPr>
+          <a:lstStyle/>
+          <a:p>
+            <a:r>
+              <a:rPr lang="en-US" sz="3200" dirty="0" smtClean="0"/>
+              <a:t>Data frames for grouped bar graph</a:t>
+            </a:r>
+            <a:endParaRPr lang="en-US" sz="3200" dirty="0"/>
+          </a:p>
+        </p:txBody>
+      </p:sp>
+      <p:sp>
+        <p:nvSpPr>
+          <p:cNvPr id="3" name="Content Placeholder 2"/>
+          <p:cNvSpPr>
+            <a:spLocks noGrp="1"/>
+          </p:cNvSpPr>
+          <p:nvPr>
+            <p:ph idx="1"/>
+          </p:nvPr>
+        </p:nvSpPr>
+        <p:spPr>
+          <a:xfrm>
+            <a:off x="1024128" y="1789611"/>
+            <a:ext cx="9720071" cy="4519749"/>
+          </a:xfrm>
+        </p:spPr>
+        <p:txBody>
+          <a:bodyPr/>
+          <a:lstStyle/>
+          <a:p>
+            <a:endParaRPr lang="en-US" dirty="0"/>
+          </a:p>
+          <a:p>
+            <a:pPr algn="ctr"/>
+            <a:endParaRPr lang="en-US" sz="3600" dirty="0" smtClean="0"/>
+          </a:p>
+          <a:p>
+            <a:pPr algn="ctr"/>
+            <a:endParaRPr lang="en-US" sz="3600" dirty="0"/>
+          </a:p>
+          <a:p>
+            <a:pPr marL="0" indent="0" algn="ctr">
+              <a:buNone/>
+            </a:pPr>
+            <a:endParaRPr lang="en-US" sz="3600" dirty="0" smtClean="0"/>
+          </a:p>
+          <a:p>
+            <a:pPr algn="ctr"/>
+            <a:endParaRPr lang="en-US" sz="3600" dirty="0"/>
+          </a:p>
+        </p:txBody>
+      </p:sp>
+      <p:pic>
+        <p:nvPicPr>
+          <p:cNvPr id="5" name="Picture 4"/>
+          <p:cNvPicPr>
+            <a:picLocks noChangeAspect="1"/>
+          </p:cNvPicPr>
+          <p:nvPr/>
+        </p:nvPicPr>
+        <p:blipFill rotWithShape="1">
+          <a:blip r:embed="rId3" cstate="print">
+            <a:extLst>
+              <a:ext uri="{28A0092B-C50C-407E-A947-70E740481C1C}">
+                <a14:useLocalDpi xmlns:a14="http://schemas.microsoft.com/office/drawing/2010/main" val="0"/>
+              </a:ext>
+            </a:extLst>
+          </a:blip>
+          <a:srcRect l="27330" r="26662"/>
+          <a:stretch/>
+        </p:blipFill>
+        <p:spPr>
+          <a:xfrm>
+            <a:off x="3463636" y="1652649"/>
+            <a:ext cx="3920837" cy="4793672"/>
+          </a:xfrm>
+          <a:prstGeom prst="rect">
+            <a:avLst/>
+          </a:prstGeom>
+        </p:spPr>
+      </p:pic>
+    </p:spTree>
+    <p:extLst>
+      <p:ext uri="{BB962C8B-B14F-4D97-AF65-F5344CB8AC3E}">
+        <p14:creationId xmlns:p14="http://schemas.microsoft.com/office/powerpoint/2010/main" val="2212328473"/>
+      </p:ext>
+    </p:extLst>
+  </p:cSld>
+  <p:clrMapOvr>
+    <a:masterClrMapping/>
+  </p:clrMapOvr>
+</p:sld>
+</file>
+
+<file path=ppt/slides/slide19.xml><?xml version="1.0" encoding="utf-8"?>
 <p:sld xmlns:a="http://schemas.openxmlformats.org/drawingml/2006/main" xmlns:r="http://schemas.openxmlformats.org/officeDocument/2006/relationships" xmlns:p="http://schemas.openxmlformats.org/presentationml/2006/main">
   <p:cSld>
     <p:spTree>
@@ -5906,7 +6796,7 @@
     </p:spTree>
     <p:extLst>
       <p:ext uri="{BB962C8B-B14F-4D97-AF65-F5344CB8AC3E}">
-        <p14:creationId xmlns:p14="http://schemas.microsoft.com/office/powerpoint/2010/main" val="3655811843"/>
+        <p14:creationId xmlns:p14="http://schemas.microsoft.com/office/powerpoint/2010/main" val="3294814924"/>
       </p:ext>
     </p:extLst>
   </p:cSld>
@@ -5916,7 +6806,7 @@
 </p:sld>
 </file>
 
-<file path=ppt/slides/slide15.xml><?xml version="1.0" encoding="utf-8"?>
+<file path=ppt/slides/slide2.xml><?xml version="1.0" encoding="utf-8"?>
 <p:sld xmlns:a="http://schemas.openxmlformats.org/drawingml/2006/main" xmlns:r="http://schemas.openxmlformats.org/officeDocument/2006/relationships" xmlns:p="http://schemas.openxmlformats.org/presentationml/2006/main">
   <p:cSld>
     <p:spTree>
@@ -5951,13 +6841,17 @@
         </p:spPr>
         <p:txBody>
           <a:bodyPr>
-            <a:noAutofit/>
+            <a:normAutofit/>
           </a:bodyPr>
           <a:lstStyle/>
           <a:p>
             <a:r>
-              <a:rPr lang="en-US" sz="3200" dirty="0" smtClean="0"/>
-              <a:t>Conclusion</a:t>
+              <a:rPr lang="en-US" sz="3200" dirty="0"/>
+              <a:t>The Question</a:t>
+            </a:r>
+            <a:r>
+              <a:rPr lang="mr-IN" sz="3200" dirty="0" smtClean="0"/>
+              <a:t>…</a:t>
             </a:r>
             <a:endParaRPr lang="en-US" sz="3200" dirty="0"/>
           </a:p>
@@ -5980,25 +6874,39 @@
           </a:xfrm>
         </p:spPr>
         <p:txBody>
-          <a:bodyPr>
-            <a:normAutofit/>
-          </a:bodyPr>
-          <a:lstStyle/>
-          <a:p>
-            <a:pPr marL="0" indent="0">
-              <a:buNone/>
-            </a:pPr>
-            <a:endParaRPr lang="en-US" sz="3300" dirty="0" smtClean="0"/>
-          </a:p>
-          <a:p>
-            <a:pPr algn="ctr"/>
-            <a:endParaRPr lang="en-US" sz="3600" dirty="0"/>
+          <a:bodyPr/>
+          <a:lstStyle/>
+          <a:p>
+            <a:endParaRPr lang="en-US" dirty="0"/>
           </a:p>
           <a:p>
             <a:pPr marL="0" indent="0" algn="ctr">
               <a:buNone/>
             </a:pPr>
-            <a:endParaRPr lang="en-US" sz="3600" dirty="0" smtClean="0"/>
+            <a:endParaRPr lang="en-US" sz="3600" dirty="0"/>
+          </a:p>
+          <a:p>
+            <a:pPr algn="ctr"/>
+            <a:r>
+              <a:rPr lang="en-US" sz="3600" dirty="0" smtClean="0"/>
+              <a:t>Do </a:t>
+            </a:r>
+            <a:r>
+              <a:rPr lang="en-US" sz="3600" dirty="0" smtClean="0"/>
+              <a:t>foreclosures </a:t>
+            </a:r>
+            <a:r>
+              <a:rPr lang="en-US" sz="3600" dirty="0" smtClean="0"/>
+              <a:t>cause crime and affect unemployment rate in </a:t>
+            </a:r>
+            <a:r>
+              <a:rPr lang="en-US" sz="3600" dirty="0"/>
+              <a:t>Los Angeles City</a:t>
+            </a:r>
+            <a:r>
+              <a:rPr lang="en-US" sz="3600" dirty="0" smtClean="0"/>
+              <a:t>?</a:t>
+            </a:r>
           </a:p>
           <a:p>
             <a:pPr algn="ctr"/>
@@ -6006,82 +6914,10 @@
           </a:p>
         </p:txBody>
       </p:sp>
-      <p:pic>
-        <p:nvPicPr>
-          <p:cNvPr id="4" name="Picture 3"/>
-          <p:cNvPicPr>
-            <a:picLocks noChangeAspect="1"/>
-          </p:cNvPicPr>
-          <p:nvPr/>
-        </p:nvPicPr>
-        <p:blipFill>
-          <a:blip r:embed="rId3"/>
-          <a:stretch>
-            <a:fillRect/>
-          </a:stretch>
-        </p:blipFill>
-        <p:spPr>
-          <a:xfrm>
-            <a:off x="1024128" y="1789611"/>
-            <a:ext cx="3756070" cy="2782389"/>
-          </a:xfrm>
-          <a:prstGeom prst="rect">
-            <a:avLst/>
-          </a:prstGeom>
-        </p:spPr>
-      </p:pic>
-      <p:pic>
-        <p:nvPicPr>
-          <p:cNvPr id="5" name="Picture 4"/>
-          <p:cNvPicPr>
-            <a:picLocks noChangeAspect="1"/>
-          </p:cNvPicPr>
-          <p:nvPr/>
-        </p:nvPicPr>
-        <p:blipFill>
-          <a:blip r:embed="rId4"/>
-          <a:stretch>
-            <a:fillRect/>
-          </a:stretch>
-        </p:blipFill>
-        <p:spPr>
-          <a:xfrm>
-            <a:off x="4585856" y="1789611"/>
-            <a:ext cx="4014474" cy="2657475"/>
-          </a:xfrm>
-          <a:prstGeom prst="rect">
-            <a:avLst/>
-          </a:prstGeom>
-        </p:spPr>
-      </p:pic>
-      <p:pic>
-        <p:nvPicPr>
-          <p:cNvPr id="6" name="Picture 5"/>
-          <p:cNvPicPr>
-            <a:picLocks noChangeAspect="1"/>
-          </p:cNvPicPr>
-          <p:nvPr/>
-        </p:nvPicPr>
-        <p:blipFill>
-          <a:blip r:embed="rId5"/>
-          <a:stretch>
-            <a:fillRect/>
-          </a:stretch>
-        </p:blipFill>
-        <p:spPr>
-          <a:xfrm>
-            <a:off x="8600329" y="1818186"/>
-            <a:ext cx="3439271" cy="2628900"/>
-          </a:xfrm>
-          <a:prstGeom prst="rect">
-            <a:avLst/>
-          </a:prstGeom>
-        </p:spPr>
-      </p:pic>
     </p:spTree>
     <p:extLst>
       <p:ext uri="{BB962C8B-B14F-4D97-AF65-F5344CB8AC3E}">
-        <p14:creationId xmlns:p14="http://schemas.microsoft.com/office/powerpoint/2010/main" val="2516559150"/>
+        <p14:creationId xmlns:p14="http://schemas.microsoft.com/office/powerpoint/2010/main" val="4075926527"/>
       </p:ext>
     </p:extLst>
   </p:cSld>
@@ -6091,7 +6927,7 @@
 </p:sld>
 </file>
 
-<file path=ppt/slides/slide16.xml><?xml version="1.0" encoding="utf-8"?>
+<file path=ppt/slides/slide20.xml><?xml version="1.0" encoding="utf-8"?>
 <p:sld xmlns:a="http://schemas.openxmlformats.org/drawingml/2006/main" xmlns:r="http://schemas.openxmlformats.org/officeDocument/2006/relationships" xmlns:p="http://schemas.openxmlformats.org/presentationml/2006/main">
   <p:cSld>
     <p:spTree>
@@ -6163,11 +6999,19 @@
             <a:pPr lvl="0"/>
             <a:r>
               <a:rPr lang="en-US" dirty="0"/>
-              <a:t>Based on our analysis, we do observe a small but significant positive “net” effect of foreclosure rates in </a:t>
+              <a:t>Based on our analysis, we do observe a small but significant positive “net” effect of foreclosure </a:t>
             </a:r>
             <a:r>
               <a:rPr lang="en-US" dirty="0" smtClean="0"/>
-              <a:t>2017-2018. </a:t>
+              <a:t>and unemployment rates </a:t>
+            </a:r>
+            <a:r>
+              <a:rPr lang="en-US" dirty="0"/>
+              <a:t>in </a:t>
+            </a:r>
+            <a:r>
+              <a:rPr lang="en-US" dirty="0" smtClean="0"/>
+              <a:t>2016 on crime. </a:t>
             </a:r>
             <a:r>
               <a:rPr lang="en-US" dirty="0"/>
@@ -6179,16 +7023,16 @@
             </a:r>
             <a:r>
               <a:rPr lang="en-US" dirty="0"/>
-              <a:t>separately, we show that neighborhood foreclosure is significantly associated with crime in a small number of selected areas; in the majority of the areas considered, foreclosure did not exert a significant main effect on either crime type. However, it is clear that decrease in foreclosures have a causal effect on </a:t>
+              <a:t>separately, we show that neighborhood foreclosure is </a:t>
             </a:r>
             <a:r>
               <a:rPr lang="en-US" dirty="0" smtClean="0"/>
-              <a:t>unemployment.</a:t>
-            </a:r>
-            <a:endParaRPr lang="en-US" dirty="0"/>
-          </a:p>
-          <a:p>
-            <a:pPr algn="ctr"/>
+              <a:t>not significantly </a:t>
+            </a:r>
+            <a:r>
+              <a:rPr lang="en-US" dirty="0"/>
+              <a:t>associated with crime in a small number of selected areas; in the majority of the areas considered, foreclosure did not exert a significant main effect on either crime type. </a:t>
+            </a:r>
             <a:endParaRPr lang="en-US" sz="3600" dirty="0"/>
           </a:p>
           <a:p>
@@ -6203,30 +7047,1014 @@
           </a:p>
         </p:txBody>
       </p:sp>
-      <p:pic>
-        <p:nvPicPr>
-          <p:cNvPr id="4" name="Picture 3"/>
-          <p:cNvPicPr>
-            <a:picLocks noChangeAspect="1"/>
-          </p:cNvPicPr>
-          <p:nvPr/>
-        </p:nvPicPr>
-        <p:blipFill>
-          <a:blip r:embed="rId3"/>
-          <a:stretch>
-            <a:fillRect/>
-          </a:stretch>
-        </p:blipFill>
-        <p:spPr>
-          <a:xfrm>
-            <a:off x="2345128" y="4049485"/>
-            <a:ext cx="7078069" cy="1749704"/>
-          </a:xfrm>
-          <a:prstGeom prst="rect">
-            <a:avLst/>
-          </a:prstGeom>
-        </p:spPr>
-      </p:pic>
+      <p:graphicFrame>
+        <p:nvGraphicFramePr>
+          <p:cNvPr id="5" name="Table 4"/>
+          <p:cNvGraphicFramePr>
+            <a:graphicFrameLocks noGrp="1"/>
+          </p:cNvGraphicFramePr>
+          <p:nvPr>
+            <p:extLst>
+              <p:ext uri="{D42A27DB-BD31-4B8C-83A1-F6EECF244321}">
+                <p14:modId xmlns:p14="http://schemas.microsoft.com/office/powerpoint/2010/main" val="3061184396"/>
+              </p:ext>
+            </p:extLst>
+          </p:nvPr>
+        </p:nvGraphicFramePr>
+        <p:xfrm>
+          <a:off x="2216726" y="3893126"/>
+          <a:ext cx="7592291" cy="1856512"/>
+        </p:xfrm>
+        <a:graphic>
+          <a:graphicData uri="http://schemas.openxmlformats.org/drawingml/2006/table">
+            <a:tbl>
+              <a:tblPr/>
+              <a:tblGrid>
+                <a:gridCol w="1155087">
+                  <a:extLst>
+                    <a:ext uri="{9D8B030D-6E8A-4147-A177-3AD203B41FA5}">
+                      <a16:colId xmlns:a16="http://schemas.microsoft.com/office/drawing/2014/main" val="4149992440"/>
+                    </a:ext>
+                  </a:extLst>
+                </a:gridCol>
+                <a:gridCol w="1708567">
+                  <a:extLst>
+                    <a:ext uri="{9D8B030D-6E8A-4147-A177-3AD203B41FA5}">
+                      <a16:colId xmlns:a16="http://schemas.microsoft.com/office/drawing/2014/main" val="147556431"/>
+                    </a:ext>
+                  </a:extLst>
+                </a:gridCol>
+                <a:gridCol w="2219933">
+                  <a:extLst>
+                    <a:ext uri="{9D8B030D-6E8A-4147-A177-3AD203B41FA5}">
+                      <a16:colId xmlns:a16="http://schemas.microsoft.com/office/drawing/2014/main" val="985019694"/>
+                    </a:ext>
+                  </a:extLst>
+                </a:gridCol>
+                <a:gridCol w="2508704">
+                  <a:extLst>
+                    <a:ext uri="{9D8B030D-6E8A-4147-A177-3AD203B41FA5}">
+                      <a16:colId xmlns:a16="http://schemas.microsoft.com/office/drawing/2014/main" val="3058107663"/>
+                    </a:ext>
+                  </a:extLst>
+                </a:gridCol>
+              </a:tblGrid>
+              <a:tr h="464128">
+                <a:tc>
+                  <a:txBody>
+                    <a:bodyPr/>
+                    <a:lstStyle/>
+                    <a:p>
+                      <a:pPr algn="ctr" fontAlgn="b"/>
+                      <a:r>
+                        <a:rPr lang="en-US" sz="1100" b="1" i="0" u="none" strike="noStrike" dirty="0">
+                          <a:solidFill>
+                            <a:srgbClr val="000000"/>
+                          </a:solidFill>
+                          <a:effectLst/>
+                          <a:latin typeface="Calibri" panose="020F0502020204030204" pitchFamily="34" charset="0"/>
+                        </a:rPr>
+                        <a:t>Year</a:t>
+                      </a:r>
+                    </a:p>
+                  </a:txBody>
+                  <a:tcPr marL="9525" marR="9525" marT="9525" marB="0" anchor="ctr">
+                    <a:lnL w="6350" cap="flat" cmpd="sng" algn="ctr">
+                      <a:solidFill>
+                        <a:srgbClr val="000000"/>
+                      </a:solidFill>
+                      <a:prstDash val="solid"/>
+                      <a:round/>
+                      <a:headEnd type="none" w="med" len="med"/>
+                      <a:tailEnd type="none" w="med" len="med"/>
+                    </a:lnL>
+                    <a:lnR w="6350" cap="flat" cmpd="sng" algn="ctr">
+                      <a:solidFill>
+                        <a:srgbClr val="000000"/>
+                      </a:solidFill>
+                      <a:prstDash val="solid"/>
+                      <a:round/>
+                      <a:headEnd type="none" w="med" len="med"/>
+                      <a:tailEnd type="none" w="med" len="med"/>
+                    </a:lnR>
+                    <a:lnT w="6350" cap="flat" cmpd="sng" algn="ctr">
+                      <a:solidFill>
+                        <a:srgbClr val="000000"/>
+                      </a:solidFill>
+                      <a:prstDash val="solid"/>
+                      <a:round/>
+                      <a:headEnd type="none" w="med" len="med"/>
+                      <a:tailEnd type="none" w="med" len="med"/>
+                    </a:lnT>
+                    <a:lnB w="6350" cap="flat" cmpd="sng" algn="ctr">
+                      <a:solidFill>
+                        <a:srgbClr val="000000"/>
+                      </a:solidFill>
+                      <a:prstDash val="solid"/>
+                      <a:round/>
+                      <a:headEnd type="none" w="med" len="med"/>
+                      <a:tailEnd type="none" w="med" len="med"/>
+                    </a:lnB>
+                    <a:solidFill>
+                      <a:srgbClr val="BDD7EE"/>
+                    </a:solidFill>
+                  </a:tcPr>
+                </a:tc>
+                <a:tc>
+                  <a:txBody>
+                    <a:bodyPr/>
+                    <a:lstStyle/>
+                    <a:p>
+                      <a:pPr algn="ctr" fontAlgn="b"/>
+                      <a:r>
+                        <a:rPr lang="en-US" sz="1100" b="1" i="0" u="none" strike="noStrike" dirty="0">
+                          <a:solidFill>
+                            <a:srgbClr val="000000"/>
+                          </a:solidFill>
+                          <a:effectLst/>
+                          <a:latin typeface="Calibri" panose="020F0502020204030204" pitchFamily="34" charset="0"/>
+                        </a:rPr>
+                        <a:t> Crime Count</a:t>
+                      </a:r>
+                    </a:p>
+                  </a:txBody>
+                  <a:tcPr marL="9525" marR="9525" marT="9525" marB="0" anchor="ctr">
+                    <a:lnL w="6350" cap="flat" cmpd="sng" algn="ctr">
+                      <a:solidFill>
+                        <a:srgbClr val="000000"/>
+                      </a:solidFill>
+                      <a:prstDash val="solid"/>
+                      <a:round/>
+                      <a:headEnd type="none" w="med" len="med"/>
+                      <a:tailEnd type="none" w="med" len="med"/>
+                    </a:lnL>
+                    <a:lnR w="6350" cap="flat" cmpd="sng" algn="ctr">
+                      <a:solidFill>
+                        <a:srgbClr val="000000"/>
+                      </a:solidFill>
+                      <a:prstDash val="solid"/>
+                      <a:round/>
+                      <a:headEnd type="none" w="med" len="med"/>
+                      <a:tailEnd type="none" w="med" len="med"/>
+                    </a:lnR>
+                    <a:lnT w="6350" cap="flat" cmpd="sng" algn="ctr">
+                      <a:solidFill>
+                        <a:srgbClr val="000000"/>
+                      </a:solidFill>
+                      <a:prstDash val="solid"/>
+                      <a:round/>
+                      <a:headEnd type="none" w="med" len="med"/>
+                      <a:tailEnd type="none" w="med" len="med"/>
+                    </a:lnT>
+                    <a:lnB w="6350" cap="flat" cmpd="sng" algn="ctr">
+                      <a:solidFill>
+                        <a:srgbClr val="000000"/>
+                      </a:solidFill>
+                      <a:prstDash val="solid"/>
+                      <a:round/>
+                      <a:headEnd type="none" w="med" len="med"/>
+                      <a:tailEnd type="none" w="med" len="med"/>
+                    </a:lnB>
+                    <a:solidFill>
+                      <a:srgbClr val="BDD7EE"/>
+                    </a:solidFill>
+                  </a:tcPr>
+                </a:tc>
+                <a:tc>
+                  <a:txBody>
+                    <a:bodyPr/>
+                    <a:lstStyle/>
+                    <a:p>
+                      <a:pPr algn="ctr" fontAlgn="b"/>
+                      <a:r>
+                        <a:rPr lang="en-US" sz="1100" b="1" i="0" u="none" strike="noStrike">
+                          <a:solidFill>
+                            <a:srgbClr val="000000"/>
+                          </a:solidFill>
+                          <a:effectLst/>
+                          <a:latin typeface="Calibri" panose="020F0502020204030204" pitchFamily="34" charset="0"/>
+                        </a:rPr>
+                        <a:t>Foreclosure Count</a:t>
+                      </a:r>
+                    </a:p>
+                  </a:txBody>
+                  <a:tcPr marL="9525" marR="9525" marT="9525" marB="0" anchor="ctr">
+                    <a:lnL w="6350" cap="flat" cmpd="sng" algn="ctr">
+                      <a:solidFill>
+                        <a:srgbClr val="000000"/>
+                      </a:solidFill>
+                      <a:prstDash val="solid"/>
+                      <a:round/>
+                      <a:headEnd type="none" w="med" len="med"/>
+                      <a:tailEnd type="none" w="med" len="med"/>
+                    </a:lnL>
+                    <a:lnR w="6350" cap="flat" cmpd="sng" algn="ctr">
+                      <a:solidFill>
+                        <a:srgbClr val="000000"/>
+                      </a:solidFill>
+                      <a:prstDash val="solid"/>
+                      <a:round/>
+                      <a:headEnd type="none" w="med" len="med"/>
+                      <a:tailEnd type="none" w="med" len="med"/>
+                    </a:lnR>
+                    <a:lnT w="6350" cap="flat" cmpd="sng" algn="ctr">
+                      <a:solidFill>
+                        <a:srgbClr val="000000"/>
+                      </a:solidFill>
+                      <a:prstDash val="solid"/>
+                      <a:round/>
+                      <a:headEnd type="none" w="med" len="med"/>
+                      <a:tailEnd type="none" w="med" len="med"/>
+                    </a:lnT>
+                    <a:lnB w="6350" cap="flat" cmpd="sng" algn="ctr">
+                      <a:solidFill>
+                        <a:srgbClr val="000000"/>
+                      </a:solidFill>
+                      <a:prstDash val="solid"/>
+                      <a:round/>
+                      <a:headEnd type="none" w="med" len="med"/>
+                      <a:tailEnd type="none" w="med" len="med"/>
+                    </a:lnB>
+                    <a:solidFill>
+                      <a:srgbClr val="BDD7EE"/>
+                    </a:solidFill>
+                  </a:tcPr>
+                </a:tc>
+                <a:tc>
+                  <a:txBody>
+                    <a:bodyPr/>
+                    <a:lstStyle/>
+                    <a:p>
+                      <a:pPr algn="ctr" fontAlgn="b"/>
+                      <a:r>
+                        <a:rPr lang="en-US" sz="1100" b="1" i="0" u="none" strike="noStrike">
+                          <a:solidFill>
+                            <a:srgbClr val="000000"/>
+                          </a:solidFill>
+                          <a:effectLst/>
+                          <a:latin typeface="Calibri" panose="020F0502020204030204" pitchFamily="34" charset="0"/>
+                        </a:rPr>
+                        <a:t>Unemployment Rate</a:t>
+                      </a:r>
+                    </a:p>
+                  </a:txBody>
+                  <a:tcPr marL="9525" marR="9525" marT="9525" marB="0" anchor="ctr">
+                    <a:lnL w="6350" cap="flat" cmpd="sng" algn="ctr">
+                      <a:solidFill>
+                        <a:srgbClr val="000000"/>
+                      </a:solidFill>
+                      <a:prstDash val="solid"/>
+                      <a:round/>
+                      <a:headEnd type="none" w="med" len="med"/>
+                      <a:tailEnd type="none" w="med" len="med"/>
+                    </a:lnL>
+                    <a:lnR w="6350" cap="flat" cmpd="sng" algn="ctr">
+                      <a:solidFill>
+                        <a:srgbClr val="000000"/>
+                      </a:solidFill>
+                      <a:prstDash val="solid"/>
+                      <a:round/>
+                      <a:headEnd type="none" w="med" len="med"/>
+                      <a:tailEnd type="none" w="med" len="med"/>
+                    </a:lnR>
+                    <a:lnT w="6350" cap="flat" cmpd="sng" algn="ctr">
+                      <a:solidFill>
+                        <a:srgbClr val="000000"/>
+                      </a:solidFill>
+                      <a:prstDash val="solid"/>
+                      <a:round/>
+                      <a:headEnd type="none" w="med" len="med"/>
+                      <a:tailEnd type="none" w="med" len="med"/>
+                    </a:lnT>
+                    <a:lnB w="6350" cap="flat" cmpd="sng" algn="ctr">
+                      <a:solidFill>
+                        <a:srgbClr val="000000"/>
+                      </a:solidFill>
+                      <a:prstDash val="solid"/>
+                      <a:round/>
+                      <a:headEnd type="none" w="med" len="med"/>
+                      <a:tailEnd type="none" w="med" len="med"/>
+                    </a:lnB>
+                    <a:solidFill>
+                      <a:srgbClr val="BDD7EE"/>
+                    </a:solidFill>
+                  </a:tcPr>
+                </a:tc>
+                <a:extLst>
+                  <a:ext uri="{0D108BD9-81ED-4DB2-BD59-A6C34878D82A}">
+                    <a16:rowId xmlns:a16="http://schemas.microsoft.com/office/drawing/2014/main" val="1856809395"/>
+                  </a:ext>
+                </a:extLst>
+              </a:tr>
+              <a:tr h="464128">
+                <a:tc>
+                  <a:txBody>
+                    <a:bodyPr/>
+                    <a:lstStyle/>
+                    <a:p>
+                      <a:pPr algn="ctr" fontAlgn="b"/>
+                      <a:r>
+                        <a:rPr lang="en-US" sz="1100" b="0" i="0" u="none" strike="noStrike">
+                          <a:solidFill>
+                            <a:srgbClr val="000000"/>
+                          </a:solidFill>
+                          <a:effectLst/>
+                          <a:latin typeface="Calibri" panose="020F0502020204030204" pitchFamily="34" charset="0"/>
+                        </a:rPr>
+                        <a:t>2016</a:t>
+                      </a:r>
+                    </a:p>
+                  </a:txBody>
+                  <a:tcPr marL="9525" marR="9525" marT="9525" marB="0" anchor="ctr">
+                    <a:lnL w="6350" cap="flat" cmpd="sng" algn="ctr">
+                      <a:solidFill>
+                        <a:srgbClr val="000000"/>
+                      </a:solidFill>
+                      <a:prstDash val="solid"/>
+                      <a:round/>
+                      <a:headEnd type="none" w="med" len="med"/>
+                      <a:tailEnd type="none" w="med" len="med"/>
+                    </a:lnL>
+                    <a:lnR w="6350" cap="flat" cmpd="sng" algn="ctr">
+                      <a:solidFill>
+                        <a:srgbClr val="000000"/>
+                      </a:solidFill>
+                      <a:prstDash val="solid"/>
+                      <a:round/>
+                      <a:headEnd type="none" w="med" len="med"/>
+                      <a:tailEnd type="none" w="med" len="med"/>
+                    </a:lnR>
+                    <a:lnT w="6350" cap="flat" cmpd="sng" algn="ctr">
+                      <a:solidFill>
+                        <a:srgbClr val="000000"/>
+                      </a:solidFill>
+                      <a:prstDash val="solid"/>
+                      <a:round/>
+                      <a:headEnd type="none" w="med" len="med"/>
+                      <a:tailEnd type="none" w="med" len="med"/>
+                    </a:lnT>
+                    <a:lnB w="6350" cap="flat" cmpd="sng" algn="ctr">
+                      <a:solidFill>
+                        <a:srgbClr val="000000"/>
+                      </a:solidFill>
+                      <a:prstDash val="solid"/>
+                      <a:round/>
+                      <a:headEnd type="none" w="med" len="med"/>
+                      <a:tailEnd type="none" w="med" len="med"/>
+                    </a:lnB>
+                  </a:tcPr>
+                </a:tc>
+                <a:tc>
+                  <a:txBody>
+                    <a:bodyPr/>
+                    <a:lstStyle/>
+                    <a:p>
+                      <a:pPr algn="ctr" fontAlgn="b"/>
+                      <a:r>
+                        <a:rPr lang="en-US" sz="1100" b="0" i="0" u="none" strike="noStrike" dirty="0">
+                          <a:solidFill>
+                            <a:srgbClr val="000000"/>
+                          </a:solidFill>
+                          <a:effectLst/>
+                          <a:latin typeface="Calibri" panose="020F0502020204030204" pitchFamily="34" charset="0"/>
+                        </a:rPr>
+                        <a:t>224625</a:t>
+                      </a:r>
+                    </a:p>
+                  </a:txBody>
+                  <a:tcPr marL="9525" marR="9525" marT="9525" marB="0" anchor="ctr">
+                    <a:lnL w="6350" cap="flat" cmpd="sng" algn="ctr">
+                      <a:solidFill>
+                        <a:srgbClr val="000000"/>
+                      </a:solidFill>
+                      <a:prstDash val="solid"/>
+                      <a:round/>
+                      <a:headEnd type="none" w="med" len="med"/>
+                      <a:tailEnd type="none" w="med" len="med"/>
+                    </a:lnL>
+                    <a:lnR w="6350" cap="flat" cmpd="sng" algn="ctr">
+                      <a:solidFill>
+                        <a:srgbClr val="000000"/>
+                      </a:solidFill>
+                      <a:prstDash val="solid"/>
+                      <a:round/>
+                      <a:headEnd type="none" w="med" len="med"/>
+                      <a:tailEnd type="none" w="med" len="med"/>
+                    </a:lnR>
+                    <a:lnT w="6350" cap="flat" cmpd="sng" algn="ctr">
+                      <a:solidFill>
+                        <a:srgbClr val="000000"/>
+                      </a:solidFill>
+                      <a:prstDash val="solid"/>
+                      <a:round/>
+                      <a:headEnd type="none" w="med" len="med"/>
+                      <a:tailEnd type="none" w="med" len="med"/>
+                    </a:lnT>
+                    <a:lnB w="6350" cap="flat" cmpd="sng" algn="ctr">
+                      <a:solidFill>
+                        <a:srgbClr val="000000"/>
+                      </a:solidFill>
+                      <a:prstDash val="solid"/>
+                      <a:round/>
+                      <a:headEnd type="none" w="med" len="med"/>
+                      <a:tailEnd type="none" w="med" len="med"/>
+                    </a:lnB>
+                  </a:tcPr>
+                </a:tc>
+                <a:tc>
+                  <a:txBody>
+                    <a:bodyPr/>
+                    <a:lstStyle/>
+                    <a:p>
+                      <a:pPr algn="ctr" fontAlgn="b"/>
+                      <a:r>
+                        <a:rPr lang="en-US" sz="1100" b="0" i="0" u="none" strike="noStrike" dirty="0">
+                          <a:solidFill>
+                            <a:srgbClr val="000000"/>
+                          </a:solidFill>
+                          <a:effectLst/>
+                          <a:latin typeface="Calibri" panose="020F0502020204030204" pitchFamily="34" charset="0"/>
+                        </a:rPr>
+                        <a:t>7638</a:t>
+                      </a:r>
+                    </a:p>
+                  </a:txBody>
+                  <a:tcPr marL="9525" marR="9525" marT="9525" marB="0" anchor="ctr">
+                    <a:lnL w="6350" cap="flat" cmpd="sng" algn="ctr">
+                      <a:solidFill>
+                        <a:srgbClr val="000000"/>
+                      </a:solidFill>
+                      <a:prstDash val="solid"/>
+                      <a:round/>
+                      <a:headEnd type="none" w="med" len="med"/>
+                      <a:tailEnd type="none" w="med" len="med"/>
+                    </a:lnL>
+                    <a:lnR w="6350" cap="flat" cmpd="sng" algn="ctr">
+                      <a:solidFill>
+                        <a:srgbClr val="000000"/>
+                      </a:solidFill>
+                      <a:prstDash val="solid"/>
+                      <a:round/>
+                      <a:headEnd type="none" w="med" len="med"/>
+                      <a:tailEnd type="none" w="med" len="med"/>
+                    </a:lnR>
+                    <a:lnT w="6350" cap="flat" cmpd="sng" algn="ctr">
+                      <a:solidFill>
+                        <a:srgbClr val="000000"/>
+                      </a:solidFill>
+                      <a:prstDash val="solid"/>
+                      <a:round/>
+                      <a:headEnd type="none" w="med" len="med"/>
+                      <a:tailEnd type="none" w="med" len="med"/>
+                    </a:lnT>
+                    <a:lnB w="6350" cap="flat" cmpd="sng" algn="ctr">
+                      <a:solidFill>
+                        <a:srgbClr val="000000"/>
+                      </a:solidFill>
+                      <a:prstDash val="solid"/>
+                      <a:round/>
+                      <a:headEnd type="none" w="med" len="med"/>
+                      <a:tailEnd type="none" w="med" len="med"/>
+                    </a:lnB>
+                  </a:tcPr>
+                </a:tc>
+                <a:tc>
+                  <a:txBody>
+                    <a:bodyPr/>
+                    <a:lstStyle/>
+                    <a:p>
+                      <a:pPr algn="ctr" fontAlgn="b"/>
+                      <a:r>
+                        <a:rPr lang="en-US" sz="1100" b="0" i="0" u="none" strike="noStrike">
+                          <a:solidFill>
+                            <a:srgbClr val="000000"/>
+                          </a:solidFill>
+                          <a:effectLst/>
+                          <a:latin typeface="Calibri" panose="020F0502020204030204" pitchFamily="34" charset="0"/>
+                        </a:rPr>
+                        <a:t>5.30%</a:t>
+                      </a:r>
+                    </a:p>
+                  </a:txBody>
+                  <a:tcPr marL="9525" marR="9525" marT="9525" marB="0" anchor="ctr">
+                    <a:lnL w="6350" cap="flat" cmpd="sng" algn="ctr">
+                      <a:solidFill>
+                        <a:srgbClr val="000000"/>
+                      </a:solidFill>
+                      <a:prstDash val="solid"/>
+                      <a:round/>
+                      <a:headEnd type="none" w="med" len="med"/>
+                      <a:tailEnd type="none" w="med" len="med"/>
+                    </a:lnL>
+                    <a:lnR w="6350" cap="flat" cmpd="sng" algn="ctr">
+                      <a:solidFill>
+                        <a:srgbClr val="000000"/>
+                      </a:solidFill>
+                      <a:prstDash val="solid"/>
+                      <a:round/>
+                      <a:headEnd type="none" w="med" len="med"/>
+                      <a:tailEnd type="none" w="med" len="med"/>
+                    </a:lnR>
+                    <a:lnT w="6350" cap="flat" cmpd="sng" algn="ctr">
+                      <a:solidFill>
+                        <a:srgbClr val="000000"/>
+                      </a:solidFill>
+                      <a:prstDash val="solid"/>
+                      <a:round/>
+                      <a:headEnd type="none" w="med" len="med"/>
+                      <a:tailEnd type="none" w="med" len="med"/>
+                    </a:lnT>
+                    <a:lnB w="6350" cap="flat" cmpd="sng" algn="ctr">
+                      <a:solidFill>
+                        <a:srgbClr val="000000"/>
+                      </a:solidFill>
+                      <a:prstDash val="solid"/>
+                      <a:round/>
+                      <a:headEnd type="none" w="med" len="med"/>
+                      <a:tailEnd type="none" w="med" len="med"/>
+                    </a:lnB>
+                  </a:tcPr>
+                </a:tc>
+                <a:extLst>
+                  <a:ext uri="{0D108BD9-81ED-4DB2-BD59-A6C34878D82A}">
+                    <a16:rowId xmlns:a16="http://schemas.microsoft.com/office/drawing/2014/main" val="2918439863"/>
+                  </a:ext>
+                </a:extLst>
+              </a:tr>
+              <a:tr h="464128">
+                <a:tc>
+                  <a:txBody>
+                    <a:bodyPr/>
+                    <a:lstStyle/>
+                    <a:p>
+                      <a:pPr algn="ctr" fontAlgn="b"/>
+                      <a:r>
+                        <a:rPr lang="en-US" sz="1100" b="0" i="0" u="none" strike="noStrike">
+                          <a:solidFill>
+                            <a:srgbClr val="000000"/>
+                          </a:solidFill>
+                          <a:effectLst/>
+                          <a:latin typeface="Calibri" panose="020F0502020204030204" pitchFamily="34" charset="0"/>
+                        </a:rPr>
+                        <a:t>2017</a:t>
+                      </a:r>
+                    </a:p>
+                  </a:txBody>
+                  <a:tcPr marL="9525" marR="9525" marT="9525" marB="0" anchor="ctr">
+                    <a:lnL w="6350" cap="flat" cmpd="sng" algn="ctr">
+                      <a:solidFill>
+                        <a:srgbClr val="000000"/>
+                      </a:solidFill>
+                      <a:prstDash val="solid"/>
+                      <a:round/>
+                      <a:headEnd type="none" w="med" len="med"/>
+                      <a:tailEnd type="none" w="med" len="med"/>
+                    </a:lnL>
+                    <a:lnR w="6350" cap="flat" cmpd="sng" algn="ctr">
+                      <a:solidFill>
+                        <a:srgbClr val="000000"/>
+                      </a:solidFill>
+                      <a:prstDash val="solid"/>
+                      <a:round/>
+                      <a:headEnd type="none" w="med" len="med"/>
+                      <a:tailEnd type="none" w="med" len="med"/>
+                    </a:lnR>
+                    <a:lnT w="6350" cap="flat" cmpd="sng" algn="ctr">
+                      <a:solidFill>
+                        <a:srgbClr val="000000"/>
+                      </a:solidFill>
+                      <a:prstDash val="solid"/>
+                      <a:round/>
+                      <a:headEnd type="none" w="med" len="med"/>
+                      <a:tailEnd type="none" w="med" len="med"/>
+                    </a:lnT>
+                    <a:lnB w="6350" cap="flat" cmpd="sng" algn="ctr">
+                      <a:solidFill>
+                        <a:srgbClr val="000000"/>
+                      </a:solidFill>
+                      <a:prstDash val="solid"/>
+                      <a:round/>
+                      <a:headEnd type="none" w="med" len="med"/>
+                      <a:tailEnd type="none" w="med" len="med"/>
+                    </a:lnB>
+                  </a:tcPr>
+                </a:tc>
+                <a:tc>
+                  <a:txBody>
+                    <a:bodyPr/>
+                    <a:lstStyle/>
+                    <a:p>
+                      <a:pPr algn="ctr" fontAlgn="b"/>
+                      <a:r>
+                        <a:rPr lang="en-US" sz="1100" b="0" i="0" u="none" strike="noStrike">
+                          <a:solidFill>
+                            <a:srgbClr val="000000"/>
+                          </a:solidFill>
+                          <a:effectLst/>
+                          <a:latin typeface="Calibri" panose="020F0502020204030204" pitchFamily="34" charset="0"/>
+                        </a:rPr>
+                        <a:t>229898</a:t>
+                      </a:r>
+                    </a:p>
+                  </a:txBody>
+                  <a:tcPr marL="9525" marR="9525" marT="9525" marB="0" anchor="ctr">
+                    <a:lnL w="6350" cap="flat" cmpd="sng" algn="ctr">
+                      <a:solidFill>
+                        <a:srgbClr val="000000"/>
+                      </a:solidFill>
+                      <a:prstDash val="solid"/>
+                      <a:round/>
+                      <a:headEnd type="none" w="med" len="med"/>
+                      <a:tailEnd type="none" w="med" len="med"/>
+                    </a:lnL>
+                    <a:lnR w="6350" cap="flat" cmpd="sng" algn="ctr">
+                      <a:solidFill>
+                        <a:srgbClr val="000000"/>
+                      </a:solidFill>
+                      <a:prstDash val="solid"/>
+                      <a:round/>
+                      <a:headEnd type="none" w="med" len="med"/>
+                      <a:tailEnd type="none" w="med" len="med"/>
+                    </a:lnR>
+                    <a:lnT w="6350" cap="flat" cmpd="sng" algn="ctr">
+                      <a:solidFill>
+                        <a:srgbClr val="000000"/>
+                      </a:solidFill>
+                      <a:prstDash val="solid"/>
+                      <a:round/>
+                      <a:headEnd type="none" w="med" len="med"/>
+                      <a:tailEnd type="none" w="med" len="med"/>
+                    </a:lnT>
+                    <a:lnB w="6350" cap="flat" cmpd="sng" algn="ctr">
+                      <a:solidFill>
+                        <a:srgbClr val="000000"/>
+                      </a:solidFill>
+                      <a:prstDash val="solid"/>
+                      <a:round/>
+                      <a:headEnd type="none" w="med" len="med"/>
+                      <a:tailEnd type="none" w="med" len="med"/>
+                    </a:lnB>
+                  </a:tcPr>
+                </a:tc>
+                <a:tc>
+                  <a:txBody>
+                    <a:bodyPr/>
+                    <a:lstStyle/>
+                    <a:p>
+                      <a:pPr algn="ctr" fontAlgn="b"/>
+                      <a:r>
+                        <a:rPr lang="en-US" sz="1100" b="0" i="0" u="none" strike="noStrike" dirty="0">
+                          <a:solidFill>
+                            <a:srgbClr val="000000"/>
+                          </a:solidFill>
+                          <a:effectLst/>
+                          <a:latin typeface="Calibri" panose="020F0502020204030204" pitchFamily="34" charset="0"/>
+                        </a:rPr>
+                        <a:t>5424</a:t>
+                      </a:r>
+                    </a:p>
+                  </a:txBody>
+                  <a:tcPr marL="9525" marR="9525" marT="9525" marB="0" anchor="ctr">
+                    <a:lnL w="6350" cap="flat" cmpd="sng" algn="ctr">
+                      <a:solidFill>
+                        <a:srgbClr val="000000"/>
+                      </a:solidFill>
+                      <a:prstDash val="solid"/>
+                      <a:round/>
+                      <a:headEnd type="none" w="med" len="med"/>
+                      <a:tailEnd type="none" w="med" len="med"/>
+                    </a:lnL>
+                    <a:lnR w="6350" cap="flat" cmpd="sng" algn="ctr">
+                      <a:solidFill>
+                        <a:srgbClr val="000000"/>
+                      </a:solidFill>
+                      <a:prstDash val="solid"/>
+                      <a:round/>
+                      <a:headEnd type="none" w="med" len="med"/>
+                      <a:tailEnd type="none" w="med" len="med"/>
+                    </a:lnR>
+                    <a:lnT w="6350" cap="flat" cmpd="sng" algn="ctr">
+                      <a:solidFill>
+                        <a:srgbClr val="000000"/>
+                      </a:solidFill>
+                      <a:prstDash val="solid"/>
+                      <a:round/>
+                      <a:headEnd type="none" w="med" len="med"/>
+                      <a:tailEnd type="none" w="med" len="med"/>
+                    </a:lnT>
+                    <a:lnB w="6350" cap="flat" cmpd="sng" algn="ctr">
+                      <a:solidFill>
+                        <a:srgbClr val="000000"/>
+                      </a:solidFill>
+                      <a:prstDash val="solid"/>
+                      <a:round/>
+                      <a:headEnd type="none" w="med" len="med"/>
+                      <a:tailEnd type="none" w="med" len="med"/>
+                    </a:lnB>
+                  </a:tcPr>
+                </a:tc>
+                <a:tc>
+                  <a:txBody>
+                    <a:bodyPr/>
+                    <a:lstStyle/>
+                    <a:p>
+                      <a:pPr algn="ctr" fontAlgn="b"/>
+                      <a:r>
+                        <a:rPr lang="en-US" sz="1100" b="0" i="0" u="none" strike="noStrike">
+                          <a:solidFill>
+                            <a:srgbClr val="000000"/>
+                          </a:solidFill>
+                          <a:effectLst/>
+                          <a:latin typeface="Calibri" panose="020F0502020204030204" pitchFamily="34" charset="0"/>
+                        </a:rPr>
+                        <a:t>4.80%</a:t>
+                      </a:r>
+                    </a:p>
+                  </a:txBody>
+                  <a:tcPr marL="9525" marR="9525" marT="9525" marB="0" anchor="ctr">
+                    <a:lnL w="6350" cap="flat" cmpd="sng" algn="ctr">
+                      <a:solidFill>
+                        <a:srgbClr val="000000"/>
+                      </a:solidFill>
+                      <a:prstDash val="solid"/>
+                      <a:round/>
+                      <a:headEnd type="none" w="med" len="med"/>
+                      <a:tailEnd type="none" w="med" len="med"/>
+                    </a:lnL>
+                    <a:lnR w="6350" cap="flat" cmpd="sng" algn="ctr">
+                      <a:solidFill>
+                        <a:srgbClr val="000000"/>
+                      </a:solidFill>
+                      <a:prstDash val="solid"/>
+                      <a:round/>
+                      <a:headEnd type="none" w="med" len="med"/>
+                      <a:tailEnd type="none" w="med" len="med"/>
+                    </a:lnR>
+                    <a:lnT w="6350" cap="flat" cmpd="sng" algn="ctr">
+                      <a:solidFill>
+                        <a:srgbClr val="000000"/>
+                      </a:solidFill>
+                      <a:prstDash val="solid"/>
+                      <a:round/>
+                      <a:headEnd type="none" w="med" len="med"/>
+                      <a:tailEnd type="none" w="med" len="med"/>
+                    </a:lnT>
+                    <a:lnB w="6350" cap="flat" cmpd="sng" algn="ctr">
+                      <a:solidFill>
+                        <a:srgbClr val="000000"/>
+                      </a:solidFill>
+                      <a:prstDash val="solid"/>
+                      <a:round/>
+                      <a:headEnd type="none" w="med" len="med"/>
+                      <a:tailEnd type="none" w="med" len="med"/>
+                    </a:lnB>
+                  </a:tcPr>
+                </a:tc>
+                <a:extLst>
+                  <a:ext uri="{0D108BD9-81ED-4DB2-BD59-A6C34878D82A}">
+                    <a16:rowId xmlns:a16="http://schemas.microsoft.com/office/drawing/2014/main" val="3185173100"/>
+                  </a:ext>
+                </a:extLst>
+              </a:tr>
+              <a:tr h="464128">
+                <a:tc>
+                  <a:txBody>
+                    <a:bodyPr/>
+                    <a:lstStyle/>
+                    <a:p>
+                      <a:pPr algn="ctr" fontAlgn="b"/>
+                      <a:r>
+                        <a:rPr lang="en-US" sz="1100" b="0" i="0" u="none" strike="noStrike">
+                          <a:solidFill>
+                            <a:srgbClr val="000000"/>
+                          </a:solidFill>
+                          <a:effectLst/>
+                          <a:latin typeface="Calibri" panose="020F0502020204030204" pitchFamily="34" charset="0"/>
+                        </a:rPr>
+                        <a:t>2018</a:t>
+                      </a:r>
+                    </a:p>
+                  </a:txBody>
+                  <a:tcPr marL="9525" marR="9525" marT="9525" marB="0" anchor="ctr">
+                    <a:lnL w="6350" cap="flat" cmpd="sng" algn="ctr">
+                      <a:solidFill>
+                        <a:srgbClr val="000000"/>
+                      </a:solidFill>
+                      <a:prstDash val="solid"/>
+                      <a:round/>
+                      <a:headEnd type="none" w="med" len="med"/>
+                      <a:tailEnd type="none" w="med" len="med"/>
+                    </a:lnL>
+                    <a:lnR w="6350" cap="flat" cmpd="sng" algn="ctr">
+                      <a:solidFill>
+                        <a:srgbClr val="000000"/>
+                      </a:solidFill>
+                      <a:prstDash val="solid"/>
+                      <a:round/>
+                      <a:headEnd type="none" w="med" len="med"/>
+                      <a:tailEnd type="none" w="med" len="med"/>
+                    </a:lnR>
+                    <a:lnT w="6350" cap="flat" cmpd="sng" algn="ctr">
+                      <a:solidFill>
+                        <a:srgbClr val="000000"/>
+                      </a:solidFill>
+                      <a:prstDash val="solid"/>
+                      <a:round/>
+                      <a:headEnd type="none" w="med" len="med"/>
+                      <a:tailEnd type="none" w="med" len="med"/>
+                    </a:lnT>
+                    <a:lnB w="6350" cap="flat" cmpd="sng" algn="ctr">
+                      <a:solidFill>
+                        <a:srgbClr val="000000"/>
+                      </a:solidFill>
+                      <a:prstDash val="solid"/>
+                      <a:round/>
+                      <a:headEnd type="none" w="med" len="med"/>
+                      <a:tailEnd type="none" w="med" len="med"/>
+                    </a:lnB>
+                  </a:tcPr>
+                </a:tc>
+                <a:tc>
+                  <a:txBody>
+                    <a:bodyPr/>
+                    <a:lstStyle/>
+                    <a:p>
+                      <a:pPr algn="ctr" fontAlgn="b"/>
+                      <a:r>
+                        <a:rPr lang="en-US" sz="1100" b="0" i="0" u="none" strike="noStrike">
+                          <a:solidFill>
+                            <a:srgbClr val="000000"/>
+                          </a:solidFill>
+                          <a:effectLst/>
+                          <a:latin typeface="Calibri" panose="020F0502020204030204" pitchFamily="34" charset="0"/>
+                        </a:rPr>
+                        <a:t>226807</a:t>
+                      </a:r>
+                    </a:p>
+                  </a:txBody>
+                  <a:tcPr marL="9525" marR="9525" marT="9525" marB="0" anchor="ctr">
+                    <a:lnL w="6350" cap="flat" cmpd="sng" algn="ctr">
+                      <a:solidFill>
+                        <a:srgbClr val="000000"/>
+                      </a:solidFill>
+                      <a:prstDash val="solid"/>
+                      <a:round/>
+                      <a:headEnd type="none" w="med" len="med"/>
+                      <a:tailEnd type="none" w="med" len="med"/>
+                    </a:lnL>
+                    <a:lnR w="6350" cap="flat" cmpd="sng" algn="ctr">
+                      <a:solidFill>
+                        <a:srgbClr val="000000"/>
+                      </a:solidFill>
+                      <a:prstDash val="solid"/>
+                      <a:round/>
+                      <a:headEnd type="none" w="med" len="med"/>
+                      <a:tailEnd type="none" w="med" len="med"/>
+                    </a:lnR>
+                    <a:lnT w="6350" cap="flat" cmpd="sng" algn="ctr">
+                      <a:solidFill>
+                        <a:srgbClr val="000000"/>
+                      </a:solidFill>
+                      <a:prstDash val="solid"/>
+                      <a:round/>
+                      <a:headEnd type="none" w="med" len="med"/>
+                      <a:tailEnd type="none" w="med" len="med"/>
+                    </a:lnT>
+                    <a:lnB w="6350" cap="flat" cmpd="sng" algn="ctr">
+                      <a:solidFill>
+                        <a:srgbClr val="000000"/>
+                      </a:solidFill>
+                      <a:prstDash val="solid"/>
+                      <a:round/>
+                      <a:headEnd type="none" w="med" len="med"/>
+                      <a:tailEnd type="none" w="med" len="med"/>
+                    </a:lnB>
+                  </a:tcPr>
+                </a:tc>
+                <a:tc>
+                  <a:txBody>
+                    <a:bodyPr/>
+                    <a:lstStyle/>
+                    <a:p>
+                      <a:pPr algn="ctr" fontAlgn="b"/>
+                      <a:r>
+                        <a:rPr lang="en-US" sz="1100" b="0" i="0" u="none" strike="noStrike" dirty="0">
+                          <a:solidFill>
+                            <a:srgbClr val="000000"/>
+                          </a:solidFill>
+                          <a:effectLst/>
+                          <a:latin typeface="Calibri" panose="020F0502020204030204" pitchFamily="34" charset="0"/>
+                        </a:rPr>
+                        <a:t>3055</a:t>
+                      </a:r>
+                    </a:p>
+                  </a:txBody>
+                  <a:tcPr marL="9525" marR="9525" marT="9525" marB="0" anchor="ctr">
+                    <a:lnL w="6350" cap="flat" cmpd="sng" algn="ctr">
+                      <a:solidFill>
+                        <a:srgbClr val="000000"/>
+                      </a:solidFill>
+                      <a:prstDash val="solid"/>
+                      <a:round/>
+                      <a:headEnd type="none" w="med" len="med"/>
+                      <a:tailEnd type="none" w="med" len="med"/>
+                    </a:lnL>
+                    <a:lnR w="6350" cap="flat" cmpd="sng" algn="ctr">
+                      <a:solidFill>
+                        <a:srgbClr val="000000"/>
+                      </a:solidFill>
+                      <a:prstDash val="solid"/>
+                      <a:round/>
+                      <a:headEnd type="none" w="med" len="med"/>
+                      <a:tailEnd type="none" w="med" len="med"/>
+                    </a:lnR>
+                    <a:lnT w="6350" cap="flat" cmpd="sng" algn="ctr">
+                      <a:solidFill>
+                        <a:srgbClr val="000000"/>
+                      </a:solidFill>
+                      <a:prstDash val="solid"/>
+                      <a:round/>
+                      <a:headEnd type="none" w="med" len="med"/>
+                      <a:tailEnd type="none" w="med" len="med"/>
+                    </a:lnT>
+                    <a:lnB w="6350" cap="flat" cmpd="sng" algn="ctr">
+                      <a:solidFill>
+                        <a:srgbClr val="000000"/>
+                      </a:solidFill>
+                      <a:prstDash val="solid"/>
+                      <a:round/>
+                      <a:headEnd type="none" w="med" len="med"/>
+                      <a:tailEnd type="none" w="med" len="med"/>
+                    </a:lnB>
+                  </a:tcPr>
+                </a:tc>
+                <a:tc>
+                  <a:txBody>
+                    <a:bodyPr/>
+                    <a:lstStyle/>
+                    <a:p>
+                      <a:pPr algn="ctr" fontAlgn="b"/>
+                      <a:r>
+                        <a:rPr lang="en-US" sz="1100" b="0" i="0" u="none" strike="noStrike" dirty="0">
+                          <a:solidFill>
+                            <a:srgbClr val="000000"/>
+                          </a:solidFill>
+                          <a:effectLst/>
+                          <a:latin typeface="Calibri" panose="020F0502020204030204" pitchFamily="34" charset="0"/>
+                        </a:rPr>
+                        <a:t>4.70%</a:t>
+                      </a:r>
+                    </a:p>
+                  </a:txBody>
+                  <a:tcPr marL="9525" marR="9525" marT="9525" marB="0" anchor="ctr">
+                    <a:lnL w="6350" cap="flat" cmpd="sng" algn="ctr">
+                      <a:solidFill>
+                        <a:srgbClr val="000000"/>
+                      </a:solidFill>
+                      <a:prstDash val="solid"/>
+                      <a:round/>
+                      <a:headEnd type="none" w="med" len="med"/>
+                      <a:tailEnd type="none" w="med" len="med"/>
+                    </a:lnL>
+                    <a:lnR w="6350" cap="flat" cmpd="sng" algn="ctr">
+                      <a:solidFill>
+                        <a:srgbClr val="000000"/>
+                      </a:solidFill>
+                      <a:prstDash val="solid"/>
+                      <a:round/>
+                      <a:headEnd type="none" w="med" len="med"/>
+                      <a:tailEnd type="none" w="med" len="med"/>
+                    </a:lnR>
+                    <a:lnT w="6350" cap="flat" cmpd="sng" algn="ctr">
+                      <a:solidFill>
+                        <a:srgbClr val="000000"/>
+                      </a:solidFill>
+                      <a:prstDash val="solid"/>
+                      <a:round/>
+                      <a:headEnd type="none" w="med" len="med"/>
+                      <a:tailEnd type="none" w="med" len="med"/>
+                    </a:lnT>
+                    <a:lnB w="6350" cap="flat" cmpd="sng" algn="ctr">
+                      <a:solidFill>
+                        <a:srgbClr val="000000"/>
+                      </a:solidFill>
+                      <a:prstDash val="solid"/>
+                      <a:round/>
+                      <a:headEnd type="none" w="med" len="med"/>
+                      <a:tailEnd type="none" w="med" len="med"/>
+                    </a:lnB>
+                  </a:tcPr>
+                </a:tc>
+                <a:extLst>
+                  <a:ext uri="{0D108BD9-81ED-4DB2-BD59-A6C34878D82A}">
+                    <a16:rowId xmlns:a16="http://schemas.microsoft.com/office/drawing/2014/main" val="4216532607"/>
+                  </a:ext>
+                </a:extLst>
+              </a:tr>
+            </a:tbl>
+          </a:graphicData>
+        </a:graphic>
+      </p:graphicFrame>
     </p:spTree>
     <p:extLst>
       <p:ext uri="{BB962C8B-B14F-4D97-AF65-F5344CB8AC3E}">
@@ -6240,7 +8068,7 @@
 </p:sld>
 </file>
 
-<file path=ppt/slides/slide17.xml><?xml version="1.0" encoding="utf-8"?>
+<file path=ppt/slides/slide21.xml><?xml version="1.0" encoding="utf-8"?>
 <p:sld xmlns:a="http://schemas.openxmlformats.org/drawingml/2006/main" xmlns:r="http://schemas.openxmlformats.org/officeDocument/2006/relationships" xmlns:p="http://schemas.openxmlformats.org/presentationml/2006/main">
   <p:cSld>
     <p:spTree>
@@ -6360,7 +8188,7 @@
 </p:sld>
 </file>
 
-<file path=ppt/slides/slide18.xml><?xml version="1.0" encoding="utf-8"?>
+<file path=ppt/slides/slide22.xml><?xml version="1.0" encoding="utf-8"?>
 <p:sld xmlns:a="http://schemas.openxmlformats.org/drawingml/2006/main" xmlns:r="http://schemas.openxmlformats.org/officeDocument/2006/relationships" xmlns:p="http://schemas.openxmlformats.org/presentationml/2006/main">
   <p:cSld>
     <p:spTree>
@@ -6482,7 +8310,7 @@
 </p:sld>
 </file>
 
-<file path=ppt/slides/slide19.xml><?xml version="1.0" encoding="utf-8"?>
+<file path=ppt/slides/slide23.xml><?xml version="1.0" encoding="utf-8"?>
 <p:sld xmlns:a="http://schemas.openxmlformats.org/drawingml/2006/main" xmlns:r="http://schemas.openxmlformats.org/officeDocument/2006/relationships" xmlns:p="http://schemas.openxmlformats.org/presentationml/2006/main">
   <p:cSld>
     <p:spTree>
@@ -6555,135 +8383,6 @@
     <p:extLst>
       <p:ext uri="{BB962C8B-B14F-4D97-AF65-F5344CB8AC3E}">
         <p14:creationId xmlns:p14="http://schemas.microsoft.com/office/powerpoint/2010/main" val="3051994225"/>
-      </p:ext>
-    </p:extLst>
-  </p:cSld>
-  <p:clrMapOvr>
-    <a:masterClrMapping/>
-  </p:clrMapOvr>
-</p:sld>
-</file>
-
-<file path=ppt/slides/slide2.xml><?xml version="1.0" encoding="utf-8"?>
-<p:sld xmlns:a="http://schemas.openxmlformats.org/drawingml/2006/main" xmlns:r="http://schemas.openxmlformats.org/officeDocument/2006/relationships" xmlns:p="http://schemas.openxmlformats.org/presentationml/2006/main">
-  <p:cSld>
-    <p:spTree>
-      <p:nvGrpSpPr>
-        <p:cNvPr id="1" name=""/>
-        <p:cNvGrpSpPr/>
-        <p:nvPr/>
-      </p:nvGrpSpPr>
-      <p:grpSpPr>
-        <a:xfrm>
-          <a:off x="0" y="0"/>
-          <a:ext cx="0" cy="0"/>
-          <a:chOff x="0" y="0"/>
-          <a:chExt cx="0" cy="0"/>
-        </a:xfrm>
-      </p:grpSpPr>
-      <p:sp>
-        <p:nvSpPr>
-          <p:cNvPr id="2" name="Title 1"/>
-          <p:cNvSpPr>
-            <a:spLocks noGrp="1"/>
-          </p:cNvSpPr>
-          <p:nvPr>
-            <p:ph type="title"/>
-          </p:nvPr>
-        </p:nvSpPr>
-        <p:spPr>
-          <a:xfrm>
-            <a:off x="1024128" y="965871"/>
-            <a:ext cx="10058400" cy="653923"/>
-          </a:xfrm>
-        </p:spPr>
-        <p:txBody>
-          <a:bodyPr>
-            <a:normAutofit/>
-          </a:bodyPr>
-          <a:lstStyle/>
-          <a:p>
-            <a:r>
-              <a:rPr lang="en-US" sz="3200" dirty="0"/>
-              <a:t>The Question</a:t>
-            </a:r>
-            <a:r>
-              <a:rPr lang="mr-IN" sz="3200" dirty="0" smtClean="0"/>
-              <a:t>…</a:t>
-            </a:r>
-            <a:endParaRPr lang="en-US" sz="3200" dirty="0"/>
-          </a:p>
-        </p:txBody>
-      </p:sp>
-      <p:sp>
-        <p:nvSpPr>
-          <p:cNvPr id="3" name="Content Placeholder 2"/>
-          <p:cNvSpPr>
-            <a:spLocks noGrp="1"/>
-          </p:cNvSpPr>
-          <p:nvPr>
-            <p:ph idx="1"/>
-          </p:nvPr>
-        </p:nvSpPr>
-        <p:spPr>
-          <a:xfrm>
-            <a:off x="1024128" y="1789611"/>
-            <a:ext cx="9720071" cy="4519749"/>
-          </a:xfrm>
-        </p:spPr>
-        <p:txBody>
-          <a:bodyPr/>
-          <a:lstStyle/>
-          <a:p>
-            <a:endParaRPr lang="en-US" dirty="0"/>
-          </a:p>
-          <a:p>
-            <a:pPr marL="0" indent="0" algn="ctr">
-              <a:buNone/>
-            </a:pPr>
-            <a:endParaRPr lang="en-US" sz="3600" dirty="0"/>
-          </a:p>
-          <a:p>
-            <a:pPr algn="ctr"/>
-            <a:r>
-              <a:rPr lang="en-US" sz="3600" dirty="0" smtClean="0"/>
-              <a:t>Do foreclosures </a:t>
-            </a:r>
-            <a:r>
-              <a:rPr lang="en-US" sz="3600" dirty="0"/>
-              <a:t>cause </a:t>
-            </a:r>
-            <a:r>
-              <a:rPr lang="en-US" sz="3600" dirty="0" smtClean="0"/>
-              <a:t>crime and </a:t>
-            </a:r>
-            <a:r>
-              <a:rPr lang="en-US" sz="3600" dirty="0"/>
-              <a:t>affect unemployment rate </a:t>
-            </a:r>
-            <a:r>
-              <a:rPr lang="en-US" sz="3600" dirty="0" smtClean="0"/>
-              <a:t>in </a:t>
-            </a:r>
-            <a:r>
-              <a:rPr lang="en-US" sz="3600" dirty="0"/>
-              <a:t>Los Angeles City</a:t>
-            </a:r>
-            <a:r>
-              <a:rPr lang="en-US" sz="3600" dirty="0" smtClean="0"/>
-              <a:t>?</a:t>
-            </a:r>
-          </a:p>
-          <a:p>
-            <a:pPr algn="ctr"/>
-            <a:endParaRPr lang="en-US" sz="3600" dirty="0"/>
-          </a:p>
-        </p:txBody>
-      </p:sp>
-    </p:spTree>
-    <p:extLst>
-      <p:ext uri="{BB962C8B-B14F-4D97-AF65-F5344CB8AC3E}">
-        <p14:creationId xmlns:p14="http://schemas.microsoft.com/office/powerpoint/2010/main" val="4075926527"/>
       </p:ext>
     </p:extLst>
   </p:cSld>
@@ -6818,8 +8517,23 @@
             </a:pPr>
             <a:r>
               <a:rPr lang="en-US" sz="2800" dirty="0"/>
-              <a:t>Is there a threshold level of foreclosures that triggers crime?</a:t>
-            </a:r>
+              <a:t>Is there a threshold level of foreclosures that triggers crime</a:t>
+            </a:r>
+            <a:r>
+              <a:rPr lang="en-US" sz="2800" dirty="0" smtClean="0"/>
+              <a:t>?</a:t>
+            </a:r>
+          </a:p>
+          <a:p>
+            <a:pPr marL="514350" indent="-514350">
+              <a:buFont typeface="+mj-lt"/>
+              <a:buAutoNum type="arabicPeriod"/>
+            </a:pPr>
+            <a:r>
+              <a:rPr lang="en-US" sz="2800" dirty="0" smtClean="0"/>
+              <a:t>Which property type had highest foreclosures?</a:t>
+            </a:r>
+            <a:endParaRPr lang="en-US" sz="2800" dirty="0"/>
           </a:p>
           <a:p>
             <a:pPr algn="ctr"/>
@@ -6922,8 +8636,30 @@
             </a:r>
             <a:r>
               <a:rPr lang="en-US" sz="2400" dirty="0" smtClean="0"/>
-              <a:t>(Add data source link)</a:t>
-            </a:r>
+              <a:t>(</a:t>
+            </a:r>
+            <a:r>
+              <a:rPr lang="en-US" sz="2400" dirty="0"/>
+              <a:t>https://</a:t>
+            </a:r>
+            <a:r>
+              <a:rPr lang="en-US" sz="2400" dirty="0" smtClean="0"/>
+              <a:t>data.lacity.org/A-Safe-City)</a:t>
+            </a:r>
+          </a:p>
+          <a:p>
+            <a:pPr marL="0" indent="0">
+              <a:buNone/>
+            </a:pPr>
+            <a:r>
+              <a:rPr lang="en-US" sz="2000" dirty="0" smtClean="0"/>
+              <a:t>Crimes </a:t>
+            </a:r>
+            <a:r>
+              <a:rPr lang="en-US" sz="2000" dirty="0"/>
+              <a:t>reported in Los Angeles City between 2016 and 2019. </a:t>
+            </a:r>
+            <a:endParaRPr lang="en-US" sz="2000" dirty="0" smtClean="0"/>
           </a:p>
           <a:p>
             <a:pPr marL="457200" indent="-457200">
@@ -6932,17 +8668,39 @@
             </a:pPr>
             <a:r>
               <a:rPr lang="en-US" sz="2000" dirty="0"/>
-              <a:t>C</a:t>
+              <a:t>D</a:t>
             </a:r>
             <a:r>
               <a:rPr lang="en-US" sz="2000" dirty="0" smtClean="0"/>
-              <a:t>rimes </a:t>
+              <a:t>ataset </a:t>
             </a:r>
             <a:r>
               <a:rPr lang="en-US" sz="2000" dirty="0"/>
-              <a:t>reported in Los Angeles City between 2016 and 2019. </a:t>
-            </a:r>
-            <a:endParaRPr lang="en-US" sz="2000" dirty="0" smtClean="0"/>
+              <a:t>includes the spatial coordinates of each reported crime, along with its date, time, and offense categories</a:t>
+            </a:r>
+            <a:r>
+              <a:rPr lang="en-US" sz="2000" dirty="0" smtClean="0"/>
+              <a:t>.</a:t>
+            </a:r>
+            <a:endParaRPr lang="en-US" sz="2400" dirty="0"/>
+          </a:p>
+          <a:p>
+            <a:pPr marL="0" indent="0">
+              <a:buNone/>
+            </a:pPr>
+            <a:r>
+              <a:rPr lang="en-US" sz="2400" dirty="0"/>
+              <a:t>Foreclosure </a:t>
+            </a:r>
+            <a:r>
+              <a:rPr lang="en-US" sz="2400" dirty="0"/>
+              <a:t>Data: https://</a:t>
+            </a:r>
+            <a:r>
+              <a:rPr lang="en-US" sz="2400" dirty="0" smtClean="0"/>
+              <a:t>catalog.data.gov</a:t>
+            </a:r>
+            <a:endParaRPr lang="en-US" sz="2400" dirty="0" smtClean="0"/>
           </a:p>
           <a:p>
             <a:pPr marL="457200" indent="-457200">
@@ -6951,41 +8709,19 @@
             </a:pPr>
             <a:r>
               <a:rPr lang="en-US" sz="2000" dirty="0"/>
-              <a:t>D</a:t>
+              <a:t>F</a:t>
             </a:r>
             <a:r>
               <a:rPr lang="en-US" sz="2000" dirty="0" smtClean="0"/>
-              <a:t>ataset </a:t>
+              <a:t>oreclosure </a:t>
             </a:r>
             <a:r>
               <a:rPr lang="en-US" sz="2000" dirty="0"/>
-              <a:t>includes the spatial coordinates of each reported crime, along with its date, time, and offense categories</a:t>
+              <a:t>reported in Los Angeles City between 2016 and 2019</a:t>
             </a:r>
             <a:r>
               <a:rPr lang="en-US" sz="2000" dirty="0" smtClean="0"/>
               <a:t>.</a:t>
-            </a:r>
-            <a:endParaRPr lang="en-US" sz="2400" dirty="0"/>
-          </a:p>
-          <a:p>
-            <a:pPr marL="0" indent="0">
-              <a:buNone/>
-            </a:pPr>
-            <a:r>
-              <a:rPr lang="en-US" sz="2400" dirty="0"/>
-              <a:t>Foreclosure Data</a:t>
-            </a:r>
-            <a:r>
-              <a:rPr lang="en-US" sz="2400" dirty="0" smtClean="0"/>
-              <a:t>:</a:t>
-            </a:r>
-            <a:r>
-              <a:rPr lang="en-US" sz="2400" dirty="0"/>
-              <a:t>(Add data source link</a:t>
-            </a:r>
-            <a:r>
-              <a:rPr lang="en-US" sz="2400" dirty="0" smtClean="0"/>
-              <a:t>) </a:t>
             </a:r>
           </a:p>
           <a:p>
@@ -6995,20 +8731,43 @@
             </a:pPr>
             <a:r>
               <a:rPr lang="en-US" sz="2000" dirty="0"/>
-              <a:t>F</a:t>
+              <a:t>D</a:t>
             </a:r>
             <a:r>
               <a:rPr lang="en-US" sz="2000" dirty="0" smtClean="0"/>
-              <a:t>oreclosure </a:t>
+              <a:t>ataset </a:t>
             </a:r>
             <a:r>
               <a:rPr lang="en-US" sz="2000" dirty="0"/>
-              <a:t>reported in Los Angeles City between 2016 and 2019</a:t>
+              <a:t>contains each reported foreclosures, along with its reported date, property type, location and lender </a:t>
             </a:r>
             <a:r>
               <a:rPr lang="en-US" sz="2000" dirty="0" smtClean="0"/>
-              <a:t>.</a:t>
-            </a:r>
+              <a:t>information.</a:t>
+            </a:r>
+          </a:p>
+          <a:p>
+            <a:r>
+              <a:rPr lang="en-US" sz="2400" dirty="0" smtClean="0"/>
+              <a:t>Unemployment </a:t>
+            </a:r>
+            <a:r>
+              <a:rPr lang="en-US" sz="2400" dirty="0" smtClean="0"/>
+              <a:t>Data: </a:t>
+            </a:r>
+            <a:r>
+              <a:rPr lang="en-US" sz="2400" dirty="0" smtClean="0"/>
+              <a:t>https</a:t>
+            </a:r>
+            <a:r>
+              <a:rPr lang="en-US" sz="2400" dirty="0"/>
+              <a:t>://</a:t>
+            </a:r>
+            <a:r>
+              <a:rPr lang="en-US" sz="2400" dirty="0" smtClean="0"/>
+              <a:t>www.labormarketinfo.edd.ca.gov/file/lfhist</a:t>
+            </a:r>
+            <a:endParaRPr lang="en-US" sz="2400" dirty="0" smtClean="0"/>
           </a:p>
           <a:p>
             <a:pPr marL="457200" indent="-457200">
@@ -7016,34 +8775,8 @@
               <a:buAutoNum type="arabicPeriod"/>
             </a:pPr>
             <a:r>
-              <a:rPr lang="en-US" sz="2000" dirty="0"/>
-              <a:t>D</a:t>
-            </a:r>
-            <a:r>
-              <a:rPr lang="en-US" sz="2000" dirty="0" smtClean="0"/>
-              <a:t>ataset </a:t>
-            </a:r>
-            <a:r>
-              <a:rPr lang="en-US" sz="2000" dirty="0"/>
-              <a:t>contains each reported foreclosures, along with its reported date, property type, location and lender </a:t>
-            </a:r>
-            <a:r>
-              <a:rPr lang="en-US" sz="2000" dirty="0" smtClean="0"/>
-              <a:t>information.</a:t>
-            </a:r>
-          </a:p>
-          <a:p>
-            <a:r>
-              <a:rPr lang="en-US" sz="2400" dirty="0" smtClean="0"/>
-              <a:t>Unemployment Data: </a:t>
-            </a:r>
-            <a:r>
-              <a:rPr lang="en-US" sz="2400" dirty="0"/>
-              <a:t>(Add data source link</a:t>
-            </a:r>
-            <a:r>
-              <a:rPr lang="en-US" sz="2400" dirty="0" smtClean="0"/>
-              <a:t>)</a:t>
+              <a:rPr lang="en-US" dirty="0" smtClean="0"/>
+              <a:t>Los Angeles City Unemployment Rate between 2016 and 2019.</a:t>
             </a:r>
           </a:p>
           <a:p>
@@ -7053,29 +8786,11 @@
             </a:pPr>
             <a:r>
               <a:rPr lang="en-US" dirty="0" smtClean="0"/>
-              <a:t>Los </a:t>
+              <a:t>Dataset </a:t>
             </a:r>
             <a:r>
               <a:rPr lang="en-US" dirty="0"/>
-              <a:t>Angeles City </a:t>
-            </a:r>
-            <a:r>
-              <a:rPr lang="en-US" dirty="0" smtClean="0"/>
-              <a:t>Unemployment Rate between </a:t>
-            </a:r>
-            <a:r>
-              <a:rPr lang="en-US" dirty="0"/>
-              <a:t>2016 and 2019.</a:t>
-            </a:r>
-          </a:p>
-          <a:p>
-            <a:pPr marL="457200" indent="-457200">
-              <a:buFont typeface="+mj-lt"/>
-              <a:buAutoNum type="arabicPeriod"/>
-            </a:pPr>
-            <a:r>
-              <a:rPr lang="en-US" dirty="0"/>
-              <a:t>Dataset contains Los Angeles City </a:t>
+              <a:t>contains Los Angeles City </a:t>
             </a:r>
             <a:r>
               <a:rPr lang="en-US" dirty="0" smtClean="0"/>
@@ -7146,7 +8861,7 @@
           <a:p>
             <a:r>
               <a:rPr lang="en-US" sz="3200" dirty="0" smtClean="0"/>
-              <a:t>Foreclosures Vs Crime (YOY 2016 – 2019)</a:t>
+              <a:t>YoY Comparison </a:t>
             </a:r>
             <a:endParaRPr lang="en-US" sz="3200" dirty="0"/>
           </a:p>
@@ -7169,65 +8884,1031 @@
           </a:xfrm>
         </p:spPr>
         <p:txBody>
-          <a:bodyPr/>
-          <a:lstStyle/>
-          <a:p>
-            <a:endParaRPr lang="en-US" dirty="0"/>
-          </a:p>
-          <a:p>
-            <a:pPr algn="ctr"/>
-            <a:endParaRPr lang="en-US" sz="3600" dirty="0" smtClean="0"/>
+          <a:bodyPr>
+            <a:normAutofit/>
+          </a:bodyPr>
+          <a:lstStyle/>
+          <a:p>
+            <a:endParaRPr lang="en-US" sz="2400" dirty="0"/>
           </a:p>
           <a:p>
             <a:pPr algn="ctr"/>
             <a:endParaRPr lang="en-US" sz="3600" dirty="0"/>
           </a:p>
-          <a:p>
-            <a:pPr marL="0" indent="0" algn="ctr">
-              <a:buNone/>
-            </a:pPr>
-            <a:endParaRPr lang="en-US" sz="3600" dirty="0" smtClean="0"/>
-          </a:p>
-          <a:p>
-            <a:pPr algn="ctr"/>
-            <a:endParaRPr lang="en-US" sz="3600" dirty="0"/>
-          </a:p>
-        </p:txBody>
-      </p:sp>
-      <p:pic>
-        <p:nvPicPr>
-          <p:cNvPr id="4" name="Picture 3"/>
-          <p:cNvPicPr>
-            <a:picLocks noChangeAspect="1"/>
-          </p:cNvPicPr>
-          <p:nvPr/>
-        </p:nvPicPr>
-        <p:blipFill>
-          <a:blip r:embed="rId2">
-            <a:extLst>
-              <a:ext uri="{28A0092B-C50C-407E-A947-70E740481C1C}">
-                <a14:useLocalDpi xmlns:a14="http://schemas.microsoft.com/office/drawing/2010/main" val="0"/>
-              </a:ext>
-            </a:extLst>
-          </a:blip>
-          <a:stretch>
-            <a:fillRect/>
-          </a:stretch>
-        </p:blipFill>
-        <p:spPr>
-          <a:xfrm>
-            <a:off x="2541201" y="1789611"/>
-            <a:ext cx="7024254" cy="4257641"/>
-          </a:xfrm>
-          <a:prstGeom prst="rect">
-            <a:avLst/>
-          </a:prstGeom>
-        </p:spPr>
-      </p:pic>
+        </p:txBody>
+      </p:sp>
+      <p:graphicFrame>
+        <p:nvGraphicFramePr>
+          <p:cNvPr id="4" name="Table 3"/>
+          <p:cNvGraphicFramePr>
+            <a:graphicFrameLocks noGrp="1"/>
+          </p:cNvGraphicFramePr>
+          <p:nvPr>
+            <p:extLst>
+              <p:ext uri="{D42A27DB-BD31-4B8C-83A1-F6EECF244321}">
+                <p14:modId xmlns:p14="http://schemas.microsoft.com/office/powerpoint/2010/main" val="4125466409"/>
+              </p:ext>
+            </p:extLst>
+          </p:nvPr>
+        </p:nvGraphicFramePr>
+        <p:xfrm>
+          <a:off x="1566069" y="2202874"/>
+          <a:ext cx="8636000" cy="2656463"/>
+        </p:xfrm>
+        <a:graphic>
+          <a:graphicData uri="http://schemas.openxmlformats.org/drawingml/2006/table">
+            <a:tbl>
+              <a:tblPr/>
+              <a:tblGrid>
+                <a:gridCol w="2159000">
+                  <a:extLst>
+                    <a:ext uri="{9D8B030D-6E8A-4147-A177-3AD203B41FA5}">
+                      <a16:colId xmlns:a16="http://schemas.microsoft.com/office/drawing/2014/main" val="576791433"/>
+                    </a:ext>
+                  </a:extLst>
+                </a:gridCol>
+                <a:gridCol w="2159000">
+                  <a:extLst>
+                    <a:ext uri="{9D8B030D-6E8A-4147-A177-3AD203B41FA5}">
+                      <a16:colId xmlns:a16="http://schemas.microsoft.com/office/drawing/2014/main" val="1270288121"/>
+                    </a:ext>
+                  </a:extLst>
+                </a:gridCol>
+                <a:gridCol w="2159000">
+                  <a:extLst>
+                    <a:ext uri="{9D8B030D-6E8A-4147-A177-3AD203B41FA5}">
+                      <a16:colId xmlns:a16="http://schemas.microsoft.com/office/drawing/2014/main" val="1673151793"/>
+                    </a:ext>
+                  </a:extLst>
+                </a:gridCol>
+                <a:gridCol w="2159000">
+                  <a:extLst>
+                    <a:ext uri="{9D8B030D-6E8A-4147-A177-3AD203B41FA5}">
+                      <a16:colId xmlns:a16="http://schemas.microsoft.com/office/drawing/2014/main" val="3744216825"/>
+                    </a:ext>
+                  </a:extLst>
+                </a:gridCol>
+              </a:tblGrid>
+              <a:tr h="968033">
+                <a:tc>
+                  <a:txBody>
+                    <a:bodyPr/>
+                    <a:lstStyle/>
+                    <a:p>
+                      <a:pPr algn="ctr" fontAlgn="ctr"/>
+                      <a:r>
+                        <a:rPr lang="en-US" sz="1400" b="1" i="0" u="none" strike="noStrike" dirty="0">
+                          <a:solidFill>
+                            <a:srgbClr val="000000"/>
+                          </a:solidFill>
+                          <a:effectLst/>
+                          <a:latin typeface="Calibri" panose="020F0502020204030204" pitchFamily="34" charset="0"/>
+                        </a:rPr>
+                        <a:t>Year</a:t>
+                      </a:r>
+                    </a:p>
+                  </a:txBody>
+                  <a:tcPr marL="9525" marR="9525" marT="9525" marB="0" anchor="ctr">
+                    <a:lnL w="6350" cap="flat" cmpd="sng" algn="ctr">
+                      <a:solidFill>
+                        <a:srgbClr val="000000"/>
+                      </a:solidFill>
+                      <a:prstDash val="solid"/>
+                      <a:round/>
+                      <a:headEnd type="none" w="med" len="med"/>
+                      <a:tailEnd type="none" w="med" len="med"/>
+                    </a:lnL>
+                    <a:lnR w="6350" cap="flat" cmpd="sng" algn="ctr">
+                      <a:solidFill>
+                        <a:srgbClr val="000000"/>
+                      </a:solidFill>
+                      <a:prstDash val="solid"/>
+                      <a:round/>
+                      <a:headEnd type="none" w="med" len="med"/>
+                      <a:tailEnd type="none" w="med" len="med"/>
+                    </a:lnR>
+                    <a:lnT w="6350" cap="flat" cmpd="sng" algn="ctr">
+                      <a:solidFill>
+                        <a:srgbClr val="000000"/>
+                      </a:solidFill>
+                      <a:prstDash val="solid"/>
+                      <a:round/>
+                      <a:headEnd type="none" w="med" len="med"/>
+                      <a:tailEnd type="none" w="med" len="med"/>
+                    </a:lnT>
+                    <a:lnB w="6350" cap="flat" cmpd="sng" algn="ctr">
+                      <a:solidFill>
+                        <a:srgbClr val="000000"/>
+                      </a:solidFill>
+                      <a:prstDash val="solid"/>
+                      <a:round/>
+                      <a:headEnd type="none" w="med" len="med"/>
+                      <a:tailEnd type="none" w="med" len="med"/>
+                    </a:lnB>
+                    <a:solidFill>
+                      <a:srgbClr val="BDD7EE"/>
+                    </a:solidFill>
+                  </a:tcPr>
+                </a:tc>
+                <a:tc>
+                  <a:txBody>
+                    <a:bodyPr/>
+                    <a:lstStyle/>
+                    <a:p>
+                      <a:pPr algn="ctr" fontAlgn="ctr"/>
+                      <a:r>
+                        <a:rPr lang="en-US" sz="1400" b="1" i="0" u="none" strike="noStrike" dirty="0">
+                          <a:solidFill>
+                            <a:srgbClr val="000000"/>
+                          </a:solidFill>
+                          <a:effectLst/>
+                          <a:latin typeface="Calibri" panose="020F0502020204030204" pitchFamily="34" charset="0"/>
+                        </a:rPr>
+                        <a:t> Crime Count</a:t>
+                      </a:r>
+                    </a:p>
+                  </a:txBody>
+                  <a:tcPr marL="9525" marR="9525" marT="9525" marB="0" anchor="ctr">
+                    <a:lnL w="6350" cap="flat" cmpd="sng" algn="ctr">
+                      <a:solidFill>
+                        <a:srgbClr val="000000"/>
+                      </a:solidFill>
+                      <a:prstDash val="solid"/>
+                      <a:round/>
+                      <a:headEnd type="none" w="med" len="med"/>
+                      <a:tailEnd type="none" w="med" len="med"/>
+                    </a:lnL>
+                    <a:lnR w="6350" cap="flat" cmpd="sng" algn="ctr">
+                      <a:solidFill>
+                        <a:srgbClr val="000000"/>
+                      </a:solidFill>
+                      <a:prstDash val="solid"/>
+                      <a:round/>
+                      <a:headEnd type="none" w="med" len="med"/>
+                      <a:tailEnd type="none" w="med" len="med"/>
+                    </a:lnR>
+                    <a:lnT w="6350" cap="flat" cmpd="sng" algn="ctr">
+                      <a:solidFill>
+                        <a:srgbClr val="000000"/>
+                      </a:solidFill>
+                      <a:prstDash val="solid"/>
+                      <a:round/>
+                      <a:headEnd type="none" w="med" len="med"/>
+                      <a:tailEnd type="none" w="med" len="med"/>
+                    </a:lnT>
+                    <a:lnB w="6350" cap="flat" cmpd="sng" algn="ctr">
+                      <a:solidFill>
+                        <a:srgbClr val="000000"/>
+                      </a:solidFill>
+                      <a:prstDash val="solid"/>
+                      <a:round/>
+                      <a:headEnd type="none" w="med" len="med"/>
+                      <a:tailEnd type="none" w="med" len="med"/>
+                    </a:lnB>
+                    <a:solidFill>
+                      <a:srgbClr val="BDD7EE"/>
+                    </a:solidFill>
+                  </a:tcPr>
+                </a:tc>
+                <a:tc>
+                  <a:txBody>
+                    <a:bodyPr/>
+                    <a:lstStyle/>
+                    <a:p>
+                      <a:pPr algn="ctr" fontAlgn="ctr"/>
+                      <a:r>
+                        <a:rPr lang="en-US" sz="1400" b="1" i="0" u="none" strike="noStrike">
+                          <a:solidFill>
+                            <a:srgbClr val="000000"/>
+                          </a:solidFill>
+                          <a:effectLst/>
+                          <a:latin typeface="Calibri" panose="020F0502020204030204" pitchFamily="34" charset="0"/>
+                        </a:rPr>
+                        <a:t>Foreclosure Count</a:t>
+                      </a:r>
+                    </a:p>
+                  </a:txBody>
+                  <a:tcPr marL="9525" marR="9525" marT="9525" marB="0" anchor="ctr">
+                    <a:lnL w="6350" cap="flat" cmpd="sng" algn="ctr">
+                      <a:solidFill>
+                        <a:srgbClr val="000000"/>
+                      </a:solidFill>
+                      <a:prstDash val="solid"/>
+                      <a:round/>
+                      <a:headEnd type="none" w="med" len="med"/>
+                      <a:tailEnd type="none" w="med" len="med"/>
+                    </a:lnL>
+                    <a:lnR w="6350" cap="flat" cmpd="sng" algn="ctr">
+                      <a:solidFill>
+                        <a:srgbClr val="000000"/>
+                      </a:solidFill>
+                      <a:prstDash val="solid"/>
+                      <a:round/>
+                      <a:headEnd type="none" w="med" len="med"/>
+                      <a:tailEnd type="none" w="med" len="med"/>
+                    </a:lnR>
+                    <a:lnT w="6350" cap="flat" cmpd="sng" algn="ctr">
+                      <a:solidFill>
+                        <a:srgbClr val="000000"/>
+                      </a:solidFill>
+                      <a:prstDash val="solid"/>
+                      <a:round/>
+                      <a:headEnd type="none" w="med" len="med"/>
+                      <a:tailEnd type="none" w="med" len="med"/>
+                    </a:lnT>
+                    <a:lnB w="6350" cap="flat" cmpd="sng" algn="ctr">
+                      <a:solidFill>
+                        <a:srgbClr val="000000"/>
+                      </a:solidFill>
+                      <a:prstDash val="solid"/>
+                      <a:round/>
+                      <a:headEnd type="none" w="med" len="med"/>
+                      <a:tailEnd type="none" w="med" len="med"/>
+                    </a:lnB>
+                    <a:solidFill>
+                      <a:srgbClr val="BDD7EE"/>
+                    </a:solidFill>
+                  </a:tcPr>
+                </a:tc>
+                <a:tc>
+                  <a:txBody>
+                    <a:bodyPr/>
+                    <a:lstStyle/>
+                    <a:p>
+                      <a:pPr algn="ctr" fontAlgn="ctr"/>
+                      <a:r>
+                        <a:rPr lang="en-US" sz="1400" b="1" i="0" u="none" strike="noStrike">
+                          <a:solidFill>
+                            <a:srgbClr val="000000"/>
+                          </a:solidFill>
+                          <a:effectLst/>
+                          <a:latin typeface="Calibri" panose="020F0502020204030204" pitchFamily="34" charset="0"/>
+                        </a:rPr>
+                        <a:t>Unemployment Rate</a:t>
+                      </a:r>
+                    </a:p>
+                  </a:txBody>
+                  <a:tcPr marL="9525" marR="9525" marT="9525" marB="0" anchor="ctr">
+                    <a:lnL w="6350" cap="flat" cmpd="sng" algn="ctr">
+                      <a:solidFill>
+                        <a:srgbClr val="000000"/>
+                      </a:solidFill>
+                      <a:prstDash val="solid"/>
+                      <a:round/>
+                      <a:headEnd type="none" w="med" len="med"/>
+                      <a:tailEnd type="none" w="med" len="med"/>
+                    </a:lnL>
+                    <a:lnR w="6350" cap="flat" cmpd="sng" algn="ctr">
+                      <a:solidFill>
+                        <a:srgbClr val="000000"/>
+                      </a:solidFill>
+                      <a:prstDash val="solid"/>
+                      <a:round/>
+                      <a:headEnd type="none" w="med" len="med"/>
+                      <a:tailEnd type="none" w="med" len="med"/>
+                    </a:lnR>
+                    <a:lnT w="6350" cap="flat" cmpd="sng" algn="ctr">
+                      <a:solidFill>
+                        <a:srgbClr val="000000"/>
+                      </a:solidFill>
+                      <a:prstDash val="solid"/>
+                      <a:round/>
+                      <a:headEnd type="none" w="med" len="med"/>
+                      <a:tailEnd type="none" w="med" len="med"/>
+                    </a:lnT>
+                    <a:lnB w="6350" cap="flat" cmpd="sng" algn="ctr">
+                      <a:solidFill>
+                        <a:srgbClr val="000000"/>
+                      </a:solidFill>
+                      <a:prstDash val="solid"/>
+                      <a:round/>
+                      <a:headEnd type="none" w="med" len="med"/>
+                      <a:tailEnd type="none" w="med" len="med"/>
+                    </a:lnB>
+                    <a:solidFill>
+                      <a:srgbClr val="BDD7EE"/>
+                    </a:solidFill>
+                  </a:tcPr>
+                </a:tc>
+                <a:extLst>
+                  <a:ext uri="{0D108BD9-81ED-4DB2-BD59-A6C34878D82A}">
+                    <a16:rowId xmlns:a16="http://schemas.microsoft.com/office/drawing/2014/main" val="1052817832"/>
+                  </a:ext>
+                </a:extLst>
+              </a:tr>
+              <a:tr h="562810">
+                <a:tc>
+                  <a:txBody>
+                    <a:bodyPr/>
+                    <a:lstStyle/>
+                    <a:p>
+                      <a:pPr algn="ctr" fontAlgn="b"/>
+                      <a:r>
+                        <a:rPr lang="en-US" sz="1400" b="0" i="0" u="none" strike="noStrike">
+                          <a:solidFill>
+                            <a:srgbClr val="000000"/>
+                          </a:solidFill>
+                          <a:effectLst/>
+                          <a:latin typeface="Calibri" panose="020F0502020204030204" pitchFamily="34" charset="0"/>
+                        </a:rPr>
+                        <a:t>2016</a:t>
+                      </a:r>
+                    </a:p>
+                  </a:txBody>
+                  <a:tcPr marL="9525" marR="9525" marT="9525" marB="0" anchor="ctr">
+                    <a:lnL w="6350" cap="flat" cmpd="sng" algn="ctr">
+                      <a:solidFill>
+                        <a:srgbClr val="000000"/>
+                      </a:solidFill>
+                      <a:prstDash val="solid"/>
+                      <a:round/>
+                      <a:headEnd type="none" w="med" len="med"/>
+                      <a:tailEnd type="none" w="med" len="med"/>
+                    </a:lnL>
+                    <a:lnR w="6350" cap="flat" cmpd="sng" algn="ctr">
+                      <a:solidFill>
+                        <a:srgbClr val="000000"/>
+                      </a:solidFill>
+                      <a:prstDash val="solid"/>
+                      <a:round/>
+                      <a:headEnd type="none" w="med" len="med"/>
+                      <a:tailEnd type="none" w="med" len="med"/>
+                    </a:lnR>
+                    <a:lnT w="6350" cap="flat" cmpd="sng" algn="ctr">
+                      <a:solidFill>
+                        <a:srgbClr val="000000"/>
+                      </a:solidFill>
+                      <a:prstDash val="solid"/>
+                      <a:round/>
+                      <a:headEnd type="none" w="med" len="med"/>
+                      <a:tailEnd type="none" w="med" len="med"/>
+                    </a:lnT>
+                    <a:lnB w="6350" cap="flat" cmpd="sng" algn="ctr">
+                      <a:solidFill>
+                        <a:srgbClr val="000000"/>
+                      </a:solidFill>
+                      <a:prstDash val="solid"/>
+                      <a:round/>
+                      <a:headEnd type="none" w="med" len="med"/>
+                      <a:tailEnd type="none" w="med" len="med"/>
+                    </a:lnB>
+                  </a:tcPr>
+                </a:tc>
+                <a:tc>
+                  <a:txBody>
+                    <a:bodyPr/>
+                    <a:lstStyle/>
+                    <a:p>
+                      <a:pPr algn="ctr" fontAlgn="b"/>
+                      <a:r>
+                        <a:rPr lang="en-US" sz="1400" b="0" i="0" u="none" strike="noStrike" dirty="0">
+                          <a:solidFill>
+                            <a:srgbClr val="000000"/>
+                          </a:solidFill>
+                          <a:effectLst/>
+                          <a:latin typeface="Calibri" panose="020F0502020204030204" pitchFamily="34" charset="0"/>
+                        </a:rPr>
+                        <a:t>224625</a:t>
+                      </a:r>
+                    </a:p>
+                  </a:txBody>
+                  <a:tcPr marL="9525" marR="9525" marT="9525" marB="0" anchor="ctr">
+                    <a:lnL w="6350" cap="flat" cmpd="sng" algn="ctr">
+                      <a:solidFill>
+                        <a:srgbClr val="000000"/>
+                      </a:solidFill>
+                      <a:prstDash val="solid"/>
+                      <a:round/>
+                      <a:headEnd type="none" w="med" len="med"/>
+                      <a:tailEnd type="none" w="med" len="med"/>
+                    </a:lnL>
+                    <a:lnR w="6350" cap="flat" cmpd="sng" algn="ctr">
+                      <a:solidFill>
+                        <a:srgbClr val="000000"/>
+                      </a:solidFill>
+                      <a:prstDash val="solid"/>
+                      <a:round/>
+                      <a:headEnd type="none" w="med" len="med"/>
+                      <a:tailEnd type="none" w="med" len="med"/>
+                    </a:lnR>
+                    <a:lnT w="6350" cap="flat" cmpd="sng" algn="ctr">
+                      <a:solidFill>
+                        <a:srgbClr val="000000"/>
+                      </a:solidFill>
+                      <a:prstDash val="solid"/>
+                      <a:round/>
+                      <a:headEnd type="none" w="med" len="med"/>
+                      <a:tailEnd type="none" w="med" len="med"/>
+                    </a:lnT>
+                    <a:lnB w="6350" cap="flat" cmpd="sng" algn="ctr">
+                      <a:solidFill>
+                        <a:srgbClr val="000000"/>
+                      </a:solidFill>
+                      <a:prstDash val="solid"/>
+                      <a:round/>
+                      <a:headEnd type="none" w="med" len="med"/>
+                      <a:tailEnd type="none" w="med" len="med"/>
+                    </a:lnB>
+                  </a:tcPr>
+                </a:tc>
+                <a:tc>
+                  <a:txBody>
+                    <a:bodyPr/>
+                    <a:lstStyle/>
+                    <a:p>
+                      <a:pPr algn="ctr" fontAlgn="b"/>
+                      <a:r>
+                        <a:rPr lang="en-US" sz="1400" b="0" i="0" u="none" strike="noStrike">
+                          <a:solidFill>
+                            <a:srgbClr val="000000"/>
+                          </a:solidFill>
+                          <a:effectLst/>
+                          <a:latin typeface="Calibri" panose="020F0502020204030204" pitchFamily="34" charset="0"/>
+                        </a:rPr>
+                        <a:t>7638</a:t>
+                      </a:r>
+                    </a:p>
+                  </a:txBody>
+                  <a:tcPr marL="9525" marR="9525" marT="9525" marB="0" anchor="ctr">
+                    <a:lnL w="6350" cap="flat" cmpd="sng" algn="ctr">
+                      <a:solidFill>
+                        <a:srgbClr val="000000"/>
+                      </a:solidFill>
+                      <a:prstDash val="solid"/>
+                      <a:round/>
+                      <a:headEnd type="none" w="med" len="med"/>
+                      <a:tailEnd type="none" w="med" len="med"/>
+                    </a:lnL>
+                    <a:lnR w="6350" cap="flat" cmpd="sng" algn="ctr">
+                      <a:solidFill>
+                        <a:srgbClr val="000000"/>
+                      </a:solidFill>
+                      <a:prstDash val="solid"/>
+                      <a:round/>
+                      <a:headEnd type="none" w="med" len="med"/>
+                      <a:tailEnd type="none" w="med" len="med"/>
+                    </a:lnR>
+                    <a:lnT w="6350" cap="flat" cmpd="sng" algn="ctr">
+                      <a:solidFill>
+                        <a:srgbClr val="000000"/>
+                      </a:solidFill>
+                      <a:prstDash val="solid"/>
+                      <a:round/>
+                      <a:headEnd type="none" w="med" len="med"/>
+                      <a:tailEnd type="none" w="med" len="med"/>
+                    </a:lnT>
+                    <a:lnB w="6350" cap="flat" cmpd="sng" algn="ctr">
+                      <a:solidFill>
+                        <a:srgbClr val="000000"/>
+                      </a:solidFill>
+                      <a:prstDash val="solid"/>
+                      <a:round/>
+                      <a:headEnd type="none" w="med" len="med"/>
+                      <a:tailEnd type="none" w="med" len="med"/>
+                    </a:lnB>
+                  </a:tcPr>
+                </a:tc>
+                <a:tc>
+                  <a:txBody>
+                    <a:bodyPr/>
+                    <a:lstStyle/>
+                    <a:p>
+                      <a:pPr algn="ctr" fontAlgn="b"/>
+                      <a:r>
+                        <a:rPr lang="en-US" sz="1400" b="0" i="0" u="none" strike="noStrike">
+                          <a:solidFill>
+                            <a:srgbClr val="000000"/>
+                          </a:solidFill>
+                          <a:effectLst/>
+                          <a:latin typeface="Calibri" panose="020F0502020204030204" pitchFamily="34" charset="0"/>
+                        </a:rPr>
+                        <a:t>5.30%</a:t>
+                      </a:r>
+                    </a:p>
+                  </a:txBody>
+                  <a:tcPr marL="9525" marR="9525" marT="9525" marB="0" anchor="ctr">
+                    <a:lnL w="6350" cap="flat" cmpd="sng" algn="ctr">
+                      <a:solidFill>
+                        <a:srgbClr val="000000"/>
+                      </a:solidFill>
+                      <a:prstDash val="solid"/>
+                      <a:round/>
+                      <a:headEnd type="none" w="med" len="med"/>
+                      <a:tailEnd type="none" w="med" len="med"/>
+                    </a:lnL>
+                    <a:lnR w="6350" cap="flat" cmpd="sng" algn="ctr">
+                      <a:solidFill>
+                        <a:srgbClr val="000000"/>
+                      </a:solidFill>
+                      <a:prstDash val="solid"/>
+                      <a:round/>
+                      <a:headEnd type="none" w="med" len="med"/>
+                      <a:tailEnd type="none" w="med" len="med"/>
+                    </a:lnR>
+                    <a:lnT w="6350" cap="flat" cmpd="sng" algn="ctr">
+                      <a:solidFill>
+                        <a:srgbClr val="000000"/>
+                      </a:solidFill>
+                      <a:prstDash val="solid"/>
+                      <a:round/>
+                      <a:headEnd type="none" w="med" len="med"/>
+                      <a:tailEnd type="none" w="med" len="med"/>
+                    </a:lnT>
+                    <a:lnB w="6350" cap="flat" cmpd="sng" algn="ctr">
+                      <a:solidFill>
+                        <a:srgbClr val="000000"/>
+                      </a:solidFill>
+                      <a:prstDash val="solid"/>
+                      <a:round/>
+                      <a:headEnd type="none" w="med" len="med"/>
+                      <a:tailEnd type="none" w="med" len="med"/>
+                    </a:lnB>
+                  </a:tcPr>
+                </a:tc>
+                <a:extLst>
+                  <a:ext uri="{0D108BD9-81ED-4DB2-BD59-A6C34878D82A}">
+                    <a16:rowId xmlns:a16="http://schemas.microsoft.com/office/drawing/2014/main" val="3325564383"/>
+                  </a:ext>
+                </a:extLst>
+              </a:tr>
+              <a:tr h="562810">
+                <a:tc>
+                  <a:txBody>
+                    <a:bodyPr/>
+                    <a:lstStyle/>
+                    <a:p>
+                      <a:pPr algn="ctr" fontAlgn="b"/>
+                      <a:r>
+                        <a:rPr lang="en-US" sz="1400" b="0" i="0" u="none" strike="noStrike">
+                          <a:solidFill>
+                            <a:srgbClr val="000000"/>
+                          </a:solidFill>
+                          <a:effectLst/>
+                          <a:latin typeface="Calibri" panose="020F0502020204030204" pitchFamily="34" charset="0"/>
+                        </a:rPr>
+                        <a:t>2017</a:t>
+                      </a:r>
+                    </a:p>
+                  </a:txBody>
+                  <a:tcPr marL="9525" marR="9525" marT="9525" marB="0" anchor="ctr">
+                    <a:lnL w="6350" cap="flat" cmpd="sng" algn="ctr">
+                      <a:solidFill>
+                        <a:srgbClr val="000000"/>
+                      </a:solidFill>
+                      <a:prstDash val="solid"/>
+                      <a:round/>
+                      <a:headEnd type="none" w="med" len="med"/>
+                      <a:tailEnd type="none" w="med" len="med"/>
+                    </a:lnL>
+                    <a:lnR w="6350" cap="flat" cmpd="sng" algn="ctr">
+                      <a:solidFill>
+                        <a:srgbClr val="000000"/>
+                      </a:solidFill>
+                      <a:prstDash val="solid"/>
+                      <a:round/>
+                      <a:headEnd type="none" w="med" len="med"/>
+                      <a:tailEnd type="none" w="med" len="med"/>
+                    </a:lnR>
+                    <a:lnT w="6350" cap="flat" cmpd="sng" algn="ctr">
+                      <a:solidFill>
+                        <a:srgbClr val="000000"/>
+                      </a:solidFill>
+                      <a:prstDash val="solid"/>
+                      <a:round/>
+                      <a:headEnd type="none" w="med" len="med"/>
+                      <a:tailEnd type="none" w="med" len="med"/>
+                    </a:lnT>
+                    <a:lnB w="6350" cap="flat" cmpd="sng" algn="ctr">
+                      <a:solidFill>
+                        <a:srgbClr val="000000"/>
+                      </a:solidFill>
+                      <a:prstDash val="solid"/>
+                      <a:round/>
+                      <a:headEnd type="none" w="med" len="med"/>
+                      <a:tailEnd type="none" w="med" len="med"/>
+                    </a:lnB>
+                  </a:tcPr>
+                </a:tc>
+                <a:tc>
+                  <a:txBody>
+                    <a:bodyPr/>
+                    <a:lstStyle/>
+                    <a:p>
+                      <a:pPr algn="ctr" fontAlgn="b"/>
+                      <a:r>
+                        <a:rPr lang="en-US" sz="1400" b="0" i="0" u="none" strike="noStrike" dirty="0">
+                          <a:solidFill>
+                            <a:srgbClr val="000000"/>
+                          </a:solidFill>
+                          <a:effectLst/>
+                          <a:latin typeface="Calibri" panose="020F0502020204030204" pitchFamily="34" charset="0"/>
+                        </a:rPr>
+                        <a:t>229898</a:t>
+                      </a:r>
+                    </a:p>
+                  </a:txBody>
+                  <a:tcPr marL="9525" marR="9525" marT="9525" marB="0" anchor="ctr">
+                    <a:lnL w="6350" cap="flat" cmpd="sng" algn="ctr">
+                      <a:solidFill>
+                        <a:srgbClr val="000000"/>
+                      </a:solidFill>
+                      <a:prstDash val="solid"/>
+                      <a:round/>
+                      <a:headEnd type="none" w="med" len="med"/>
+                      <a:tailEnd type="none" w="med" len="med"/>
+                    </a:lnL>
+                    <a:lnR w="6350" cap="flat" cmpd="sng" algn="ctr">
+                      <a:solidFill>
+                        <a:srgbClr val="000000"/>
+                      </a:solidFill>
+                      <a:prstDash val="solid"/>
+                      <a:round/>
+                      <a:headEnd type="none" w="med" len="med"/>
+                      <a:tailEnd type="none" w="med" len="med"/>
+                    </a:lnR>
+                    <a:lnT w="6350" cap="flat" cmpd="sng" algn="ctr">
+                      <a:solidFill>
+                        <a:srgbClr val="000000"/>
+                      </a:solidFill>
+                      <a:prstDash val="solid"/>
+                      <a:round/>
+                      <a:headEnd type="none" w="med" len="med"/>
+                      <a:tailEnd type="none" w="med" len="med"/>
+                    </a:lnT>
+                    <a:lnB w="6350" cap="flat" cmpd="sng" algn="ctr">
+                      <a:solidFill>
+                        <a:srgbClr val="000000"/>
+                      </a:solidFill>
+                      <a:prstDash val="solid"/>
+                      <a:round/>
+                      <a:headEnd type="none" w="med" len="med"/>
+                      <a:tailEnd type="none" w="med" len="med"/>
+                    </a:lnB>
+                  </a:tcPr>
+                </a:tc>
+                <a:tc>
+                  <a:txBody>
+                    <a:bodyPr/>
+                    <a:lstStyle/>
+                    <a:p>
+                      <a:pPr algn="ctr" fontAlgn="b"/>
+                      <a:r>
+                        <a:rPr lang="en-US" sz="1400" b="0" i="0" u="none" strike="noStrike">
+                          <a:solidFill>
+                            <a:srgbClr val="000000"/>
+                          </a:solidFill>
+                          <a:effectLst/>
+                          <a:latin typeface="Calibri" panose="020F0502020204030204" pitchFamily="34" charset="0"/>
+                        </a:rPr>
+                        <a:t>5424</a:t>
+                      </a:r>
+                    </a:p>
+                  </a:txBody>
+                  <a:tcPr marL="9525" marR="9525" marT="9525" marB="0" anchor="ctr">
+                    <a:lnL w="6350" cap="flat" cmpd="sng" algn="ctr">
+                      <a:solidFill>
+                        <a:srgbClr val="000000"/>
+                      </a:solidFill>
+                      <a:prstDash val="solid"/>
+                      <a:round/>
+                      <a:headEnd type="none" w="med" len="med"/>
+                      <a:tailEnd type="none" w="med" len="med"/>
+                    </a:lnL>
+                    <a:lnR w="6350" cap="flat" cmpd="sng" algn="ctr">
+                      <a:solidFill>
+                        <a:srgbClr val="000000"/>
+                      </a:solidFill>
+                      <a:prstDash val="solid"/>
+                      <a:round/>
+                      <a:headEnd type="none" w="med" len="med"/>
+                      <a:tailEnd type="none" w="med" len="med"/>
+                    </a:lnR>
+                    <a:lnT w="6350" cap="flat" cmpd="sng" algn="ctr">
+                      <a:solidFill>
+                        <a:srgbClr val="000000"/>
+                      </a:solidFill>
+                      <a:prstDash val="solid"/>
+                      <a:round/>
+                      <a:headEnd type="none" w="med" len="med"/>
+                      <a:tailEnd type="none" w="med" len="med"/>
+                    </a:lnT>
+                    <a:lnB w="6350" cap="flat" cmpd="sng" algn="ctr">
+                      <a:solidFill>
+                        <a:srgbClr val="000000"/>
+                      </a:solidFill>
+                      <a:prstDash val="solid"/>
+                      <a:round/>
+                      <a:headEnd type="none" w="med" len="med"/>
+                      <a:tailEnd type="none" w="med" len="med"/>
+                    </a:lnB>
+                  </a:tcPr>
+                </a:tc>
+                <a:tc>
+                  <a:txBody>
+                    <a:bodyPr/>
+                    <a:lstStyle/>
+                    <a:p>
+                      <a:pPr algn="ctr" fontAlgn="b"/>
+                      <a:r>
+                        <a:rPr lang="en-US" sz="1400" b="0" i="0" u="none" strike="noStrike">
+                          <a:solidFill>
+                            <a:srgbClr val="000000"/>
+                          </a:solidFill>
+                          <a:effectLst/>
+                          <a:latin typeface="Calibri" panose="020F0502020204030204" pitchFamily="34" charset="0"/>
+                        </a:rPr>
+                        <a:t>4.80%</a:t>
+                      </a:r>
+                    </a:p>
+                  </a:txBody>
+                  <a:tcPr marL="9525" marR="9525" marT="9525" marB="0" anchor="ctr">
+                    <a:lnL w="6350" cap="flat" cmpd="sng" algn="ctr">
+                      <a:solidFill>
+                        <a:srgbClr val="000000"/>
+                      </a:solidFill>
+                      <a:prstDash val="solid"/>
+                      <a:round/>
+                      <a:headEnd type="none" w="med" len="med"/>
+                      <a:tailEnd type="none" w="med" len="med"/>
+                    </a:lnL>
+                    <a:lnR w="6350" cap="flat" cmpd="sng" algn="ctr">
+                      <a:solidFill>
+                        <a:srgbClr val="000000"/>
+                      </a:solidFill>
+                      <a:prstDash val="solid"/>
+                      <a:round/>
+                      <a:headEnd type="none" w="med" len="med"/>
+                      <a:tailEnd type="none" w="med" len="med"/>
+                    </a:lnR>
+                    <a:lnT w="6350" cap="flat" cmpd="sng" algn="ctr">
+                      <a:solidFill>
+                        <a:srgbClr val="000000"/>
+                      </a:solidFill>
+                      <a:prstDash val="solid"/>
+                      <a:round/>
+                      <a:headEnd type="none" w="med" len="med"/>
+                      <a:tailEnd type="none" w="med" len="med"/>
+                    </a:lnT>
+                    <a:lnB w="6350" cap="flat" cmpd="sng" algn="ctr">
+                      <a:solidFill>
+                        <a:srgbClr val="000000"/>
+                      </a:solidFill>
+                      <a:prstDash val="solid"/>
+                      <a:round/>
+                      <a:headEnd type="none" w="med" len="med"/>
+                      <a:tailEnd type="none" w="med" len="med"/>
+                    </a:lnB>
+                  </a:tcPr>
+                </a:tc>
+                <a:extLst>
+                  <a:ext uri="{0D108BD9-81ED-4DB2-BD59-A6C34878D82A}">
+                    <a16:rowId xmlns:a16="http://schemas.microsoft.com/office/drawing/2014/main" val="2069181580"/>
+                  </a:ext>
+                </a:extLst>
+              </a:tr>
+              <a:tr h="562810">
+                <a:tc>
+                  <a:txBody>
+                    <a:bodyPr/>
+                    <a:lstStyle/>
+                    <a:p>
+                      <a:pPr algn="ctr" fontAlgn="b"/>
+                      <a:r>
+                        <a:rPr lang="en-US" sz="1400" b="0" i="0" u="none" strike="noStrike">
+                          <a:solidFill>
+                            <a:srgbClr val="000000"/>
+                          </a:solidFill>
+                          <a:effectLst/>
+                          <a:latin typeface="Calibri" panose="020F0502020204030204" pitchFamily="34" charset="0"/>
+                        </a:rPr>
+                        <a:t>2018</a:t>
+                      </a:r>
+                    </a:p>
+                  </a:txBody>
+                  <a:tcPr marL="9525" marR="9525" marT="9525" marB="0" anchor="ctr">
+                    <a:lnL w="6350" cap="flat" cmpd="sng" algn="ctr">
+                      <a:solidFill>
+                        <a:srgbClr val="000000"/>
+                      </a:solidFill>
+                      <a:prstDash val="solid"/>
+                      <a:round/>
+                      <a:headEnd type="none" w="med" len="med"/>
+                      <a:tailEnd type="none" w="med" len="med"/>
+                    </a:lnL>
+                    <a:lnR w="6350" cap="flat" cmpd="sng" algn="ctr">
+                      <a:solidFill>
+                        <a:srgbClr val="000000"/>
+                      </a:solidFill>
+                      <a:prstDash val="solid"/>
+                      <a:round/>
+                      <a:headEnd type="none" w="med" len="med"/>
+                      <a:tailEnd type="none" w="med" len="med"/>
+                    </a:lnR>
+                    <a:lnT w="6350" cap="flat" cmpd="sng" algn="ctr">
+                      <a:solidFill>
+                        <a:srgbClr val="000000"/>
+                      </a:solidFill>
+                      <a:prstDash val="solid"/>
+                      <a:round/>
+                      <a:headEnd type="none" w="med" len="med"/>
+                      <a:tailEnd type="none" w="med" len="med"/>
+                    </a:lnT>
+                    <a:lnB w="6350" cap="flat" cmpd="sng" algn="ctr">
+                      <a:solidFill>
+                        <a:srgbClr val="000000"/>
+                      </a:solidFill>
+                      <a:prstDash val="solid"/>
+                      <a:round/>
+                      <a:headEnd type="none" w="med" len="med"/>
+                      <a:tailEnd type="none" w="med" len="med"/>
+                    </a:lnB>
+                  </a:tcPr>
+                </a:tc>
+                <a:tc>
+                  <a:txBody>
+                    <a:bodyPr/>
+                    <a:lstStyle/>
+                    <a:p>
+                      <a:pPr algn="ctr" fontAlgn="b"/>
+                      <a:r>
+                        <a:rPr lang="en-US" sz="1400" b="0" i="0" u="none" strike="noStrike">
+                          <a:solidFill>
+                            <a:srgbClr val="000000"/>
+                          </a:solidFill>
+                          <a:effectLst/>
+                          <a:latin typeface="Calibri" panose="020F0502020204030204" pitchFamily="34" charset="0"/>
+                        </a:rPr>
+                        <a:t>226807</a:t>
+                      </a:r>
+                    </a:p>
+                  </a:txBody>
+                  <a:tcPr marL="9525" marR="9525" marT="9525" marB="0" anchor="ctr">
+                    <a:lnL w="6350" cap="flat" cmpd="sng" algn="ctr">
+                      <a:solidFill>
+                        <a:srgbClr val="000000"/>
+                      </a:solidFill>
+                      <a:prstDash val="solid"/>
+                      <a:round/>
+                      <a:headEnd type="none" w="med" len="med"/>
+                      <a:tailEnd type="none" w="med" len="med"/>
+                    </a:lnL>
+                    <a:lnR w="6350" cap="flat" cmpd="sng" algn="ctr">
+                      <a:solidFill>
+                        <a:srgbClr val="000000"/>
+                      </a:solidFill>
+                      <a:prstDash val="solid"/>
+                      <a:round/>
+                      <a:headEnd type="none" w="med" len="med"/>
+                      <a:tailEnd type="none" w="med" len="med"/>
+                    </a:lnR>
+                    <a:lnT w="6350" cap="flat" cmpd="sng" algn="ctr">
+                      <a:solidFill>
+                        <a:srgbClr val="000000"/>
+                      </a:solidFill>
+                      <a:prstDash val="solid"/>
+                      <a:round/>
+                      <a:headEnd type="none" w="med" len="med"/>
+                      <a:tailEnd type="none" w="med" len="med"/>
+                    </a:lnT>
+                    <a:lnB w="6350" cap="flat" cmpd="sng" algn="ctr">
+                      <a:solidFill>
+                        <a:srgbClr val="000000"/>
+                      </a:solidFill>
+                      <a:prstDash val="solid"/>
+                      <a:round/>
+                      <a:headEnd type="none" w="med" len="med"/>
+                      <a:tailEnd type="none" w="med" len="med"/>
+                    </a:lnB>
+                  </a:tcPr>
+                </a:tc>
+                <a:tc>
+                  <a:txBody>
+                    <a:bodyPr/>
+                    <a:lstStyle/>
+                    <a:p>
+                      <a:pPr algn="ctr" fontAlgn="b"/>
+                      <a:r>
+                        <a:rPr lang="en-US" sz="1400" b="0" i="0" u="none" strike="noStrike" dirty="0">
+                          <a:solidFill>
+                            <a:srgbClr val="000000"/>
+                          </a:solidFill>
+                          <a:effectLst/>
+                          <a:latin typeface="Calibri" panose="020F0502020204030204" pitchFamily="34" charset="0"/>
+                        </a:rPr>
+                        <a:t>3055</a:t>
+                      </a:r>
+                    </a:p>
+                  </a:txBody>
+                  <a:tcPr marL="9525" marR="9525" marT="9525" marB="0" anchor="ctr">
+                    <a:lnL w="6350" cap="flat" cmpd="sng" algn="ctr">
+                      <a:solidFill>
+                        <a:srgbClr val="000000"/>
+                      </a:solidFill>
+                      <a:prstDash val="solid"/>
+                      <a:round/>
+                      <a:headEnd type="none" w="med" len="med"/>
+                      <a:tailEnd type="none" w="med" len="med"/>
+                    </a:lnL>
+                    <a:lnR w="6350" cap="flat" cmpd="sng" algn="ctr">
+                      <a:solidFill>
+                        <a:srgbClr val="000000"/>
+                      </a:solidFill>
+                      <a:prstDash val="solid"/>
+                      <a:round/>
+                      <a:headEnd type="none" w="med" len="med"/>
+                      <a:tailEnd type="none" w="med" len="med"/>
+                    </a:lnR>
+                    <a:lnT w="6350" cap="flat" cmpd="sng" algn="ctr">
+                      <a:solidFill>
+                        <a:srgbClr val="000000"/>
+                      </a:solidFill>
+                      <a:prstDash val="solid"/>
+                      <a:round/>
+                      <a:headEnd type="none" w="med" len="med"/>
+                      <a:tailEnd type="none" w="med" len="med"/>
+                    </a:lnT>
+                    <a:lnB w="6350" cap="flat" cmpd="sng" algn="ctr">
+                      <a:solidFill>
+                        <a:srgbClr val="000000"/>
+                      </a:solidFill>
+                      <a:prstDash val="solid"/>
+                      <a:round/>
+                      <a:headEnd type="none" w="med" len="med"/>
+                      <a:tailEnd type="none" w="med" len="med"/>
+                    </a:lnB>
+                  </a:tcPr>
+                </a:tc>
+                <a:tc>
+                  <a:txBody>
+                    <a:bodyPr/>
+                    <a:lstStyle/>
+                    <a:p>
+                      <a:pPr algn="ctr" fontAlgn="b"/>
+                      <a:r>
+                        <a:rPr lang="en-US" sz="1400" b="0" i="0" u="none" strike="noStrike" dirty="0">
+                          <a:solidFill>
+                            <a:srgbClr val="000000"/>
+                          </a:solidFill>
+                          <a:effectLst/>
+                          <a:latin typeface="Calibri" panose="020F0502020204030204" pitchFamily="34" charset="0"/>
+                        </a:rPr>
+                        <a:t>4.70%</a:t>
+                      </a:r>
+                    </a:p>
+                  </a:txBody>
+                  <a:tcPr marL="9525" marR="9525" marT="9525" marB="0" anchor="ctr">
+                    <a:lnL w="6350" cap="flat" cmpd="sng" algn="ctr">
+                      <a:solidFill>
+                        <a:srgbClr val="000000"/>
+                      </a:solidFill>
+                      <a:prstDash val="solid"/>
+                      <a:round/>
+                      <a:headEnd type="none" w="med" len="med"/>
+                      <a:tailEnd type="none" w="med" len="med"/>
+                    </a:lnL>
+                    <a:lnR w="6350" cap="flat" cmpd="sng" algn="ctr">
+                      <a:solidFill>
+                        <a:srgbClr val="000000"/>
+                      </a:solidFill>
+                      <a:prstDash val="solid"/>
+                      <a:round/>
+                      <a:headEnd type="none" w="med" len="med"/>
+                      <a:tailEnd type="none" w="med" len="med"/>
+                    </a:lnR>
+                    <a:lnT w="6350" cap="flat" cmpd="sng" algn="ctr">
+                      <a:solidFill>
+                        <a:srgbClr val="000000"/>
+                      </a:solidFill>
+                      <a:prstDash val="solid"/>
+                      <a:round/>
+                      <a:headEnd type="none" w="med" len="med"/>
+                      <a:tailEnd type="none" w="med" len="med"/>
+                    </a:lnT>
+                    <a:lnB w="6350" cap="flat" cmpd="sng" algn="ctr">
+                      <a:solidFill>
+                        <a:srgbClr val="000000"/>
+                      </a:solidFill>
+                      <a:prstDash val="solid"/>
+                      <a:round/>
+                      <a:headEnd type="none" w="med" len="med"/>
+                      <a:tailEnd type="none" w="med" len="med"/>
+                    </a:lnB>
+                  </a:tcPr>
+                </a:tc>
+                <a:extLst>
+                  <a:ext uri="{0D108BD9-81ED-4DB2-BD59-A6C34878D82A}">
+                    <a16:rowId xmlns:a16="http://schemas.microsoft.com/office/drawing/2014/main" val="2492009547"/>
+                  </a:ext>
+                </a:extLst>
+              </a:tr>
+            </a:tbl>
+          </a:graphicData>
+        </a:graphic>
+      </p:graphicFrame>
     </p:spTree>
     <p:extLst>
       <p:ext uri="{BB962C8B-B14F-4D97-AF65-F5344CB8AC3E}">
-        <p14:creationId xmlns:p14="http://schemas.microsoft.com/office/powerpoint/2010/main" val="3569112471"/>
+        <p14:creationId xmlns:p14="http://schemas.microsoft.com/office/powerpoint/2010/main" val="448729442"/>
       </p:ext>
     </p:extLst>
   </p:cSld>
@@ -7266,7 +9947,7 @@
         </p:nvSpPr>
         <p:spPr>
           <a:xfrm>
-            <a:off x="1024128" y="965871"/>
+            <a:off x="1024128" y="758046"/>
             <a:ext cx="10058400" cy="653923"/>
           </a:xfrm>
         </p:spPr>
@@ -7277,12 +9958,12 @@
           <a:lstStyle/>
           <a:p>
             <a:r>
-              <a:rPr lang="en-US" sz="3200" dirty="0"/>
-              <a:t>YOY </a:t>
-            </a:r>
-            <a:r>
               <a:rPr lang="en-US" sz="3200" dirty="0" smtClean="0"/>
-              <a:t>Unemployment Rate (YOY 2016 – 2019)</a:t>
+              <a:t>Foreclosures Vs Crime (YOY 2016 – </a:t>
+            </a:r>
+            <a:r>
+              <a:rPr lang="en-US" sz="3200" dirty="0" smtClean="0"/>
+              <a:t>2018)</a:t>
             </a:r>
             <a:endParaRPr lang="en-US" sz="3200" dirty="0"/>
           </a:p>
@@ -7352,8 +10033,68 @@
         </p:blipFill>
         <p:spPr>
           <a:xfrm>
-            <a:off x="2549237" y="1619794"/>
-            <a:ext cx="7959434" cy="4350005"/>
+            <a:off x="151278" y="2238279"/>
+            <a:ext cx="3934690" cy="3378970"/>
+          </a:xfrm>
+          <a:prstGeom prst="rect">
+            <a:avLst/>
+          </a:prstGeom>
+        </p:spPr>
+      </p:pic>
+      <p:pic>
+        <p:nvPicPr>
+          <p:cNvPr id="6" name="Picture 5"/>
+          <p:cNvPicPr>
+            <a:picLocks noChangeAspect="1"/>
+          </p:cNvPicPr>
+          <p:nvPr/>
+        </p:nvPicPr>
+        <p:blipFill>
+          <a:blip r:embed="rId3">
+            <a:extLst>
+              <a:ext uri="{28A0092B-C50C-407E-A947-70E740481C1C}">
+                <a14:useLocalDpi xmlns:a14="http://schemas.microsoft.com/office/drawing/2010/main" val="0"/>
+              </a:ext>
+            </a:extLst>
+          </a:blip>
+          <a:stretch>
+            <a:fillRect/>
+          </a:stretch>
+        </p:blipFill>
+        <p:spPr>
+          <a:xfrm>
+            <a:off x="4293787" y="2238279"/>
+            <a:ext cx="3991232" cy="3192703"/>
+          </a:xfrm>
+          <a:prstGeom prst="rect">
+            <a:avLst/>
+          </a:prstGeom>
+        </p:spPr>
+      </p:pic>
+      <p:pic>
+        <p:nvPicPr>
+          <p:cNvPr id="7" name="Picture 6"/>
+          <p:cNvPicPr>
+            <a:picLocks noChangeAspect="1"/>
+          </p:cNvPicPr>
+          <p:nvPr/>
+        </p:nvPicPr>
+        <p:blipFill>
+          <a:blip r:embed="rId4">
+            <a:extLst>
+              <a:ext uri="{28A0092B-C50C-407E-A947-70E740481C1C}">
+                <a14:useLocalDpi xmlns:a14="http://schemas.microsoft.com/office/drawing/2010/main" val="0"/>
+              </a:ext>
+            </a:extLst>
+          </a:blip>
+          <a:stretch>
+            <a:fillRect/>
+          </a:stretch>
+        </p:blipFill>
+        <p:spPr>
+          <a:xfrm>
+            <a:off x="8492839" y="2238279"/>
+            <a:ext cx="3491344" cy="3040303"/>
           </a:xfrm>
           <a:prstGeom prst="rect">
             <a:avLst/>
@@ -7363,7 +10104,7 @@
     </p:spTree>
     <p:extLst>
       <p:ext uri="{BB962C8B-B14F-4D97-AF65-F5344CB8AC3E}">
-        <p14:creationId xmlns:p14="http://schemas.microsoft.com/office/powerpoint/2010/main" val="3965987379"/>
+        <p14:creationId xmlns:p14="http://schemas.microsoft.com/office/powerpoint/2010/main" val="3569112471"/>
       </p:ext>
     </p:extLst>
   </p:cSld>
@@ -7413,20 +10154,148 @@
           <a:lstStyle/>
           <a:p>
             <a:r>
+              <a:rPr lang="en-US" sz="3200" dirty="0"/>
+              <a:t>YOY </a:t>
+            </a:r>
+            <a:r>
               <a:rPr lang="en-US" sz="3200" dirty="0" smtClean="0"/>
-              <a:t>Top Crimes in foreclosure zones </a:t>
+              <a:t>Unemployment Rate (YOY 2016 – </a:t>
             </a:r>
             <a:r>
               <a:rPr lang="en-US" sz="3200" dirty="0" smtClean="0"/>
-              <a:t>(</a:t>
-            </a:r>
+              <a:t>2018)</a:t>
+            </a:r>
+            <a:endParaRPr lang="en-US" sz="3200" dirty="0"/>
+          </a:p>
+        </p:txBody>
+      </p:sp>
+      <p:sp>
+        <p:nvSpPr>
+          <p:cNvPr id="3" name="Content Placeholder 2"/>
+          <p:cNvSpPr>
+            <a:spLocks noGrp="1"/>
+          </p:cNvSpPr>
+          <p:nvPr>
+            <p:ph idx="1"/>
+          </p:nvPr>
+        </p:nvSpPr>
+        <p:spPr>
+          <a:xfrm>
+            <a:off x="1024128" y="1789611"/>
+            <a:ext cx="9720071" cy="4519749"/>
+          </a:xfrm>
+        </p:spPr>
+        <p:txBody>
+          <a:bodyPr/>
+          <a:lstStyle/>
+          <a:p>
+            <a:endParaRPr lang="en-US" dirty="0"/>
+          </a:p>
+          <a:p>
+            <a:pPr algn="ctr"/>
+            <a:endParaRPr lang="en-US" sz="3600" dirty="0" smtClean="0"/>
+          </a:p>
+          <a:p>
+            <a:pPr algn="ctr"/>
+            <a:endParaRPr lang="en-US" sz="3600" dirty="0"/>
+          </a:p>
+          <a:p>
+            <a:pPr marL="0" indent="0" algn="ctr">
+              <a:buNone/>
+            </a:pPr>
+            <a:endParaRPr lang="en-US" sz="3600" dirty="0" smtClean="0"/>
+          </a:p>
+          <a:p>
+            <a:pPr algn="ctr"/>
+            <a:endParaRPr lang="en-US" sz="3600" dirty="0"/>
+          </a:p>
+        </p:txBody>
+      </p:sp>
+      <p:pic>
+        <p:nvPicPr>
+          <p:cNvPr id="4" name="Picture 3"/>
+          <p:cNvPicPr>
+            <a:picLocks noChangeAspect="1"/>
+          </p:cNvPicPr>
+          <p:nvPr/>
+        </p:nvPicPr>
+        <p:blipFill>
+          <a:blip r:embed="rId2">
+            <a:extLst>
+              <a:ext uri="{28A0092B-C50C-407E-A947-70E740481C1C}">
+                <a14:useLocalDpi xmlns:a14="http://schemas.microsoft.com/office/drawing/2010/main" val="0"/>
+              </a:ext>
+            </a:extLst>
+          </a:blip>
+          <a:stretch>
+            <a:fillRect/>
+          </a:stretch>
+        </p:blipFill>
+        <p:spPr>
+          <a:xfrm>
+            <a:off x="1551084" y="2084692"/>
+            <a:ext cx="5487650" cy="3658433"/>
+          </a:xfrm>
+          <a:prstGeom prst="rect">
+            <a:avLst/>
+          </a:prstGeom>
+        </p:spPr>
+      </p:pic>
+    </p:spTree>
+    <p:extLst>
+      <p:ext uri="{BB962C8B-B14F-4D97-AF65-F5344CB8AC3E}">
+        <p14:creationId xmlns:p14="http://schemas.microsoft.com/office/powerpoint/2010/main" val="3965987379"/>
+      </p:ext>
+    </p:extLst>
+  </p:cSld>
+  <p:clrMapOvr>
+    <a:masterClrMapping/>
+  </p:clrMapOvr>
+</p:sld>
+</file>
+
+<file path=ppt/slides/slide8.xml><?xml version="1.0" encoding="utf-8"?>
+<p:sld xmlns:a="http://schemas.openxmlformats.org/drawingml/2006/main" xmlns:r="http://schemas.openxmlformats.org/officeDocument/2006/relationships" xmlns:p="http://schemas.openxmlformats.org/presentationml/2006/main">
+  <p:cSld>
+    <p:spTree>
+      <p:nvGrpSpPr>
+        <p:cNvPr id="1" name=""/>
+        <p:cNvGrpSpPr/>
+        <p:nvPr/>
+      </p:nvGrpSpPr>
+      <p:grpSpPr>
+        <a:xfrm>
+          <a:off x="0" y="0"/>
+          <a:ext cx="0" cy="0"/>
+          <a:chOff x="0" y="0"/>
+          <a:chExt cx="0" cy="0"/>
+        </a:xfrm>
+      </p:grpSpPr>
+      <p:sp>
+        <p:nvSpPr>
+          <p:cNvPr id="2" name="Title 1"/>
+          <p:cNvSpPr>
+            <a:spLocks noGrp="1"/>
+          </p:cNvSpPr>
+          <p:nvPr>
+            <p:ph type="title"/>
+          </p:nvPr>
+        </p:nvSpPr>
+        <p:spPr>
+          <a:xfrm>
+            <a:off x="1024128" y="965871"/>
+            <a:ext cx="10058400" cy="653923"/>
+          </a:xfrm>
+        </p:spPr>
+        <p:txBody>
+          <a:bodyPr>
+            <a:normAutofit/>
+          </a:bodyPr>
+          <a:lstStyle/>
+          <a:p>
             <a:r>
               <a:rPr lang="en-US" sz="3200" dirty="0" smtClean="0"/>
-              <a:t>2016</a:t>
-            </a:r>
-            <a:r>
-              <a:rPr lang="en-US" sz="3200" dirty="0" smtClean="0"/>
-              <a:t>) </a:t>
+              <a:t>Top Crimes in foreclosure zones (2016) </a:t>
             </a:r>
             <a:endParaRPr lang="en-US" sz="3200" dirty="0"/>
           </a:p>
@@ -7511,7 +10380,7 @@
 </p:sld>
 </file>
 
-<file path=ppt/slides/slide8.xml><?xml version="1.0" encoding="utf-8"?>
+<file path=ppt/slides/slide9.xml><?xml version="1.0" encoding="utf-8"?>
 <p:sld xmlns:a="http://schemas.openxmlformats.org/drawingml/2006/main" xmlns:r="http://schemas.openxmlformats.org/officeDocument/2006/relationships" xmlns:p="http://schemas.openxmlformats.org/presentationml/2006/main">
   <p:cSld>
     <p:spTree>
@@ -7552,19 +10421,7 @@
           <a:p>
             <a:r>
               <a:rPr lang="en-US" sz="3200" dirty="0" smtClean="0"/>
-              <a:t>Top Crimes in foreclosure zones </a:t>
-            </a:r>
-            <a:r>
-              <a:rPr lang="en-US" sz="3200" dirty="0" smtClean="0"/>
-              <a:t>(</a:t>
-            </a:r>
-            <a:r>
-              <a:rPr lang="en-US" sz="3200" dirty="0" smtClean="0"/>
-              <a:t>2017</a:t>
-            </a:r>
-            <a:r>
-              <a:rPr lang="en-US" sz="3200" dirty="0" smtClean="0"/>
-              <a:t>) </a:t>
+              <a:t>Top Crimes in foreclosure zones (2017) </a:t>
             </a:r>
             <a:endParaRPr lang="en-US" sz="3200" dirty="0"/>
           </a:p>
@@ -7640,144 +10497,6 @@
     <p:extLst>
       <p:ext uri="{BB962C8B-B14F-4D97-AF65-F5344CB8AC3E}">
         <p14:creationId xmlns:p14="http://schemas.microsoft.com/office/powerpoint/2010/main" val="4266846173"/>
-      </p:ext>
-    </p:extLst>
-  </p:cSld>
-  <p:clrMapOvr>
-    <a:masterClrMapping/>
-  </p:clrMapOvr>
-</p:sld>
-</file>
-
-<file path=ppt/slides/slide9.xml><?xml version="1.0" encoding="utf-8"?>
-<p:sld xmlns:a="http://schemas.openxmlformats.org/drawingml/2006/main" xmlns:r="http://schemas.openxmlformats.org/officeDocument/2006/relationships" xmlns:p="http://schemas.openxmlformats.org/presentationml/2006/main">
-  <p:cSld>
-    <p:spTree>
-      <p:nvGrpSpPr>
-        <p:cNvPr id="1" name=""/>
-        <p:cNvGrpSpPr/>
-        <p:nvPr/>
-      </p:nvGrpSpPr>
-      <p:grpSpPr>
-        <a:xfrm>
-          <a:off x="0" y="0"/>
-          <a:ext cx="0" cy="0"/>
-          <a:chOff x="0" y="0"/>
-          <a:chExt cx="0" cy="0"/>
-        </a:xfrm>
-      </p:grpSpPr>
-      <p:sp>
-        <p:nvSpPr>
-          <p:cNvPr id="2" name="Title 1"/>
-          <p:cNvSpPr>
-            <a:spLocks noGrp="1"/>
-          </p:cNvSpPr>
-          <p:nvPr>
-            <p:ph type="title"/>
-          </p:nvPr>
-        </p:nvSpPr>
-        <p:spPr>
-          <a:xfrm>
-            <a:off x="1024128" y="965871"/>
-            <a:ext cx="10058400" cy="653923"/>
-          </a:xfrm>
-        </p:spPr>
-        <p:txBody>
-          <a:bodyPr>
-            <a:normAutofit/>
-          </a:bodyPr>
-          <a:lstStyle/>
-          <a:p>
-            <a:r>
-              <a:rPr lang="en-US" sz="3200" dirty="0" smtClean="0"/>
-              <a:t>Top Crimes in foreclosure zones </a:t>
-            </a:r>
-            <a:r>
-              <a:rPr lang="en-US" sz="3200" dirty="0" smtClean="0"/>
-              <a:t>(</a:t>
-            </a:r>
-            <a:r>
-              <a:rPr lang="en-US" sz="3200" dirty="0" smtClean="0"/>
-              <a:t>2018</a:t>
-            </a:r>
-            <a:r>
-              <a:rPr lang="en-US" sz="3200" dirty="0" smtClean="0"/>
-              <a:t>) </a:t>
-            </a:r>
-            <a:endParaRPr lang="en-US" sz="3200" dirty="0"/>
-          </a:p>
-        </p:txBody>
-      </p:sp>
-      <p:sp>
-        <p:nvSpPr>
-          <p:cNvPr id="3" name="Content Placeholder 2"/>
-          <p:cNvSpPr>
-            <a:spLocks noGrp="1"/>
-          </p:cNvSpPr>
-          <p:nvPr>
-            <p:ph idx="1"/>
-          </p:nvPr>
-        </p:nvSpPr>
-        <p:spPr>
-          <a:xfrm>
-            <a:off x="1024128" y="1789611"/>
-            <a:ext cx="9720071" cy="4519749"/>
-          </a:xfrm>
-        </p:spPr>
-        <p:txBody>
-          <a:bodyPr/>
-          <a:lstStyle/>
-          <a:p>
-            <a:endParaRPr lang="en-US" dirty="0"/>
-          </a:p>
-          <a:p>
-            <a:pPr algn="ctr"/>
-            <a:endParaRPr lang="en-US" sz="3600" dirty="0" smtClean="0"/>
-          </a:p>
-          <a:p>
-            <a:pPr algn="ctr"/>
-            <a:endParaRPr lang="en-US" sz="3600" dirty="0"/>
-          </a:p>
-          <a:p>
-            <a:pPr algn="ctr"/>
-            <a:endParaRPr lang="en-US" sz="3600" dirty="0"/>
-          </a:p>
-        </p:txBody>
-      </p:sp>
-      <p:pic>
-        <p:nvPicPr>
-          <p:cNvPr id="5" name="Picture 4"/>
-          <p:cNvPicPr>
-            <a:picLocks noChangeAspect="1"/>
-          </p:cNvPicPr>
-          <p:nvPr/>
-        </p:nvPicPr>
-        <p:blipFill>
-          <a:blip r:embed="rId2">
-            <a:extLst>
-              <a:ext uri="{28A0092B-C50C-407E-A947-70E740481C1C}">
-                <a14:useLocalDpi xmlns:a14="http://schemas.microsoft.com/office/drawing/2010/main" val="0"/>
-              </a:ext>
-            </a:extLst>
-          </a:blip>
-          <a:stretch>
-            <a:fillRect/>
-          </a:stretch>
-        </p:blipFill>
-        <p:spPr>
-          <a:xfrm>
-            <a:off x="0" y="1789610"/>
-            <a:ext cx="12192000" cy="4687389"/>
-          </a:xfrm>
-          <a:prstGeom prst="rect">
-            <a:avLst/>
-          </a:prstGeom>
-        </p:spPr>
-      </p:pic>
-    </p:spTree>
-    <p:extLst>
-      <p:ext uri="{BB962C8B-B14F-4D97-AF65-F5344CB8AC3E}">
-        <p14:creationId xmlns:p14="http://schemas.microsoft.com/office/powerpoint/2010/main" val="1683141984"/>
       </p:ext>
     </p:extLst>
   </p:cSld>
